--- a/docs/presentation/Sunbird Saral_Overview_Architecture_EKStep.pptx
+++ b/docs/presentation/Sunbird Saral_Overview_Architecture_EKStep.pptx
@@ -1,77 +1,70 @@
 
 <file path=ppt/presentation.xml><?xml version="1.0" encoding="utf-8"?>
-<p:presentation xmlns:a="http://schemas.openxmlformats.org/drawingml/2006/main" xmlns:r="http://schemas.openxmlformats.org/officeDocument/2006/relationships" xmlns:mc="http://schemas.openxmlformats.org/markup-compatibility/2006" xmlns:mv="urn:schemas-microsoft-com:mac:vml" xmlns:p="http://schemas.openxmlformats.org/presentationml/2006/main" xmlns:c="http://schemas.openxmlformats.org/drawingml/2006/chart" xmlns:dgm="http://schemas.openxmlformats.org/drawingml/2006/diagram" xmlns:o="urn:schemas-microsoft-com:office:office" xmlns:v="urn:schemas-microsoft-com:vml" xmlns:pvml="urn:schemas-microsoft-com:office:powerpoint" xmlns:com="http://schemas.openxmlformats.org/drawingml/2006/compatibility" xmlns:p14="http://schemas.microsoft.com/office/powerpoint/2010/main" xmlns:p15="http://schemas.microsoft.com/office/powerpoint/2012/main" xmlns:ahyp="http://schemas.microsoft.com/office/drawing/2018/hyperlinkcolor" autoCompressPictures="0" embedTrueTypeFonts="1" strictFirstAndLastChars="0" saveSubsetFonts="1">
+<p:presentation xmlns:a="http://schemas.openxmlformats.org/drawingml/2006/main" xmlns:r="http://schemas.openxmlformats.org/officeDocument/2006/relationships" xmlns:p="http://schemas.openxmlformats.org/presentationml/2006/main" strictFirstAndLastChars="0" embedTrueTypeFonts="1" saveSubsetFonts="1" autoCompressPictures="0">
   <p:sldMasterIdLst>
-    <p:sldMasterId id="2147483660" r:id="rId4"/>
+    <p:sldMasterId id="2147483660" r:id="rId1"/>
   </p:sldMasterIdLst>
   <p:notesMasterIdLst>
-    <p:notesMasterId r:id="rId5"/>
+    <p:notesMasterId r:id="rId17"/>
   </p:notesMasterIdLst>
   <p:sldIdLst>
-    <p:sldId id="256" r:id="rId6"/>
-    <p:sldId id="257" r:id="rId7"/>
-    <p:sldId id="258" r:id="rId8"/>
-    <p:sldId id="259" r:id="rId9"/>
-    <p:sldId id="260" r:id="rId10"/>
-    <p:sldId id="261" r:id="rId11"/>
-    <p:sldId id="262" r:id="rId12"/>
-    <p:sldId id="263" r:id="rId13"/>
-    <p:sldId id="264" r:id="rId14"/>
-    <p:sldId id="265" r:id="rId15"/>
-    <p:sldId id="266" r:id="rId16"/>
-    <p:sldId id="267" r:id="rId17"/>
-    <p:sldId id="268" r:id="rId18"/>
-    <p:sldId id="269" r:id="rId19"/>
-    <p:sldId id="270" r:id="rId20"/>
+    <p:sldId id="256" r:id="rId2"/>
+    <p:sldId id="257" r:id="rId3"/>
+    <p:sldId id="258" r:id="rId4"/>
+    <p:sldId id="259" r:id="rId5"/>
+    <p:sldId id="260" r:id="rId6"/>
+    <p:sldId id="261" r:id="rId7"/>
+    <p:sldId id="262" r:id="rId8"/>
+    <p:sldId id="263" r:id="rId9"/>
+    <p:sldId id="264" r:id="rId10"/>
+    <p:sldId id="265" r:id="rId11"/>
+    <p:sldId id="266" r:id="rId12"/>
+    <p:sldId id="267" r:id="rId13"/>
+    <p:sldId id="268" r:id="rId14"/>
+    <p:sldId id="269" r:id="rId15"/>
+    <p:sldId id="270" r:id="rId16"/>
   </p:sldIdLst>
-  <p:sldSz cy="5143500" cx="9144000"/>
+  <p:sldSz cx="9144000" cy="5143500" type="screen16x9"/>
   <p:notesSz cx="6858000" cy="9144000"/>
   <p:embeddedFontLst>
     <p:embeddedFont>
-      <p:font typeface="Raleway"/>
-      <p:regular r:id="rId21"/>
-      <p:bold r:id="rId22"/>
-      <p:italic r:id="rId23"/>
-      <p:boldItalic r:id="rId24"/>
+      <p:font typeface="Economica" panose="020B0604020202020204" charset="0"/>
+      <p:regular r:id="rId18"/>
+      <p:bold r:id="rId19"/>
+      <p:italic r:id="rId20"/>
+      <p:boldItalic r:id="rId21"/>
     </p:embeddedFont>
     <p:embeddedFont>
-      <p:font typeface="Economica"/>
-      <p:regular r:id="rId25"/>
-      <p:bold r:id="rId26"/>
-      <p:italic r:id="rId27"/>
-      <p:boldItalic r:id="rId28"/>
+      <p:font typeface="Lato" panose="020F0502020204030203" pitchFamily="34" charset="0"/>
+      <p:regular r:id="rId22"/>
+      <p:bold r:id="rId23"/>
+      <p:italic r:id="rId24"/>
+      <p:boldItalic r:id="rId25"/>
     </p:embeddedFont>
     <p:embeddedFont>
-      <p:font typeface="Lato"/>
-      <p:regular r:id="rId29"/>
-      <p:bold r:id="rId30"/>
-      <p:italic r:id="rId31"/>
-      <p:boldItalic r:id="rId32"/>
+      <p:font typeface="Montserrat" panose="00000500000000000000" pitchFamily="2" charset="0"/>
+      <p:regular r:id="rId26"/>
+      <p:bold r:id="rId27"/>
+      <p:italic r:id="rId28"/>
+      <p:boldItalic r:id="rId29"/>
     </p:embeddedFont>
     <p:embeddedFont>
-      <p:font typeface="Montserrat"/>
-      <p:regular r:id="rId33"/>
-      <p:bold r:id="rId34"/>
-      <p:italic r:id="rId35"/>
-      <p:boldItalic r:id="rId36"/>
+      <p:font typeface="Open Sans" panose="020B0606030504020204" pitchFamily="34" charset="0"/>
+      <p:regular r:id="rId30"/>
+      <p:bold r:id="rId31"/>
+      <p:italic r:id="rId32"/>
+      <p:boldItalic r:id="rId33"/>
     </p:embeddedFont>
     <p:embeddedFont>
-      <p:font typeface="Open Sans SemiBold"/>
-      <p:regular r:id="rId37"/>
-      <p:bold r:id="rId38"/>
-      <p:italic r:id="rId39"/>
-      <p:boldItalic r:id="rId40"/>
-    </p:embeddedFont>
-    <p:embeddedFont>
-      <p:font typeface="Open Sans"/>
-      <p:regular r:id="rId41"/>
-      <p:bold r:id="rId42"/>
-      <p:italic r:id="rId43"/>
-      <p:boldItalic r:id="rId44"/>
+      <p:font typeface="Raleway" pitchFamily="2" charset="0"/>
+      <p:regular r:id="rId34"/>
+      <p:bold r:id="rId35"/>
+      <p:italic r:id="rId36"/>
+      <p:boldItalic r:id="rId37"/>
     </p:embeddedFont>
   </p:embeddedFontLst>
   <p:defaultTextStyle>
-    <a:defPPr lvl="0" marR="0" rtl="0" algn="l">
+    <a:defPPr marR="0" lvl="0" algn="l" rtl="0">
       <a:lnSpc>
         <a:spcPct val="100000"/>
       </a:lnSpc>
@@ -82,7 +75,7 @@
         <a:spcPts val="0"/>
       </a:spcAft>
     </a:defPPr>
-    <a:lvl1pPr lvl="0" marR="0" rtl="0" algn="l">
+    <a:lvl1pPr marR="0" lvl="0" algn="l" rtl="0">
       <a:lnSpc>
         <a:spcPct val="100000"/>
       </a:lnSpc>
@@ -96,7 +89,7 @@
         <a:srgbClr val="000000"/>
       </a:buClr>
       <a:buFont typeface="Arial"/>
-      <a:defRPr b="0" i="0" sz="1400" u="none" cap="none" strike="noStrike">
+      <a:defRPr sz="1400" b="0" i="0" u="none" strike="noStrike" cap="none">
         <a:solidFill>
           <a:srgbClr val="000000"/>
         </a:solidFill>
@@ -106,7 +99,7 @@
         <a:sym typeface="Arial"/>
       </a:defRPr>
     </a:lvl1pPr>
-    <a:lvl2pPr lvl="1" marR="0" rtl="0" algn="l">
+    <a:lvl2pPr marR="0" lvl="1" algn="l" rtl="0">
       <a:lnSpc>
         <a:spcPct val="100000"/>
       </a:lnSpc>
@@ -120,7 +113,7 @@
         <a:srgbClr val="000000"/>
       </a:buClr>
       <a:buFont typeface="Arial"/>
-      <a:defRPr b="0" i="0" sz="1400" u="none" cap="none" strike="noStrike">
+      <a:defRPr sz="1400" b="0" i="0" u="none" strike="noStrike" cap="none">
         <a:solidFill>
           <a:srgbClr val="000000"/>
         </a:solidFill>
@@ -130,7 +123,7 @@
         <a:sym typeface="Arial"/>
       </a:defRPr>
     </a:lvl2pPr>
-    <a:lvl3pPr lvl="2" marR="0" rtl="0" algn="l">
+    <a:lvl3pPr marR="0" lvl="2" algn="l" rtl="0">
       <a:lnSpc>
         <a:spcPct val="100000"/>
       </a:lnSpc>
@@ -144,7 +137,7 @@
         <a:srgbClr val="000000"/>
       </a:buClr>
       <a:buFont typeface="Arial"/>
-      <a:defRPr b="0" i="0" sz="1400" u="none" cap="none" strike="noStrike">
+      <a:defRPr sz="1400" b="0" i="0" u="none" strike="noStrike" cap="none">
         <a:solidFill>
           <a:srgbClr val="000000"/>
         </a:solidFill>
@@ -154,7 +147,7 @@
         <a:sym typeface="Arial"/>
       </a:defRPr>
     </a:lvl3pPr>
-    <a:lvl4pPr lvl="3" marR="0" rtl="0" algn="l">
+    <a:lvl4pPr marR="0" lvl="3" algn="l" rtl="0">
       <a:lnSpc>
         <a:spcPct val="100000"/>
       </a:lnSpc>
@@ -168,7 +161,7 @@
         <a:srgbClr val="000000"/>
       </a:buClr>
       <a:buFont typeface="Arial"/>
-      <a:defRPr b="0" i="0" sz="1400" u="none" cap="none" strike="noStrike">
+      <a:defRPr sz="1400" b="0" i="0" u="none" strike="noStrike" cap="none">
         <a:solidFill>
           <a:srgbClr val="000000"/>
         </a:solidFill>
@@ -178,7 +171,7 @@
         <a:sym typeface="Arial"/>
       </a:defRPr>
     </a:lvl4pPr>
-    <a:lvl5pPr lvl="4" marR="0" rtl="0" algn="l">
+    <a:lvl5pPr marR="0" lvl="4" algn="l" rtl="0">
       <a:lnSpc>
         <a:spcPct val="100000"/>
       </a:lnSpc>
@@ -192,7 +185,7 @@
         <a:srgbClr val="000000"/>
       </a:buClr>
       <a:buFont typeface="Arial"/>
-      <a:defRPr b="0" i="0" sz="1400" u="none" cap="none" strike="noStrike">
+      <a:defRPr sz="1400" b="0" i="0" u="none" strike="noStrike" cap="none">
         <a:solidFill>
           <a:srgbClr val="000000"/>
         </a:solidFill>
@@ -202,7 +195,7 @@
         <a:sym typeface="Arial"/>
       </a:defRPr>
     </a:lvl5pPr>
-    <a:lvl6pPr lvl="5" marR="0" rtl="0" algn="l">
+    <a:lvl6pPr marR="0" lvl="5" algn="l" rtl="0">
       <a:lnSpc>
         <a:spcPct val="100000"/>
       </a:lnSpc>
@@ -216,7 +209,7 @@
         <a:srgbClr val="000000"/>
       </a:buClr>
       <a:buFont typeface="Arial"/>
-      <a:defRPr b="0" i="0" sz="1400" u="none" cap="none" strike="noStrike">
+      <a:defRPr sz="1400" b="0" i="0" u="none" strike="noStrike" cap="none">
         <a:solidFill>
           <a:srgbClr val="000000"/>
         </a:solidFill>
@@ -226,7 +219,7 @@
         <a:sym typeface="Arial"/>
       </a:defRPr>
     </a:lvl6pPr>
-    <a:lvl7pPr lvl="6" marR="0" rtl="0" algn="l">
+    <a:lvl7pPr marR="0" lvl="6" algn="l" rtl="0">
       <a:lnSpc>
         <a:spcPct val="100000"/>
       </a:lnSpc>
@@ -240,7 +233,7 @@
         <a:srgbClr val="000000"/>
       </a:buClr>
       <a:buFont typeface="Arial"/>
-      <a:defRPr b="0" i="0" sz="1400" u="none" cap="none" strike="noStrike">
+      <a:defRPr sz="1400" b="0" i="0" u="none" strike="noStrike" cap="none">
         <a:solidFill>
           <a:srgbClr val="000000"/>
         </a:solidFill>
@@ -250,7 +243,7 @@
         <a:sym typeface="Arial"/>
       </a:defRPr>
     </a:lvl7pPr>
-    <a:lvl8pPr lvl="7" marR="0" rtl="0" algn="l">
+    <a:lvl8pPr marR="0" lvl="7" algn="l" rtl="0">
       <a:lnSpc>
         <a:spcPct val="100000"/>
       </a:lnSpc>
@@ -264,7 +257,7 @@
         <a:srgbClr val="000000"/>
       </a:buClr>
       <a:buFont typeface="Arial"/>
-      <a:defRPr b="0" i="0" sz="1400" u="none" cap="none" strike="noStrike">
+      <a:defRPr sz="1400" b="0" i="0" u="none" strike="noStrike" cap="none">
         <a:solidFill>
           <a:srgbClr val="000000"/>
         </a:solidFill>
@@ -274,7 +267,7 @@
         <a:sym typeface="Arial"/>
       </a:defRPr>
     </a:lvl8pPr>
-    <a:lvl9pPr lvl="8" marR="0" rtl="0" algn="l">
+    <a:lvl9pPr marR="0" lvl="8" algn="l" rtl="0">
       <a:lnSpc>
         <a:spcPct val="100000"/>
       </a:lnSpc>
@@ -288,7 +281,7 @@
         <a:srgbClr val="000000"/>
       </a:buClr>
       <a:buFont typeface="Arial"/>
-      <a:defRPr b="0" i="0" sz="1400" u="none" cap="none" strike="noStrike">
+      <a:defRPr sz="1400" b="0" i="0" u="none" strike="noStrike" cap="none">
         <a:solidFill>
           <a:srgbClr val="000000"/>
         </a:solidFill>
@@ -301,7 +294,7 @@
   </p:defaultTextStyle>
   <p:extLst>
     <p:ext uri="{EFAFB233-063F-42B5-8137-9DF3F51BA10A}">
-      <p15:sldGuideLst>
+      <p15:sldGuideLst xmlns:p15="http://schemas.microsoft.com/office/powerpoint/2012/main">
         <p15:guide id="1" orient="horz" pos="1620">
           <p15:clr>
             <a:srgbClr val="A4A3A4"/>
@@ -318,12 +311,31 @@
 </p:presentation>
 </file>
 
+<file path=ppt/revisionInfo.xml><?xml version="1.0" encoding="utf-8"?>
+<p1510:revInfo xmlns:a="http://schemas.openxmlformats.org/drawingml/2006/main" xmlns:r="http://schemas.openxmlformats.org/officeDocument/2006/relationships" xmlns:p1510="http://schemas.microsoft.com/office/powerpoint/2015/10/main">
+  <p1510:revLst>
+    <p1510:client id="{06B41B9F-E501-4793-9991-C558C3318AF2}" v="3" dt="2023-03-23T12:05:28.588"/>
+    <p1510:client id="{0DC9BAA4-32DA-4929-86EF-E501BE44FE1E}" v="171" dt="2023-03-24T10:43:55.834"/>
+    <p1510:client id="{27DBCB36-2A34-3EDC-8E55-8591249F6475}" v="14" dt="2023-03-27T05:32:08.216"/>
+    <p1510:client id="{7AF39FAE-C2B2-402C-A371-8F5D133E4C14}" v="456" dt="2023-03-23T13:01:40.703"/>
+    <p1510:client id="{A8CA3240-D797-4336-BD77-5E462A6C2FB9}" v="8" dt="2023-03-23T13:13:38.528"/>
+    <p1510:client id="{C69A5E0B-0B53-5944-3604-0A512EFAE8D3}" v="12" dt="2023-03-24T10:48:27.714"/>
+    <p1510:client id="{E06C0582-3912-7737-C07C-BBB78A06D865}" v="388" dt="2023-03-23T12:57:16.667"/>
+  </p1510:revLst>
+</p1510:revInfo>
+</file>
+
 <file path=ppt/notesMasters/notesMaster1.xml><?xml version="1.0" encoding="utf-8"?>
-<p:notesMaster xmlns:a="http://schemas.openxmlformats.org/drawingml/2006/main" xmlns:r="http://schemas.openxmlformats.org/officeDocument/2006/relationships" xmlns:mc="http://schemas.openxmlformats.org/markup-compatibility/2006" xmlns:mv="urn:schemas-microsoft-com:mac:vml" xmlns:p="http://schemas.openxmlformats.org/presentationml/2006/main" xmlns:c="http://schemas.openxmlformats.org/drawingml/2006/chart" xmlns:dgm="http://schemas.openxmlformats.org/drawingml/2006/diagram" xmlns:o="urn:schemas-microsoft-com:office:office" xmlns:v="urn:schemas-microsoft-com:vml" xmlns:pvml="urn:schemas-microsoft-com:office:powerpoint" xmlns:com="http://schemas.openxmlformats.org/drawingml/2006/compatibility" xmlns:p14="http://schemas.microsoft.com/office/powerpoint/2010/main" xmlns:p15="http://schemas.microsoft.com/office/powerpoint/2012/main" xmlns:ahyp="http://schemas.microsoft.com/office/drawing/2018/hyperlinkcolor">
+<p:notesMaster xmlns:a="http://schemas.openxmlformats.org/drawingml/2006/main" xmlns:r="http://schemas.openxmlformats.org/officeDocument/2006/relationships" xmlns:p="http://schemas.openxmlformats.org/presentationml/2006/main">
   <p:cSld>
+    <p:bg>
+      <p:bgRef idx="1001">
+        <a:schemeClr val="bg1"/>
+      </p:bgRef>
+    </p:bg>
     <p:spTree>
       <p:nvGrpSpPr>
-        <p:cNvPr id="2" name="Shape 2"/>
+        <p:cNvPr id="1" name="Shape 2"/>
         <p:cNvGrpSpPr/>
         <p:nvPr/>
       </p:nvGrpSpPr>
@@ -338,9 +350,11 @@
       <p:sp>
         <p:nvSpPr>
           <p:cNvPr id="3" name="Google Shape;3;n"/>
-          <p:cNvSpPr/>
+          <p:cNvSpPr>
+            <a:spLocks noGrp="1" noRot="1" noChangeAspect="1"/>
+          </p:cNvSpPr>
           <p:nvPr>
-            <p:ph idx="2" type="sldImg"/>
+            <p:ph type="sldImg" idx="2"/>
           </p:nvPr>
         </p:nvSpPr>
         <p:spPr>
@@ -349,9 +363,13 @@
             <a:ext cx="6096075" cy="3429000"/>
           </a:xfrm>
           <a:custGeom>
-            <a:rect b="b" l="l" r="r" t="t"/>
+            <a:avLst/>
+            <a:gdLst/>
+            <a:ahLst/>
+            <a:cxnLst/>
+            <a:rect l="l" t="t" r="r" b="b"/>
             <a:pathLst>
-              <a:path extrusionOk="0" h="120000" w="120000">
+              <a:path w="120000" h="120000" extrusionOk="0">
                 <a:moveTo>
                   <a:pt x="0" y="0"/>
                 </a:moveTo>
@@ -369,23 +387,25 @@
             </a:pathLst>
           </a:custGeom>
           <a:noFill/>
-          <a:ln cap="flat" cmpd="sng" w="9525">
+          <a:ln w="9525" cap="flat" cmpd="sng">
             <a:solidFill>
               <a:srgbClr val="000000"/>
             </a:solidFill>
             <a:prstDash val="solid"/>
             <a:round/>
-            <a:headEnd len="sm" w="sm" type="none"/>
-            <a:tailEnd len="sm" w="sm" type="none"/>
+            <a:headEnd type="none" w="sm" len="sm"/>
+            <a:tailEnd type="none" w="sm" len="sm"/>
           </a:ln>
         </p:spPr>
       </p:sp>
       <p:sp>
         <p:nvSpPr>
           <p:cNvPr id="4" name="Google Shape;4;n"/>
-          <p:cNvSpPr txBox="1"/>
+          <p:cNvSpPr txBox="1">
+            <a:spLocks noGrp="1"/>
+          </p:cNvSpPr>
           <p:nvPr>
-            <p:ph idx="1" type="body"/>
+            <p:ph type="body" idx="1"/>
           </p:nvPr>
         </p:nvSpPr>
         <p:spPr>
@@ -402,11 +422,11 @@
           </a:ln>
         </p:spPr>
         <p:txBody>
-          <a:bodyPr anchorCtr="0" anchor="t" bIns="91425" lIns="91425" spcFirstLastPara="1" rIns="91425" wrap="square" tIns="91425">
+          <a:bodyPr spcFirstLastPara="1" wrap="square" lIns="91425" tIns="91425" rIns="91425" bIns="91425" anchor="t" anchorCtr="0">
             <a:noAutofit/>
           </a:bodyPr>
           <a:lstStyle>
-            <a:lvl1pPr indent="-298450" lvl="0" marL="457200">
+            <a:lvl1pPr marL="457200" lvl="0" indent="-298450">
               <a:spcBef>
                 <a:spcPts val="0"/>
               </a:spcBef>
@@ -417,7 +437,7 @@
               <a:buChar char="●"/>
               <a:defRPr sz="1100"/>
             </a:lvl1pPr>
-            <a:lvl2pPr indent="-298450" lvl="1" marL="914400">
+            <a:lvl2pPr marL="914400" lvl="1" indent="-298450">
               <a:spcBef>
                 <a:spcPts val="0"/>
               </a:spcBef>
@@ -428,7 +448,7 @@
               <a:buChar char="○"/>
               <a:defRPr sz="1100"/>
             </a:lvl2pPr>
-            <a:lvl3pPr indent="-298450" lvl="2" marL="1371600">
+            <a:lvl3pPr marL="1371600" lvl="2" indent="-298450">
               <a:spcBef>
                 <a:spcPts val="0"/>
               </a:spcBef>
@@ -439,7 +459,7 @@
               <a:buChar char="■"/>
               <a:defRPr sz="1100"/>
             </a:lvl3pPr>
-            <a:lvl4pPr indent="-298450" lvl="3" marL="1828800">
+            <a:lvl4pPr marL="1828800" lvl="3" indent="-298450">
               <a:spcBef>
                 <a:spcPts val="0"/>
               </a:spcBef>
@@ -450,7 +470,7 @@
               <a:buChar char="●"/>
               <a:defRPr sz="1100"/>
             </a:lvl4pPr>
-            <a:lvl5pPr indent="-298450" lvl="4" marL="2286000">
+            <a:lvl5pPr marL="2286000" lvl="4" indent="-298450">
               <a:spcBef>
                 <a:spcPts val="0"/>
               </a:spcBef>
@@ -461,7 +481,7 @@
               <a:buChar char="○"/>
               <a:defRPr sz="1100"/>
             </a:lvl5pPr>
-            <a:lvl6pPr indent="-298450" lvl="5" marL="2743200">
+            <a:lvl6pPr marL="2743200" lvl="5" indent="-298450">
               <a:spcBef>
                 <a:spcPts val="0"/>
               </a:spcBef>
@@ -472,7 +492,7 @@
               <a:buChar char="■"/>
               <a:defRPr sz="1100"/>
             </a:lvl6pPr>
-            <a:lvl7pPr indent="-298450" lvl="6" marL="3200400">
+            <a:lvl7pPr marL="3200400" lvl="6" indent="-298450">
               <a:spcBef>
                 <a:spcPts val="0"/>
               </a:spcBef>
@@ -483,7 +503,7 @@
               <a:buChar char="●"/>
               <a:defRPr sz="1100"/>
             </a:lvl7pPr>
-            <a:lvl8pPr indent="-298450" lvl="7" marL="3657600">
+            <a:lvl8pPr marL="3657600" lvl="7" indent="-298450">
               <a:spcBef>
                 <a:spcPts val="0"/>
               </a:spcBef>
@@ -494,7 +514,7 @@
               <a:buChar char="○"/>
               <a:defRPr sz="1100"/>
             </a:lvl8pPr>
-            <a:lvl9pPr indent="-298450" lvl="8" marL="4114800">
+            <a:lvl9pPr marL="4114800" lvl="8" indent="-298450">
               <a:spcBef>
                 <a:spcPts val="0"/>
               </a:spcBef>
@@ -506,14 +526,16 @@
               <a:defRPr sz="1100"/>
             </a:lvl9pPr>
           </a:lstStyle>
-          <a:p/>
+          <a:p>
+            <a:endParaRPr/>
+          </a:p>
         </p:txBody>
       </p:sp>
     </p:spTree>
   </p:cSld>
-  <p:clrMap accent1="accent1" accent2="accent2" accent3="accent3" accent4="accent4" accent5="accent5" accent6="accent6" bg1="lt1" bg2="dk2" tx1="dk1" tx2="lt2" folHlink="folHlink" hlink="hlink"/>
+  <p:clrMap bg1="lt1" tx1="dk1" bg2="dk2" tx2="lt2" accent1="accent1" accent2="accent2" accent3="accent3" accent4="accent4" accent5="accent5" accent6="accent6" hlink="hlink" folHlink="folHlink"/>
   <p:notesStyle>
-    <a:defPPr lvl="0" marR="0" rtl="0" algn="l">
+    <a:defPPr marR="0" lvl="0" algn="l" rtl="0">
       <a:lnSpc>
         <a:spcPct val="100000"/>
       </a:lnSpc>
@@ -524,7 +546,7 @@
         <a:spcPts val="0"/>
       </a:spcAft>
     </a:defPPr>
-    <a:lvl1pPr lvl="0" marR="0" rtl="0" algn="l">
+    <a:lvl1pPr marR="0" lvl="0" algn="l" rtl="0">
       <a:lnSpc>
         <a:spcPct val="100000"/>
       </a:lnSpc>
@@ -538,7 +560,7 @@
         <a:srgbClr val="000000"/>
       </a:buClr>
       <a:buFont typeface="Arial"/>
-      <a:defRPr b="0" i="0" sz="1400" u="none" cap="none" strike="noStrike">
+      <a:defRPr sz="1400" b="0" i="0" u="none" strike="noStrike" cap="none">
         <a:solidFill>
           <a:srgbClr val="000000"/>
         </a:solidFill>
@@ -548,7 +570,7 @@
         <a:sym typeface="Arial"/>
       </a:defRPr>
     </a:lvl1pPr>
-    <a:lvl2pPr lvl="1" marR="0" rtl="0" algn="l">
+    <a:lvl2pPr marR="0" lvl="1" algn="l" rtl="0">
       <a:lnSpc>
         <a:spcPct val="100000"/>
       </a:lnSpc>
@@ -562,7 +584,7 @@
         <a:srgbClr val="000000"/>
       </a:buClr>
       <a:buFont typeface="Arial"/>
-      <a:defRPr b="0" i="0" sz="1400" u="none" cap="none" strike="noStrike">
+      <a:defRPr sz="1400" b="0" i="0" u="none" strike="noStrike" cap="none">
         <a:solidFill>
           <a:srgbClr val="000000"/>
         </a:solidFill>
@@ -572,7 +594,7 @@
         <a:sym typeface="Arial"/>
       </a:defRPr>
     </a:lvl2pPr>
-    <a:lvl3pPr lvl="2" marR="0" rtl="0" algn="l">
+    <a:lvl3pPr marR="0" lvl="2" algn="l" rtl="0">
       <a:lnSpc>
         <a:spcPct val="100000"/>
       </a:lnSpc>
@@ -586,7 +608,7 @@
         <a:srgbClr val="000000"/>
       </a:buClr>
       <a:buFont typeface="Arial"/>
-      <a:defRPr b="0" i="0" sz="1400" u="none" cap="none" strike="noStrike">
+      <a:defRPr sz="1400" b="0" i="0" u="none" strike="noStrike" cap="none">
         <a:solidFill>
           <a:srgbClr val="000000"/>
         </a:solidFill>
@@ -596,7 +618,7 @@
         <a:sym typeface="Arial"/>
       </a:defRPr>
     </a:lvl3pPr>
-    <a:lvl4pPr lvl="3" marR="0" rtl="0" algn="l">
+    <a:lvl4pPr marR="0" lvl="3" algn="l" rtl="0">
       <a:lnSpc>
         <a:spcPct val="100000"/>
       </a:lnSpc>
@@ -610,7 +632,7 @@
         <a:srgbClr val="000000"/>
       </a:buClr>
       <a:buFont typeface="Arial"/>
-      <a:defRPr b="0" i="0" sz="1400" u="none" cap="none" strike="noStrike">
+      <a:defRPr sz="1400" b="0" i="0" u="none" strike="noStrike" cap="none">
         <a:solidFill>
           <a:srgbClr val="000000"/>
         </a:solidFill>
@@ -620,7 +642,7 @@
         <a:sym typeface="Arial"/>
       </a:defRPr>
     </a:lvl4pPr>
-    <a:lvl5pPr lvl="4" marR="0" rtl="0" algn="l">
+    <a:lvl5pPr marR="0" lvl="4" algn="l" rtl="0">
       <a:lnSpc>
         <a:spcPct val="100000"/>
       </a:lnSpc>
@@ -634,7 +656,7 @@
         <a:srgbClr val="000000"/>
       </a:buClr>
       <a:buFont typeface="Arial"/>
-      <a:defRPr b="0" i="0" sz="1400" u="none" cap="none" strike="noStrike">
+      <a:defRPr sz="1400" b="0" i="0" u="none" strike="noStrike" cap="none">
         <a:solidFill>
           <a:srgbClr val="000000"/>
         </a:solidFill>
@@ -644,7 +666,7 @@
         <a:sym typeface="Arial"/>
       </a:defRPr>
     </a:lvl5pPr>
-    <a:lvl6pPr lvl="5" marR="0" rtl="0" algn="l">
+    <a:lvl6pPr marR="0" lvl="5" algn="l" rtl="0">
       <a:lnSpc>
         <a:spcPct val="100000"/>
       </a:lnSpc>
@@ -658,7 +680,7 @@
         <a:srgbClr val="000000"/>
       </a:buClr>
       <a:buFont typeface="Arial"/>
-      <a:defRPr b="0" i="0" sz="1400" u="none" cap="none" strike="noStrike">
+      <a:defRPr sz="1400" b="0" i="0" u="none" strike="noStrike" cap="none">
         <a:solidFill>
           <a:srgbClr val="000000"/>
         </a:solidFill>
@@ -668,7 +690,7 @@
         <a:sym typeface="Arial"/>
       </a:defRPr>
     </a:lvl6pPr>
-    <a:lvl7pPr lvl="6" marR="0" rtl="0" algn="l">
+    <a:lvl7pPr marR="0" lvl="6" algn="l" rtl="0">
       <a:lnSpc>
         <a:spcPct val="100000"/>
       </a:lnSpc>
@@ -682,7 +704,7 @@
         <a:srgbClr val="000000"/>
       </a:buClr>
       <a:buFont typeface="Arial"/>
-      <a:defRPr b="0" i="0" sz="1400" u="none" cap="none" strike="noStrike">
+      <a:defRPr sz="1400" b="0" i="0" u="none" strike="noStrike" cap="none">
         <a:solidFill>
           <a:srgbClr val="000000"/>
         </a:solidFill>
@@ -692,7 +714,7 @@
         <a:sym typeface="Arial"/>
       </a:defRPr>
     </a:lvl7pPr>
-    <a:lvl8pPr lvl="7" marR="0" rtl="0" algn="l">
+    <a:lvl8pPr marR="0" lvl="7" algn="l" rtl="0">
       <a:lnSpc>
         <a:spcPct val="100000"/>
       </a:lnSpc>
@@ -706,7 +728,7 @@
         <a:srgbClr val="000000"/>
       </a:buClr>
       <a:buFont typeface="Arial"/>
-      <a:defRPr b="0" i="0" sz="1400" u="none" cap="none" strike="noStrike">
+      <a:defRPr sz="1400" b="0" i="0" u="none" strike="noStrike" cap="none">
         <a:solidFill>
           <a:srgbClr val="000000"/>
         </a:solidFill>
@@ -716,7 +738,7 @@
         <a:sym typeface="Arial"/>
       </a:defRPr>
     </a:lvl8pPr>
-    <a:lvl9pPr lvl="8" marR="0" rtl="0" algn="l">
+    <a:lvl9pPr marR="0" lvl="8" algn="l" rtl="0">
       <a:lnSpc>
         <a:spcPct val="100000"/>
       </a:lnSpc>
@@ -730,7 +752,7 @@
         <a:srgbClr val="000000"/>
       </a:buClr>
       <a:buFont typeface="Arial"/>
-      <a:defRPr b="0" i="0" sz="1400" u="none" cap="none" strike="noStrike">
+      <a:defRPr sz="1400" b="0" i="0" u="none" strike="noStrike" cap="none">
         <a:solidFill>
           <a:srgbClr val="000000"/>
         </a:solidFill>
@@ -745,11 +767,11 @@
 </file>
 
 <file path=ppt/notesSlides/notesSlide1.xml><?xml version="1.0" encoding="utf-8"?>
-<p:notes xmlns:a="http://schemas.openxmlformats.org/drawingml/2006/main" xmlns:r="http://schemas.openxmlformats.org/officeDocument/2006/relationships" xmlns:mc="http://schemas.openxmlformats.org/markup-compatibility/2006" xmlns:mv="urn:schemas-microsoft-com:mac:vml" xmlns:p="http://schemas.openxmlformats.org/presentationml/2006/main" xmlns:c="http://schemas.openxmlformats.org/drawingml/2006/chart" xmlns:dgm="http://schemas.openxmlformats.org/drawingml/2006/diagram" xmlns:o="urn:schemas-microsoft-com:office:office" xmlns:v="urn:schemas-microsoft-com:vml" xmlns:pvml="urn:schemas-microsoft-com:office:powerpoint" xmlns:com="http://schemas.openxmlformats.org/drawingml/2006/compatibility" xmlns:p14="http://schemas.microsoft.com/office/powerpoint/2010/main" xmlns:p15="http://schemas.microsoft.com/office/powerpoint/2012/main" xmlns:ahyp="http://schemas.microsoft.com/office/drawing/2018/hyperlinkcolor" showMasterPhAnim="0" showMasterSp="0">
+<p:notes xmlns:a="http://schemas.openxmlformats.org/drawingml/2006/main" xmlns:r="http://schemas.openxmlformats.org/officeDocument/2006/relationships" xmlns:p="http://schemas.openxmlformats.org/presentationml/2006/main" showMasterSp="0" showMasterPhAnim="0">
   <p:cSld>
     <p:spTree>
       <p:nvGrpSpPr>
-        <p:cNvPr id="70" name="Shape 70"/>
+        <p:cNvPr id="1" name="Shape 70"/>
         <p:cNvGrpSpPr/>
         <p:nvPr/>
       </p:nvGrpSpPr>
@@ -764,20 +786,26 @@
       <p:sp>
         <p:nvSpPr>
           <p:cNvPr id="71" name="Google Shape;71;g60431e0dc6_0_13:notes"/>
-          <p:cNvSpPr/>
+          <p:cNvSpPr>
+            <a:spLocks noGrp="1" noRot="1" noChangeAspect="1"/>
+          </p:cNvSpPr>
           <p:nvPr>
-            <p:ph idx="2" type="sldImg"/>
+            <p:ph type="sldImg" idx="2"/>
           </p:nvPr>
         </p:nvSpPr>
         <p:spPr>
           <a:xfrm>
-            <a:off x="381300" y="685800"/>
+            <a:off x="381000" y="685800"/>
             <a:ext cx="6096000" cy="3429000"/>
           </a:xfrm>
           <a:custGeom>
-            <a:rect b="b" l="l" r="r" t="t"/>
+            <a:avLst/>
+            <a:gdLst/>
+            <a:ahLst/>
+            <a:cxnLst/>
+            <a:rect l="l" t="t" r="r" b="b"/>
             <a:pathLst>
-              <a:path extrusionOk="0" h="120000" w="120000">
+              <a:path w="120000" h="120000" extrusionOk="0">
                 <a:moveTo>
                   <a:pt x="0" y="0"/>
                 </a:moveTo>
@@ -799,9 +827,11 @@
       <p:sp>
         <p:nvSpPr>
           <p:cNvPr id="72" name="Google Shape;72;g60431e0dc6_0_13:notes"/>
-          <p:cNvSpPr txBox="1"/>
+          <p:cNvSpPr txBox="1">
+            <a:spLocks noGrp="1"/>
+          </p:cNvSpPr>
           <p:nvPr>
-            <p:ph idx="1" type="body"/>
+            <p:ph type="body" idx="1"/>
           </p:nvPr>
         </p:nvSpPr>
         <p:spPr>
@@ -814,12 +844,12 @@
           </a:prstGeom>
         </p:spPr>
         <p:txBody>
-          <a:bodyPr anchorCtr="0" anchor="t" bIns="91425" lIns="91425" spcFirstLastPara="1" rIns="91425" wrap="square" tIns="91425">
+          <a:bodyPr spcFirstLastPara="1" wrap="square" lIns="91425" tIns="91425" rIns="91425" bIns="91425" anchor="t" anchorCtr="0">
             <a:noAutofit/>
           </a:bodyPr>
           <a:lstStyle/>
           <a:p>
-            <a:pPr indent="0" lvl="0" marL="0" rtl="0" algn="l">
+            <a:pPr marL="0" lvl="0" indent="0" algn="l" rtl="0">
               <a:spcBef>
                 <a:spcPts val="0"/>
               </a:spcBef>
@@ -828,9 +858,6 @@
               </a:spcAft>
               <a:buNone/>
             </a:pPr>
-            <a:r>
-              <a:t/>
-            </a:r>
             <a:endParaRPr/>
           </a:p>
         </p:txBody>
@@ -844,11 +871,11 @@
 </file>
 
 <file path=ppt/notesSlides/notesSlide10.xml><?xml version="1.0" encoding="utf-8"?>
-<p:notes xmlns:a="http://schemas.openxmlformats.org/drawingml/2006/main" xmlns:r="http://schemas.openxmlformats.org/officeDocument/2006/relationships" xmlns:mc="http://schemas.openxmlformats.org/markup-compatibility/2006" xmlns:mv="urn:schemas-microsoft-com:mac:vml" xmlns:p="http://schemas.openxmlformats.org/presentationml/2006/main" xmlns:c="http://schemas.openxmlformats.org/drawingml/2006/chart" xmlns:dgm="http://schemas.openxmlformats.org/drawingml/2006/diagram" xmlns:o="urn:schemas-microsoft-com:office:office" xmlns:v="urn:schemas-microsoft-com:vml" xmlns:pvml="urn:schemas-microsoft-com:office:powerpoint" xmlns:com="http://schemas.openxmlformats.org/drawingml/2006/compatibility" xmlns:p14="http://schemas.microsoft.com/office/powerpoint/2010/main" xmlns:p15="http://schemas.microsoft.com/office/powerpoint/2012/main" xmlns:ahyp="http://schemas.microsoft.com/office/drawing/2018/hyperlinkcolor" showMasterPhAnim="0" showMasterSp="0">
+<p:notes xmlns:a="http://schemas.openxmlformats.org/drawingml/2006/main" xmlns:r="http://schemas.openxmlformats.org/officeDocument/2006/relationships" xmlns:p="http://schemas.openxmlformats.org/presentationml/2006/main" showMasterSp="0" showMasterPhAnim="0">
   <p:cSld>
     <p:spTree>
       <p:nvGrpSpPr>
-        <p:cNvPr id="147" name="Shape 147"/>
+        <p:cNvPr id="1" name="Shape 147"/>
         <p:cNvGrpSpPr/>
         <p:nvPr/>
       </p:nvGrpSpPr>
@@ -863,20 +890,26 @@
       <p:sp>
         <p:nvSpPr>
           <p:cNvPr id="148" name="Google Shape;148;g10f6e3b8238_0_180:notes"/>
-          <p:cNvSpPr/>
+          <p:cNvSpPr>
+            <a:spLocks noGrp="1" noRot="1" noChangeAspect="1"/>
+          </p:cNvSpPr>
           <p:nvPr>
-            <p:ph idx="2" type="sldImg"/>
+            <p:ph type="sldImg" idx="2"/>
           </p:nvPr>
         </p:nvSpPr>
         <p:spPr>
           <a:xfrm>
-            <a:off x="381300" y="685800"/>
+            <a:off x="381000" y="685800"/>
             <a:ext cx="6096000" cy="3429000"/>
           </a:xfrm>
           <a:custGeom>
-            <a:rect b="b" l="l" r="r" t="t"/>
+            <a:avLst/>
+            <a:gdLst/>
+            <a:ahLst/>
+            <a:cxnLst/>
+            <a:rect l="l" t="t" r="r" b="b"/>
             <a:pathLst>
-              <a:path extrusionOk="0" h="120000" w="120000">
+              <a:path w="120000" h="120000" extrusionOk="0">
                 <a:moveTo>
                   <a:pt x="0" y="0"/>
                 </a:moveTo>
@@ -898,9 +931,11 @@
       <p:sp>
         <p:nvSpPr>
           <p:cNvPr id="149" name="Google Shape;149;g10f6e3b8238_0_180:notes"/>
-          <p:cNvSpPr txBox="1"/>
+          <p:cNvSpPr txBox="1">
+            <a:spLocks noGrp="1"/>
+          </p:cNvSpPr>
           <p:nvPr>
-            <p:ph idx="1" type="body"/>
+            <p:ph type="body" idx="1"/>
           </p:nvPr>
         </p:nvSpPr>
         <p:spPr>
@@ -913,12 +948,12 @@
           </a:prstGeom>
         </p:spPr>
         <p:txBody>
-          <a:bodyPr anchorCtr="0" anchor="t" bIns="91425" lIns="91425" spcFirstLastPara="1" rIns="91425" wrap="square" tIns="91425">
+          <a:bodyPr spcFirstLastPara="1" wrap="square" lIns="91425" tIns="91425" rIns="91425" bIns="91425" anchor="t" anchorCtr="0">
             <a:noAutofit/>
           </a:bodyPr>
           <a:lstStyle/>
           <a:p>
-            <a:pPr indent="0" lvl="0" marL="0" rtl="0" algn="l">
+            <a:pPr marL="0" lvl="0" indent="0" algn="l" rtl="0">
               <a:spcBef>
                 <a:spcPts val="0"/>
               </a:spcBef>
@@ -927,9 +962,6 @@
               </a:spcAft>
               <a:buNone/>
             </a:pPr>
-            <a:r>
-              <a:t/>
-            </a:r>
             <a:endParaRPr/>
           </a:p>
         </p:txBody>
@@ -943,11 +975,11 @@
 </file>
 
 <file path=ppt/notesSlides/notesSlide11.xml><?xml version="1.0" encoding="utf-8"?>
-<p:notes xmlns:a="http://schemas.openxmlformats.org/drawingml/2006/main" xmlns:r="http://schemas.openxmlformats.org/officeDocument/2006/relationships" xmlns:mc="http://schemas.openxmlformats.org/markup-compatibility/2006" xmlns:mv="urn:schemas-microsoft-com:mac:vml" xmlns:p="http://schemas.openxmlformats.org/presentationml/2006/main" xmlns:c="http://schemas.openxmlformats.org/drawingml/2006/chart" xmlns:dgm="http://schemas.openxmlformats.org/drawingml/2006/diagram" xmlns:o="urn:schemas-microsoft-com:office:office" xmlns:v="urn:schemas-microsoft-com:vml" xmlns:pvml="urn:schemas-microsoft-com:office:powerpoint" xmlns:com="http://schemas.openxmlformats.org/drawingml/2006/compatibility" xmlns:p14="http://schemas.microsoft.com/office/powerpoint/2010/main" xmlns:p15="http://schemas.microsoft.com/office/powerpoint/2012/main" xmlns:ahyp="http://schemas.microsoft.com/office/drawing/2018/hyperlinkcolor" showMasterPhAnim="0" showMasterSp="0">
+<p:notes xmlns:a="http://schemas.openxmlformats.org/drawingml/2006/main" xmlns:r="http://schemas.openxmlformats.org/officeDocument/2006/relationships" xmlns:p="http://schemas.openxmlformats.org/presentationml/2006/main" showMasterSp="0" showMasterPhAnim="0">
   <p:cSld>
     <p:spTree>
       <p:nvGrpSpPr>
-        <p:cNvPr id="153" name="Shape 153"/>
+        <p:cNvPr id="1" name="Shape 153"/>
         <p:cNvGrpSpPr/>
         <p:nvPr/>
       </p:nvGrpSpPr>
@@ -962,20 +994,26 @@
       <p:sp>
         <p:nvSpPr>
           <p:cNvPr id="154" name="Google Shape;154;g7a933d31d3_0_0:notes"/>
-          <p:cNvSpPr/>
+          <p:cNvSpPr>
+            <a:spLocks noGrp="1" noRot="1" noChangeAspect="1"/>
+          </p:cNvSpPr>
           <p:nvPr>
-            <p:ph idx="2" type="sldImg"/>
+            <p:ph type="sldImg" idx="2"/>
           </p:nvPr>
         </p:nvSpPr>
         <p:spPr>
           <a:xfrm>
-            <a:off x="381300" y="685800"/>
+            <a:off x="381000" y="685800"/>
             <a:ext cx="6096000" cy="3429000"/>
           </a:xfrm>
           <a:custGeom>
-            <a:rect b="b" l="l" r="r" t="t"/>
+            <a:avLst/>
+            <a:gdLst/>
+            <a:ahLst/>
+            <a:cxnLst/>
+            <a:rect l="l" t="t" r="r" b="b"/>
             <a:pathLst>
-              <a:path extrusionOk="0" h="120000" w="120000">
+              <a:path w="120000" h="120000" extrusionOk="0">
                 <a:moveTo>
                   <a:pt x="0" y="0"/>
                 </a:moveTo>
@@ -997,9 +1035,11 @@
       <p:sp>
         <p:nvSpPr>
           <p:cNvPr id="155" name="Google Shape;155;g7a933d31d3_0_0:notes"/>
-          <p:cNvSpPr txBox="1"/>
+          <p:cNvSpPr txBox="1">
+            <a:spLocks noGrp="1"/>
+          </p:cNvSpPr>
           <p:nvPr>
-            <p:ph idx="1" type="body"/>
+            <p:ph type="body" idx="1"/>
           </p:nvPr>
         </p:nvSpPr>
         <p:spPr>
@@ -1012,12 +1052,12 @@
           </a:prstGeom>
         </p:spPr>
         <p:txBody>
-          <a:bodyPr anchorCtr="0" anchor="t" bIns="91425" lIns="91425" spcFirstLastPara="1" rIns="91425" wrap="square" tIns="91425">
+          <a:bodyPr spcFirstLastPara="1" wrap="square" lIns="91425" tIns="91425" rIns="91425" bIns="91425" anchor="t" anchorCtr="0">
             <a:noAutofit/>
           </a:bodyPr>
           <a:lstStyle/>
           <a:p>
-            <a:pPr indent="0" lvl="0" marL="0" rtl="0" algn="l">
+            <a:pPr marL="0" lvl="0" indent="0" algn="l" rtl="0">
               <a:spcBef>
                 <a:spcPts val="0"/>
               </a:spcBef>
@@ -1026,9 +1066,6 @@
               </a:spcAft>
               <a:buNone/>
             </a:pPr>
-            <a:r>
-              <a:t/>
-            </a:r>
             <a:endParaRPr/>
           </a:p>
         </p:txBody>
@@ -1042,11 +1079,11 @@
 </file>
 
 <file path=ppt/notesSlides/notesSlide12.xml><?xml version="1.0" encoding="utf-8"?>
-<p:notes xmlns:a="http://schemas.openxmlformats.org/drawingml/2006/main" xmlns:r="http://schemas.openxmlformats.org/officeDocument/2006/relationships" xmlns:mc="http://schemas.openxmlformats.org/markup-compatibility/2006" xmlns:mv="urn:schemas-microsoft-com:mac:vml" xmlns:p="http://schemas.openxmlformats.org/presentationml/2006/main" xmlns:c="http://schemas.openxmlformats.org/drawingml/2006/chart" xmlns:dgm="http://schemas.openxmlformats.org/drawingml/2006/diagram" xmlns:o="urn:schemas-microsoft-com:office:office" xmlns:v="urn:schemas-microsoft-com:vml" xmlns:pvml="urn:schemas-microsoft-com:office:powerpoint" xmlns:com="http://schemas.openxmlformats.org/drawingml/2006/compatibility" xmlns:p14="http://schemas.microsoft.com/office/powerpoint/2010/main" xmlns:p15="http://schemas.microsoft.com/office/powerpoint/2012/main" xmlns:ahyp="http://schemas.microsoft.com/office/drawing/2018/hyperlinkcolor" showMasterPhAnim="0" showMasterSp="0">
+<p:notes xmlns:a="http://schemas.openxmlformats.org/drawingml/2006/main" xmlns:r="http://schemas.openxmlformats.org/officeDocument/2006/relationships" xmlns:p="http://schemas.openxmlformats.org/presentationml/2006/main" showMasterSp="0" showMasterPhAnim="0">
   <p:cSld>
     <p:spTree>
       <p:nvGrpSpPr>
-        <p:cNvPr id="158" name="Shape 158"/>
+        <p:cNvPr id="1" name="Shape 158"/>
         <p:cNvGrpSpPr/>
         <p:nvPr/>
       </p:nvGrpSpPr>
@@ -1061,20 +1098,26 @@
       <p:sp>
         <p:nvSpPr>
           <p:cNvPr id="159" name="Google Shape;159;g1bd5a89130f_0_10:notes"/>
-          <p:cNvSpPr/>
+          <p:cNvSpPr>
+            <a:spLocks noGrp="1" noRot="1" noChangeAspect="1"/>
+          </p:cNvSpPr>
           <p:nvPr>
-            <p:ph idx="2" type="sldImg"/>
+            <p:ph type="sldImg" idx="2"/>
           </p:nvPr>
         </p:nvSpPr>
         <p:spPr>
           <a:xfrm>
-            <a:off x="381300" y="685800"/>
+            <a:off x="381000" y="685800"/>
             <a:ext cx="6096000" cy="3429000"/>
           </a:xfrm>
           <a:custGeom>
-            <a:rect b="b" l="l" r="r" t="t"/>
+            <a:avLst/>
+            <a:gdLst/>
+            <a:ahLst/>
+            <a:cxnLst/>
+            <a:rect l="l" t="t" r="r" b="b"/>
             <a:pathLst>
-              <a:path extrusionOk="0" h="120000" w="120000">
+              <a:path w="120000" h="120000" extrusionOk="0">
                 <a:moveTo>
                   <a:pt x="0" y="0"/>
                 </a:moveTo>
@@ -1096,9 +1139,11 @@
       <p:sp>
         <p:nvSpPr>
           <p:cNvPr id="160" name="Google Shape;160;g1bd5a89130f_0_10:notes"/>
-          <p:cNvSpPr txBox="1"/>
+          <p:cNvSpPr txBox="1">
+            <a:spLocks noGrp="1"/>
+          </p:cNvSpPr>
           <p:nvPr>
-            <p:ph idx="1" type="body"/>
+            <p:ph type="body" idx="1"/>
           </p:nvPr>
         </p:nvSpPr>
         <p:spPr>
@@ -1111,12 +1156,12 @@
           </a:prstGeom>
         </p:spPr>
         <p:txBody>
-          <a:bodyPr anchorCtr="0" anchor="t" bIns="91425" lIns="91425" spcFirstLastPara="1" rIns="91425" wrap="square" tIns="91425">
+          <a:bodyPr spcFirstLastPara="1" wrap="square" lIns="91425" tIns="91425" rIns="91425" bIns="91425" anchor="t" anchorCtr="0">
             <a:noAutofit/>
           </a:bodyPr>
           <a:lstStyle/>
           <a:p>
-            <a:pPr indent="0" lvl="0" marL="0" rtl="0" algn="l">
+            <a:pPr marL="0" lvl="0" indent="0" algn="l" rtl="0">
               <a:spcBef>
                 <a:spcPts val="0"/>
               </a:spcBef>
@@ -1125,9 +1170,6 @@
               </a:spcAft>
               <a:buNone/>
             </a:pPr>
-            <a:r>
-              <a:t/>
-            </a:r>
             <a:endParaRPr/>
           </a:p>
         </p:txBody>
@@ -1141,11 +1183,11 @@
 </file>
 
 <file path=ppt/notesSlides/notesSlide13.xml><?xml version="1.0" encoding="utf-8"?>
-<p:notes xmlns:a="http://schemas.openxmlformats.org/drawingml/2006/main" xmlns:r="http://schemas.openxmlformats.org/officeDocument/2006/relationships" xmlns:mc="http://schemas.openxmlformats.org/markup-compatibility/2006" xmlns:mv="urn:schemas-microsoft-com:mac:vml" xmlns:p="http://schemas.openxmlformats.org/presentationml/2006/main" xmlns:c="http://schemas.openxmlformats.org/drawingml/2006/chart" xmlns:dgm="http://schemas.openxmlformats.org/drawingml/2006/diagram" xmlns:o="urn:schemas-microsoft-com:office:office" xmlns:v="urn:schemas-microsoft-com:vml" xmlns:pvml="urn:schemas-microsoft-com:office:powerpoint" xmlns:com="http://schemas.openxmlformats.org/drawingml/2006/compatibility" xmlns:p14="http://schemas.microsoft.com/office/powerpoint/2010/main" xmlns:p15="http://schemas.microsoft.com/office/powerpoint/2012/main" xmlns:ahyp="http://schemas.microsoft.com/office/drawing/2018/hyperlinkcolor" showMasterPhAnim="0" showMasterSp="0">
+<p:notes xmlns:a="http://schemas.openxmlformats.org/drawingml/2006/main" xmlns:r="http://schemas.openxmlformats.org/officeDocument/2006/relationships" xmlns:p="http://schemas.openxmlformats.org/presentationml/2006/main" showMasterSp="0" showMasterPhAnim="0">
   <p:cSld>
     <p:spTree>
       <p:nvGrpSpPr>
-        <p:cNvPr id="163" name="Shape 163"/>
+        <p:cNvPr id="1" name="Shape 163"/>
         <p:cNvGrpSpPr/>
         <p:nvPr/>
       </p:nvGrpSpPr>
@@ -1160,20 +1202,26 @@
       <p:sp>
         <p:nvSpPr>
           <p:cNvPr id="164" name="Google Shape;164;g1bd5a89130f_0_15:notes"/>
-          <p:cNvSpPr/>
+          <p:cNvSpPr>
+            <a:spLocks noGrp="1" noRot="1" noChangeAspect="1"/>
+          </p:cNvSpPr>
           <p:nvPr>
-            <p:ph idx="2" type="sldImg"/>
+            <p:ph type="sldImg" idx="2"/>
           </p:nvPr>
         </p:nvSpPr>
         <p:spPr>
           <a:xfrm>
-            <a:off x="381300" y="685800"/>
+            <a:off x="381000" y="685800"/>
             <a:ext cx="6096000" cy="3429000"/>
           </a:xfrm>
           <a:custGeom>
-            <a:rect b="b" l="l" r="r" t="t"/>
+            <a:avLst/>
+            <a:gdLst/>
+            <a:ahLst/>
+            <a:cxnLst/>
+            <a:rect l="l" t="t" r="r" b="b"/>
             <a:pathLst>
-              <a:path extrusionOk="0" h="120000" w="120000">
+              <a:path w="120000" h="120000" extrusionOk="0">
                 <a:moveTo>
                   <a:pt x="0" y="0"/>
                 </a:moveTo>
@@ -1195,9 +1243,11 @@
       <p:sp>
         <p:nvSpPr>
           <p:cNvPr id="165" name="Google Shape;165;g1bd5a89130f_0_15:notes"/>
-          <p:cNvSpPr txBox="1"/>
+          <p:cNvSpPr txBox="1">
+            <a:spLocks noGrp="1"/>
+          </p:cNvSpPr>
           <p:nvPr>
-            <p:ph idx="1" type="body"/>
+            <p:ph type="body" idx="1"/>
           </p:nvPr>
         </p:nvSpPr>
         <p:spPr>
@@ -1210,12 +1260,12 @@
           </a:prstGeom>
         </p:spPr>
         <p:txBody>
-          <a:bodyPr anchorCtr="0" anchor="t" bIns="91425" lIns="91425" spcFirstLastPara="1" rIns="91425" wrap="square" tIns="91425">
+          <a:bodyPr spcFirstLastPara="1" wrap="square" lIns="91425" tIns="91425" rIns="91425" bIns="91425" anchor="t" anchorCtr="0">
             <a:noAutofit/>
           </a:bodyPr>
           <a:lstStyle/>
           <a:p>
-            <a:pPr indent="0" lvl="0" marL="0" rtl="0" algn="l">
+            <a:pPr marL="0" lvl="0" indent="0" algn="l" rtl="0">
               <a:spcBef>
                 <a:spcPts val="0"/>
               </a:spcBef>
@@ -1224,9 +1274,6 @@
               </a:spcAft>
               <a:buNone/>
             </a:pPr>
-            <a:r>
-              <a:t/>
-            </a:r>
             <a:endParaRPr/>
           </a:p>
         </p:txBody>
@@ -1240,11 +1287,11 @@
 </file>
 
 <file path=ppt/notesSlides/notesSlide14.xml><?xml version="1.0" encoding="utf-8"?>
-<p:notes xmlns:a="http://schemas.openxmlformats.org/drawingml/2006/main" xmlns:r="http://schemas.openxmlformats.org/officeDocument/2006/relationships" xmlns:mc="http://schemas.openxmlformats.org/markup-compatibility/2006" xmlns:mv="urn:schemas-microsoft-com:mac:vml" xmlns:p="http://schemas.openxmlformats.org/presentationml/2006/main" xmlns:c="http://schemas.openxmlformats.org/drawingml/2006/chart" xmlns:dgm="http://schemas.openxmlformats.org/drawingml/2006/diagram" xmlns:o="urn:schemas-microsoft-com:office:office" xmlns:v="urn:schemas-microsoft-com:vml" xmlns:pvml="urn:schemas-microsoft-com:office:powerpoint" xmlns:com="http://schemas.openxmlformats.org/drawingml/2006/compatibility" xmlns:p14="http://schemas.microsoft.com/office/powerpoint/2010/main" xmlns:p15="http://schemas.microsoft.com/office/powerpoint/2012/main" xmlns:ahyp="http://schemas.microsoft.com/office/drawing/2018/hyperlinkcolor" showMasterPhAnim="0" showMasterSp="0">
+<p:notes xmlns:a="http://schemas.openxmlformats.org/drawingml/2006/main" xmlns:r="http://schemas.openxmlformats.org/officeDocument/2006/relationships" xmlns:p="http://schemas.openxmlformats.org/presentationml/2006/main" showMasterSp="0" showMasterPhAnim="0">
   <p:cSld>
     <p:spTree>
       <p:nvGrpSpPr>
-        <p:cNvPr id="168" name="Shape 168"/>
+        <p:cNvPr id="1" name="Shape 168"/>
         <p:cNvGrpSpPr/>
         <p:nvPr/>
       </p:nvGrpSpPr>
@@ -1259,20 +1306,26 @@
       <p:sp>
         <p:nvSpPr>
           <p:cNvPr id="169" name="Google Shape;169;g1bc7100ddd5_1_0:notes"/>
-          <p:cNvSpPr/>
+          <p:cNvSpPr>
+            <a:spLocks noGrp="1" noRot="1" noChangeAspect="1"/>
+          </p:cNvSpPr>
           <p:nvPr>
-            <p:ph idx="2" type="sldImg"/>
+            <p:ph type="sldImg" idx="2"/>
           </p:nvPr>
         </p:nvSpPr>
         <p:spPr>
           <a:xfrm>
-            <a:off x="381300" y="685800"/>
+            <a:off x="381000" y="685800"/>
             <a:ext cx="6096000" cy="3429000"/>
           </a:xfrm>
           <a:custGeom>
-            <a:rect b="b" l="l" r="r" t="t"/>
+            <a:avLst/>
+            <a:gdLst/>
+            <a:ahLst/>
+            <a:cxnLst/>
+            <a:rect l="l" t="t" r="r" b="b"/>
             <a:pathLst>
-              <a:path extrusionOk="0" h="120000" w="120000">
+              <a:path w="120000" h="120000" extrusionOk="0">
                 <a:moveTo>
                   <a:pt x="0" y="0"/>
                 </a:moveTo>
@@ -1294,9 +1347,11 @@
       <p:sp>
         <p:nvSpPr>
           <p:cNvPr id="170" name="Google Shape;170;g1bc7100ddd5_1_0:notes"/>
-          <p:cNvSpPr txBox="1"/>
+          <p:cNvSpPr txBox="1">
+            <a:spLocks noGrp="1"/>
+          </p:cNvSpPr>
           <p:nvPr>
-            <p:ph idx="1" type="body"/>
+            <p:ph type="body" idx="1"/>
           </p:nvPr>
         </p:nvSpPr>
         <p:spPr>
@@ -1309,12 +1364,12 @@
           </a:prstGeom>
         </p:spPr>
         <p:txBody>
-          <a:bodyPr anchorCtr="0" anchor="t" bIns="91425" lIns="91425" spcFirstLastPara="1" rIns="91425" wrap="square" tIns="91425">
+          <a:bodyPr spcFirstLastPara="1" wrap="square" lIns="91425" tIns="91425" rIns="91425" bIns="91425" anchor="t" anchorCtr="0">
             <a:noAutofit/>
           </a:bodyPr>
           <a:lstStyle/>
           <a:p>
-            <a:pPr indent="0" lvl="0" marL="0" rtl="0" algn="l">
+            <a:pPr marL="0" lvl="0" indent="0" algn="l" rtl="0">
               <a:spcBef>
                 <a:spcPts val="0"/>
               </a:spcBef>
@@ -1323,9 +1378,6 @@
               </a:spcAft>
               <a:buNone/>
             </a:pPr>
-            <a:r>
-              <a:t/>
-            </a:r>
             <a:endParaRPr/>
           </a:p>
         </p:txBody>
@@ -1339,11 +1391,11 @@
 </file>
 
 <file path=ppt/notesSlides/notesSlide15.xml><?xml version="1.0" encoding="utf-8"?>
-<p:notes xmlns:a="http://schemas.openxmlformats.org/drawingml/2006/main" xmlns:r="http://schemas.openxmlformats.org/officeDocument/2006/relationships" xmlns:mc="http://schemas.openxmlformats.org/markup-compatibility/2006" xmlns:mv="urn:schemas-microsoft-com:mac:vml" xmlns:p="http://schemas.openxmlformats.org/presentationml/2006/main" xmlns:c="http://schemas.openxmlformats.org/drawingml/2006/chart" xmlns:dgm="http://schemas.openxmlformats.org/drawingml/2006/diagram" xmlns:o="urn:schemas-microsoft-com:office:office" xmlns:v="urn:schemas-microsoft-com:vml" xmlns:pvml="urn:schemas-microsoft-com:office:powerpoint" xmlns:com="http://schemas.openxmlformats.org/drawingml/2006/compatibility" xmlns:p14="http://schemas.microsoft.com/office/powerpoint/2010/main" xmlns:p15="http://schemas.microsoft.com/office/powerpoint/2012/main" xmlns:ahyp="http://schemas.microsoft.com/office/drawing/2018/hyperlinkcolor" showMasterPhAnim="0" showMasterSp="0">
+<p:notes xmlns:a="http://schemas.openxmlformats.org/drawingml/2006/main" xmlns:r="http://schemas.openxmlformats.org/officeDocument/2006/relationships" xmlns:p="http://schemas.openxmlformats.org/presentationml/2006/main" showMasterSp="0" showMasterPhAnim="0">
   <p:cSld>
     <p:spTree>
       <p:nvGrpSpPr>
-        <p:cNvPr id="173" name="Shape 173"/>
+        <p:cNvPr id="1" name="Shape 173"/>
         <p:cNvGrpSpPr/>
         <p:nvPr/>
       </p:nvGrpSpPr>
@@ -1358,20 +1410,26 @@
       <p:sp>
         <p:nvSpPr>
           <p:cNvPr id="174" name="Google Shape;174;g7b6a77e8f1_2_0:notes"/>
-          <p:cNvSpPr/>
+          <p:cNvSpPr>
+            <a:spLocks noGrp="1" noRot="1" noChangeAspect="1"/>
+          </p:cNvSpPr>
           <p:nvPr>
-            <p:ph idx="2" type="sldImg"/>
+            <p:ph type="sldImg" idx="2"/>
           </p:nvPr>
         </p:nvSpPr>
         <p:spPr>
           <a:xfrm>
-            <a:off x="381300" y="685800"/>
+            <a:off x="381000" y="685800"/>
             <a:ext cx="6096000" cy="3429000"/>
           </a:xfrm>
           <a:custGeom>
-            <a:rect b="b" l="l" r="r" t="t"/>
+            <a:avLst/>
+            <a:gdLst/>
+            <a:ahLst/>
+            <a:cxnLst/>
+            <a:rect l="l" t="t" r="r" b="b"/>
             <a:pathLst>
-              <a:path extrusionOk="0" h="120000" w="120000">
+              <a:path w="120000" h="120000" extrusionOk="0">
                 <a:moveTo>
                   <a:pt x="0" y="0"/>
                 </a:moveTo>
@@ -1393,9 +1451,11 @@
       <p:sp>
         <p:nvSpPr>
           <p:cNvPr id="175" name="Google Shape;175;g7b6a77e8f1_2_0:notes"/>
-          <p:cNvSpPr txBox="1"/>
+          <p:cNvSpPr txBox="1">
+            <a:spLocks noGrp="1"/>
+          </p:cNvSpPr>
           <p:nvPr>
-            <p:ph idx="1" type="body"/>
+            <p:ph type="body" idx="1"/>
           </p:nvPr>
         </p:nvSpPr>
         <p:spPr>
@@ -1408,12 +1468,12 @@
           </a:prstGeom>
         </p:spPr>
         <p:txBody>
-          <a:bodyPr anchorCtr="0" anchor="t" bIns="91425" lIns="91425" spcFirstLastPara="1" rIns="91425" wrap="square" tIns="91425">
+          <a:bodyPr spcFirstLastPara="1" wrap="square" lIns="91425" tIns="91425" rIns="91425" bIns="91425" anchor="t" anchorCtr="0">
             <a:noAutofit/>
           </a:bodyPr>
           <a:lstStyle/>
           <a:p>
-            <a:pPr indent="0" lvl="0" marL="0" rtl="0" algn="l">
+            <a:pPr marL="0" lvl="0" indent="0" algn="l" rtl="0">
               <a:spcBef>
                 <a:spcPts val="0"/>
               </a:spcBef>
@@ -1422,9 +1482,6 @@
               </a:spcAft>
               <a:buNone/>
             </a:pPr>
-            <a:r>
-              <a:t/>
-            </a:r>
             <a:endParaRPr/>
           </a:p>
         </p:txBody>
@@ -1438,11 +1495,11 @@
 </file>
 
 <file path=ppt/notesSlides/notesSlide2.xml><?xml version="1.0" encoding="utf-8"?>
-<p:notes xmlns:a="http://schemas.openxmlformats.org/drawingml/2006/main" xmlns:r="http://schemas.openxmlformats.org/officeDocument/2006/relationships" xmlns:mc="http://schemas.openxmlformats.org/markup-compatibility/2006" xmlns:mv="urn:schemas-microsoft-com:mac:vml" xmlns:p="http://schemas.openxmlformats.org/presentationml/2006/main" xmlns:c="http://schemas.openxmlformats.org/drawingml/2006/chart" xmlns:dgm="http://schemas.openxmlformats.org/drawingml/2006/diagram" xmlns:o="urn:schemas-microsoft-com:office:office" xmlns:v="urn:schemas-microsoft-com:vml" xmlns:pvml="urn:schemas-microsoft-com:office:powerpoint" xmlns:com="http://schemas.openxmlformats.org/drawingml/2006/compatibility" xmlns:p14="http://schemas.microsoft.com/office/powerpoint/2010/main" xmlns:p15="http://schemas.microsoft.com/office/powerpoint/2012/main" xmlns:ahyp="http://schemas.microsoft.com/office/drawing/2018/hyperlinkcolor" showMasterPhAnim="0" showMasterSp="0">
+<p:notes xmlns:a="http://schemas.openxmlformats.org/drawingml/2006/main" xmlns:r="http://schemas.openxmlformats.org/officeDocument/2006/relationships" xmlns:p="http://schemas.openxmlformats.org/presentationml/2006/main" showMasterSp="0" showMasterPhAnim="0">
   <p:cSld>
     <p:spTree>
       <p:nvGrpSpPr>
-        <p:cNvPr id="77" name="Shape 77"/>
+        <p:cNvPr id="1" name="Shape 77"/>
         <p:cNvGrpSpPr/>
         <p:nvPr/>
       </p:nvGrpSpPr>
@@ -1457,20 +1514,26 @@
       <p:sp>
         <p:nvSpPr>
           <p:cNvPr id="78" name="Google Shape;78;g15fa78bac85_0_0:notes"/>
-          <p:cNvSpPr/>
+          <p:cNvSpPr>
+            <a:spLocks noGrp="1" noRot="1" noChangeAspect="1"/>
+          </p:cNvSpPr>
           <p:nvPr>
-            <p:ph idx="2" type="sldImg"/>
+            <p:ph type="sldImg" idx="2"/>
           </p:nvPr>
         </p:nvSpPr>
         <p:spPr>
           <a:xfrm>
-            <a:off x="381300" y="685800"/>
+            <a:off x="381000" y="685800"/>
             <a:ext cx="6096000" cy="3429000"/>
           </a:xfrm>
           <a:custGeom>
-            <a:rect b="b" l="l" r="r" t="t"/>
+            <a:avLst/>
+            <a:gdLst/>
+            <a:ahLst/>
+            <a:cxnLst/>
+            <a:rect l="l" t="t" r="r" b="b"/>
             <a:pathLst>
-              <a:path extrusionOk="0" h="120000" w="120000">
+              <a:path w="120000" h="120000" extrusionOk="0">
                 <a:moveTo>
                   <a:pt x="0" y="0"/>
                 </a:moveTo>
@@ -1492,9 +1555,11 @@
       <p:sp>
         <p:nvSpPr>
           <p:cNvPr id="79" name="Google Shape;79;g15fa78bac85_0_0:notes"/>
-          <p:cNvSpPr txBox="1"/>
+          <p:cNvSpPr txBox="1">
+            <a:spLocks noGrp="1"/>
+          </p:cNvSpPr>
           <p:nvPr>
-            <p:ph idx="1" type="body"/>
+            <p:ph type="body" idx="1"/>
           </p:nvPr>
         </p:nvSpPr>
         <p:spPr>
@@ -1507,12 +1572,12 @@
           </a:prstGeom>
         </p:spPr>
         <p:txBody>
-          <a:bodyPr anchorCtr="0" anchor="t" bIns="91425" lIns="91425" spcFirstLastPara="1" rIns="91425" wrap="square" tIns="91425">
+          <a:bodyPr spcFirstLastPara="1" wrap="square" lIns="91425" tIns="91425" rIns="91425" bIns="91425" anchor="t" anchorCtr="0">
             <a:noAutofit/>
           </a:bodyPr>
           <a:lstStyle/>
           <a:p>
-            <a:pPr indent="0" lvl="0" marL="0" rtl="0" algn="l">
+            <a:pPr marL="0" lvl="0" indent="0" algn="l" rtl="0">
               <a:spcBef>
                 <a:spcPts val="0"/>
               </a:spcBef>
@@ -1521,9 +1586,6 @@
               </a:spcAft>
               <a:buNone/>
             </a:pPr>
-            <a:r>
-              <a:t/>
-            </a:r>
             <a:endParaRPr/>
           </a:p>
         </p:txBody>
@@ -1537,11 +1599,11 @@
 </file>
 
 <file path=ppt/notesSlides/notesSlide3.xml><?xml version="1.0" encoding="utf-8"?>
-<p:notes xmlns:a="http://schemas.openxmlformats.org/drawingml/2006/main" xmlns:r="http://schemas.openxmlformats.org/officeDocument/2006/relationships" xmlns:mc="http://schemas.openxmlformats.org/markup-compatibility/2006" xmlns:mv="urn:schemas-microsoft-com:mac:vml" xmlns:p="http://schemas.openxmlformats.org/presentationml/2006/main" xmlns:c="http://schemas.openxmlformats.org/drawingml/2006/chart" xmlns:dgm="http://schemas.openxmlformats.org/drawingml/2006/diagram" xmlns:o="urn:schemas-microsoft-com:office:office" xmlns:v="urn:schemas-microsoft-com:vml" xmlns:pvml="urn:schemas-microsoft-com:office:powerpoint" xmlns:com="http://schemas.openxmlformats.org/drawingml/2006/compatibility" xmlns:p14="http://schemas.microsoft.com/office/powerpoint/2010/main" xmlns:p15="http://schemas.microsoft.com/office/powerpoint/2012/main" xmlns:ahyp="http://schemas.microsoft.com/office/drawing/2018/hyperlinkcolor" showMasterPhAnim="0" showMasterSp="0">
+<p:notes xmlns:a="http://schemas.openxmlformats.org/drawingml/2006/main" xmlns:r="http://schemas.openxmlformats.org/officeDocument/2006/relationships" xmlns:p="http://schemas.openxmlformats.org/presentationml/2006/main" showMasterSp="0" showMasterPhAnim="0">
   <p:cSld>
     <p:spTree>
       <p:nvGrpSpPr>
-        <p:cNvPr id="83" name="Shape 83"/>
+        <p:cNvPr id="1" name="Shape 83"/>
         <p:cNvGrpSpPr/>
         <p:nvPr/>
       </p:nvGrpSpPr>
@@ -1556,20 +1618,26 @@
       <p:sp>
         <p:nvSpPr>
           <p:cNvPr id="84" name="Google Shape;84;g1bd5a89130f_0_5:notes"/>
-          <p:cNvSpPr/>
+          <p:cNvSpPr>
+            <a:spLocks noGrp="1" noRot="1" noChangeAspect="1"/>
+          </p:cNvSpPr>
           <p:nvPr>
-            <p:ph idx="2" type="sldImg"/>
+            <p:ph type="sldImg" idx="2"/>
           </p:nvPr>
         </p:nvSpPr>
         <p:spPr>
           <a:xfrm>
-            <a:off x="381300" y="685800"/>
+            <a:off x="381000" y="685800"/>
             <a:ext cx="6096000" cy="3429000"/>
           </a:xfrm>
           <a:custGeom>
-            <a:rect b="b" l="l" r="r" t="t"/>
+            <a:avLst/>
+            <a:gdLst/>
+            <a:ahLst/>
+            <a:cxnLst/>
+            <a:rect l="l" t="t" r="r" b="b"/>
             <a:pathLst>
-              <a:path extrusionOk="0" h="120000" w="120000">
+              <a:path w="120000" h="120000" extrusionOk="0">
                 <a:moveTo>
                   <a:pt x="0" y="0"/>
                 </a:moveTo>
@@ -1591,9 +1659,11 @@
       <p:sp>
         <p:nvSpPr>
           <p:cNvPr id="85" name="Google Shape;85;g1bd5a89130f_0_5:notes"/>
-          <p:cNvSpPr txBox="1"/>
+          <p:cNvSpPr txBox="1">
+            <a:spLocks noGrp="1"/>
+          </p:cNvSpPr>
           <p:nvPr>
-            <p:ph idx="1" type="body"/>
+            <p:ph type="body" idx="1"/>
           </p:nvPr>
         </p:nvSpPr>
         <p:spPr>
@@ -1606,12 +1676,12 @@
           </a:prstGeom>
         </p:spPr>
         <p:txBody>
-          <a:bodyPr anchorCtr="0" anchor="t" bIns="91425" lIns="91425" spcFirstLastPara="1" rIns="91425" wrap="square" tIns="91425">
+          <a:bodyPr spcFirstLastPara="1" wrap="square" lIns="91425" tIns="91425" rIns="91425" bIns="91425" anchor="t" anchorCtr="0">
             <a:noAutofit/>
           </a:bodyPr>
           <a:lstStyle/>
           <a:p>
-            <a:pPr indent="0" lvl="0" marL="0" rtl="0" algn="l">
+            <a:pPr marL="0" lvl="0" indent="0" algn="l" rtl="0">
               <a:spcBef>
                 <a:spcPts val="0"/>
               </a:spcBef>
@@ -1620,9 +1690,6 @@
               </a:spcAft>
               <a:buNone/>
             </a:pPr>
-            <a:r>
-              <a:t/>
-            </a:r>
             <a:endParaRPr/>
           </a:p>
         </p:txBody>
@@ -1636,11 +1703,11 @@
 </file>
 
 <file path=ppt/notesSlides/notesSlide4.xml><?xml version="1.0" encoding="utf-8"?>
-<p:notes xmlns:a="http://schemas.openxmlformats.org/drawingml/2006/main" xmlns:r="http://schemas.openxmlformats.org/officeDocument/2006/relationships" xmlns:mc="http://schemas.openxmlformats.org/markup-compatibility/2006" xmlns:mv="urn:schemas-microsoft-com:mac:vml" xmlns:p="http://schemas.openxmlformats.org/presentationml/2006/main" xmlns:c="http://schemas.openxmlformats.org/drawingml/2006/chart" xmlns:dgm="http://schemas.openxmlformats.org/drawingml/2006/diagram" xmlns:o="urn:schemas-microsoft-com:office:office" xmlns:v="urn:schemas-microsoft-com:vml" xmlns:pvml="urn:schemas-microsoft-com:office:powerpoint" xmlns:com="http://schemas.openxmlformats.org/drawingml/2006/compatibility" xmlns:p14="http://schemas.microsoft.com/office/powerpoint/2010/main" xmlns:p15="http://schemas.microsoft.com/office/powerpoint/2012/main" xmlns:ahyp="http://schemas.microsoft.com/office/drawing/2018/hyperlinkcolor" showMasterPhAnim="0" showMasterSp="0">
+<p:notes xmlns:a="http://schemas.openxmlformats.org/drawingml/2006/main" xmlns:r="http://schemas.openxmlformats.org/officeDocument/2006/relationships" xmlns:p="http://schemas.openxmlformats.org/presentationml/2006/main" showMasterSp="0" showMasterPhAnim="0">
   <p:cSld>
     <p:spTree>
       <p:nvGrpSpPr>
-        <p:cNvPr id="89" name="Shape 89"/>
+        <p:cNvPr id="1" name="Shape 89"/>
         <p:cNvGrpSpPr/>
         <p:nvPr/>
       </p:nvGrpSpPr>
@@ -1655,20 +1722,26 @@
       <p:sp>
         <p:nvSpPr>
           <p:cNvPr id="90" name="Google Shape;90;g10c6added4c_0_1:notes"/>
-          <p:cNvSpPr/>
+          <p:cNvSpPr>
+            <a:spLocks noGrp="1" noRot="1" noChangeAspect="1"/>
+          </p:cNvSpPr>
           <p:nvPr>
-            <p:ph idx="2" type="sldImg"/>
+            <p:ph type="sldImg" idx="2"/>
           </p:nvPr>
         </p:nvSpPr>
         <p:spPr>
           <a:xfrm>
-            <a:off x="381300" y="685800"/>
+            <a:off x="381000" y="685800"/>
             <a:ext cx="6096000" cy="3429000"/>
           </a:xfrm>
           <a:custGeom>
-            <a:rect b="b" l="l" r="r" t="t"/>
+            <a:avLst/>
+            <a:gdLst/>
+            <a:ahLst/>
+            <a:cxnLst/>
+            <a:rect l="l" t="t" r="r" b="b"/>
             <a:pathLst>
-              <a:path extrusionOk="0" h="120000" w="120000">
+              <a:path w="120000" h="120000" extrusionOk="0">
                 <a:moveTo>
                   <a:pt x="0" y="0"/>
                 </a:moveTo>
@@ -1690,9 +1763,11 @@
       <p:sp>
         <p:nvSpPr>
           <p:cNvPr id="91" name="Google Shape;91;g10c6added4c_0_1:notes"/>
-          <p:cNvSpPr txBox="1"/>
+          <p:cNvSpPr txBox="1">
+            <a:spLocks noGrp="1"/>
+          </p:cNvSpPr>
           <p:nvPr>
-            <p:ph idx="1" type="body"/>
+            <p:ph type="body" idx="1"/>
           </p:nvPr>
         </p:nvSpPr>
         <p:spPr>
@@ -1705,12 +1780,12 @@
           </a:prstGeom>
         </p:spPr>
         <p:txBody>
-          <a:bodyPr anchorCtr="0" anchor="t" bIns="91425" lIns="91425" spcFirstLastPara="1" rIns="91425" wrap="square" tIns="91425">
+          <a:bodyPr spcFirstLastPara="1" wrap="square" lIns="91425" tIns="91425" rIns="91425" bIns="91425" anchor="t" anchorCtr="0">
             <a:noAutofit/>
           </a:bodyPr>
           <a:lstStyle/>
           <a:p>
-            <a:pPr indent="0" lvl="0" marL="0" rtl="0" algn="l">
+            <a:pPr marL="0" lvl="0" indent="0" algn="l" rtl="0">
               <a:spcBef>
                 <a:spcPts val="0"/>
               </a:spcBef>
@@ -1719,9 +1794,6 @@
               </a:spcAft>
               <a:buNone/>
             </a:pPr>
-            <a:r>
-              <a:t/>
-            </a:r>
             <a:endParaRPr/>
           </a:p>
         </p:txBody>
@@ -1735,11 +1807,11 @@
 </file>
 
 <file path=ppt/notesSlides/notesSlide5.xml><?xml version="1.0" encoding="utf-8"?>
-<p:notes xmlns:a="http://schemas.openxmlformats.org/drawingml/2006/main" xmlns:r="http://schemas.openxmlformats.org/officeDocument/2006/relationships" xmlns:mc="http://schemas.openxmlformats.org/markup-compatibility/2006" xmlns:mv="urn:schemas-microsoft-com:mac:vml" xmlns:p="http://schemas.openxmlformats.org/presentationml/2006/main" xmlns:c="http://schemas.openxmlformats.org/drawingml/2006/chart" xmlns:dgm="http://schemas.openxmlformats.org/drawingml/2006/diagram" xmlns:o="urn:schemas-microsoft-com:office:office" xmlns:v="urn:schemas-microsoft-com:vml" xmlns:pvml="urn:schemas-microsoft-com:office:powerpoint" xmlns:com="http://schemas.openxmlformats.org/drawingml/2006/compatibility" xmlns:p14="http://schemas.microsoft.com/office/powerpoint/2010/main" xmlns:p15="http://schemas.microsoft.com/office/powerpoint/2012/main" xmlns:ahyp="http://schemas.microsoft.com/office/drawing/2018/hyperlinkcolor" showMasterPhAnim="0" showMasterSp="0">
+<p:notes xmlns:a="http://schemas.openxmlformats.org/drawingml/2006/main" xmlns:r="http://schemas.openxmlformats.org/officeDocument/2006/relationships" xmlns:p="http://schemas.openxmlformats.org/presentationml/2006/main" showMasterSp="0" showMasterPhAnim="0">
   <p:cSld>
     <p:spTree>
       <p:nvGrpSpPr>
-        <p:cNvPr id="98" name="Shape 98"/>
+        <p:cNvPr id="1" name="Shape 98"/>
         <p:cNvGrpSpPr/>
         <p:nvPr/>
       </p:nvGrpSpPr>
@@ -1754,20 +1826,26 @@
       <p:sp>
         <p:nvSpPr>
           <p:cNvPr id="99" name="Google Shape;99;g10ead03fbe8_1_24:notes"/>
-          <p:cNvSpPr/>
+          <p:cNvSpPr>
+            <a:spLocks noGrp="1" noRot="1" noChangeAspect="1"/>
+          </p:cNvSpPr>
           <p:nvPr>
-            <p:ph idx="2" type="sldImg"/>
+            <p:ph type="sldImg" idx="2"/>
           </p:nvPr>
         </p:nvSpPr>
         <p:spPr>
           <a:xfrm>
-            <a:off x="381300" y="685800"/>
+            <a:off x="381000" y="685800"/>
             <a:ext cx="6096000" cy="3429000"/>
           </a:xfrm>
           <a:custGeom>
-            <a:rect b="b" l="l" r="r" t="t"/>
+            <a:avLst/>
+            <a:gdLst/>
+            <a:ahLst/>
+            <a:cxnLst/>
+            <a:rect l="l" t="t" r="r" b="b"/>
             <a:pathLst>
-              <a:path extrusionOk="0" h="120000" w="120000">
+              <a:path w="120000" h="120000" extrusionOk="0">
                 <a:moveTo>
                   <a:pt x="0" y="0"/>
                 </a:moveTo>
@@ -1789,9 +1867,11 @@
       <p:sp>
         <p:nvSpPr>
           <p:cNvPr id="100" name="Google Shape;100;g10ead03fbe8_1_24:notes"/>
-          <p:cNvSpPr txBox="1"/>
+          <p:cNvSpPr txBox="1">
+            <a:spLocks noGrp="1"/>
+          </p:cNvSpPr>
           <p:nvPr>
-            <p:ph idx="1" type="body"/>
+            <p:ph type="body" idx="1"/>
           </p:nvPr>
         </p:nvSpPr>
         <p:spPr>
@@ -1804,12 +1884,12 @@
           </a:prstGeom>
         </p:spPr>
         <p:txBody>
-          <a:bodyPr anchorCtr="0" anchor="t" bIns="91425" lIns="91425" spcFirstLastPara="1" rIns="91425" wrap="square" tIns="91425">
+          <a:bodyPr spcFirstLastPara="1" wrap="square" lIns="91425" tIns="91425" rIns="91425" bIns="91425" anchor="t" anchorCtr="0">
             <a:noAutofit/>
           </a:bodyPr>
           <a:lstStyle/>
           <a:p>
-            <a:pPr indent="0" lvl="0" marL="0" rtl="0" algn="l">
+            <a:pPr marL="0" lvl="0" indent="0" algn="l" rtl="0">
               <a:spcBef>
                 <a:spcPts val="0"/>
               </a:spcBef>
@@ -1818,9 +1898,6 @@
               </a:spcAft>
               <a:buNone/>
             </a:pPr>
-            <a:r>
-              <a:t/>
-            </a:r>
             <a:endParaRPr/>
           </a:p>
         </p:txBody>
@@ -1834,11 +1911,11 @@
 </file>
 
 <file path=ppt/notesSlides/notesSlide6.xml><?xml version="1.0" encoding="utf-8"?>
-<p:notes xmlns:a="http://schemas.openxmlformats.org/drawingml/2006/main" xmlns:r="http://schemas.openxmlformats.org/officeDocument/2006/relationships" xmlns:mc="http://schemas.openxmlformats.org/markup-compatibility/2006" xmlns:mv="urn:schemas-microsoft-com:mac:vml" xmlns:p="http://schemas.openxmlformats.org/presentationml/2006/main" xmlns:c="http://schemas.openxmlformats.org/drawingml/2006/chart" xmlns:dgm="http://schemas.openxmlformats.org/drawingml/2006/diagram" xmlns:o="urn:schemas-microsoft-com:office:office" xmlns:v="urn:schemas-microsoft-com:vml" xmlns:pvml="urn:schemas-microsoft-com:office:powerpoint" xmlns:com="http://schemas.openxmlformats.org/drawingml/2006/compatibility" xmlns:p14="http://schemas.microsoft.com/office/powerpoint/2010/main" xmlns:p15="http://schemas.microsoft.com/office/powerpoint/2012/main" xmlns:ahyp="http://schemas.microsoft.com/office/drawing/2018/hyperlinkcolor" showMasterPhAnim="0" showMasterSp="0">
+<p:notes xmlns:a="http://schemas.openxmlformats.org/drawingml/2006/main" xmlns:r="http://schemas.openxmlformats.org/officeDocument/2006/relationships" xmlns:p="http://schemas.openxmlformats.org/presentationml/2006/main" showMasterSp="0" showMasterPhAnim="0">
   <p:cSld>
     <p:spTree>
       <p:nvGrpSpPr>
-        <p:cNvPr id="105" name="Shape 105"/>
+        <p:cNvPr id="1" name="Shape 105"/>
         <p:cNvGrpSpPr/>
         <p:nvPr/>
       </p:nvGrpSpPr>
@@ -1853,20 +1930,26 @@
       <p:sp>
         <p:nvSpPr>
           <p:cNvPr id="106" name="Google Shape;106;g15fa78bac85_0_5:notes"/>
-          <p:cNvSpPr/>
+          <p:cNvSpPr>
+            <a:spLocks noGrp="1" noRot="1" noChangeAspect="1"/>
+          </p:cNvSpPr>
           <p:nvPr>
-            <p:ph idx="2" type="sldImg"/>
+            <p:ph type="sldImg" idx="2"/>
           </p:nvPr>
         </p:nvSpPr>
         <p:spPr>
           <a:xfrm>
-            <a:off x="381300" y="685800"/>
+            <a:off x="381000" y="685800"/>
             <a:ext cx="6096000" cy="3429000"/>
           </a:xfrm>
           <a:custGeom>
-            <a:rect b="b" l="l" r="r" t="t"/>
+            <a:avLst/>
+            <a:gdLst/>
+            <a:ahLst/>
+            <a:cxnLst/>
+            <a:rect l="l" t="t" r="r" b="b"/>
             <a:pathLst>
-              <a:path extrusionOk="0" h="120000" w="120000">
+              <a:path w="120000" h="120000" extrusionOk="0">
                 <a:moveTo>
                   <a:pt x="0" y="0"/>
                 </a:moveTo>
@@ -1888,9 +1971,11 @@
       <p:sp>
         <p:nvSpPr>
           <p:cNvPr id="107" name="Google Shape;107;g15fa78bac85_0_5:notes"/>
-          <p:cNvSpPr txBox="1"/>
+          <p:cNvSpPr txBox="1">
+            <a:spLocks noGrp="1"/>
+          </p:cNvSpPr>
           <p:nvPr>
-            <p:ph idx="1" type="body"/>
+            <p:ph type="body" idx="1"/>
           </p:nvPr>
         </p:nvSpPr>
         <p:spPr>
@@ -1903,12 +1988,12 @@
           </a:prstGeom>
         </p:spPr>
         <p:txBody>
-          <a:bodyPr anchorCtr="0" anchor="t" bIns="91425" lIns="91425" spcFirstLastPara="1" rIns="91425" wrap="square" tIns="91425">
+          <a:bodyPr spcFirstLastPara="1" wrap="square" lIns="91425" tIns="91425" rIns="91425" bIns="91425" anchor="t" anchorCtr="0">
             <a:noAutofit/>
           </a:bodyPr>
           <a:lstStyle/>
           <a:p>
-            <a:pPr indent="0" lvl="0" marL="0" rtl="0" algn="l">
+            <a:pPr marL="0" lvl="0" indent="0" algn="l" rtl="0">
               <a:spcBef>
                 <a:spcPts val="0"/>
               </a:spcBef>
@@ -1917,9 +2002,6 @@
               </a:spcAft>
               <a:buNone/>
             </a:pPr>
-            <a:r>
-              <a:t/>
-            </a:r>
             <a:endParaRPr/>
           </a:p>
         </p:txBody>
@@ -1933,11 +2015,11 @@
 </file>
 
 <file path=ppt/notesSlides/notesSlide7.xml><?xml version="1.0" encoding="utf-8"?>
-<p:notes xmlns:a="http://schemas.openxmlformats.org/drawingml/2006/main" xmlns:r="http://schemas.openxmlformats.org/officeDocument/2006/relationships" xmlns:mc="http://schemas.openxmlformats.org/markup-compatibility/2006" xmlns:mv="urn:schemas-microsoft-com:mac:vml" xmlns:p="http://schemas.openxmlformats.org/presentationml/2006/main" xmlns:c="http://schemas.openxmlformats.org/drawingml/2006/chart" xmlns:dgm="http://schemas.openxmlformats.org/drawingml/2006/diagram" xmlns:o="urn:schemas-microsoft-com:office:office" xmlns:v="urn:schemas-microsoft-com:vml" xmlns:pvml="urn:schemas-microsoft-com:office:powerpoint" xmlns:com="http://schemas.openxmlformats.org/drawingml/2006/compatibility" xmlns:p14="http://schemas.microsoft.com/office/powerpoint/2010/main" xmlns:p15="http://schemas.microsoft.com/office/powerpoint/2012/main" xmlns:ahyp="http://schemas.microsoft.com/office/drawing/2018/hyperlinkcolor" showMasterPhAnim="0" showMasterSp="0">
+<p:notes xmlns:a="http://schemas.openxmlformats.org/drawingml/2006/main" xmlns:r="http://schemas.openxmlformats.org/officeDocument/2006/relationships" xmlns:p="http://schemas.openxmlformats.org/presentationml/2006/main" showMasterSp="0" showMasterPhAnim="0">
   <p:cSld>
     <p:spTree>
       <p:nvGrpSpPr>
-        <p:cNvPr id="112" name="Shape 112"/>
+        <p:cNvPr id="1" name="Shape 112"/>
         <p:cNvGrpSpPr/>
         <p:nvPr/>
       </p:nvGrpSpPr>
@@ -1952,20 +2034,26 @@
       <p:sp>
         <p:nvSpPr>
           <p:cNvPr id="113" name="Google Shape;113;g10f6e3b8238_0_143:notes"/>
-          <p:cNvSpPr/>
+          <p:cNvSpPr>
+            <a:spLocks noGrp="1" noRot="1" noChangeAspect="1"/>
+          </p:cNvSpPr>
           <p:nvPr>
-            <p:ph idx="2" type="sldImg"/>
+            <p:ph type="sldImg" idx="2"/>
           </p:nvPr>
         </p:nvSpPr>
         <p:spPr>
           <a:xfrm>
-            <a:off x="381300" y="685800"/>
+            <a:off x="381000" y="685800"/>
             <a:ext cx="6096000" cy="3429000"/>
           </a:xfrm>
           <a:custGeom>
-            <a:rect b="b" l="l" r="r" t="t"/>
+            <a:avLst/>
+            <a:gdLst/>
+            <a:ahLst/>
+            <a:cxnLst/>
+            <a:rect l="l" t="t" r="r" b="b"/>
             <a:pathLst>
-              <a:path extrusionOk="0" h="120000" w="120000">
+              <a:path w="120000" h="120000" extrusionOk="0">
                 <a:moveTo>
                   <a:pt x="0" y="0"/>
                 </a:moveTo>
@@ -1987,9 +2075,11 @@
       <p:sp>
         <p:nvSpPr>
           <p:cNvPr id="114" name="Google Shape;114;g10f6e3b8238_0_143:notes"/>
-          <p:cNvSpPr txBox="1"/>
+          <p:cNvSpPr txBox="1">
+            <a:spLocks noGrp="1"/>
+          </p:cNvSpPr>
           <p:nvPr>
-            <p:ph idx="1" type="body"/>
+            <p:ph type="body" idx="1"/>
           </p:nvPr>
         </p:nvSpPr>
         <p:spPr>
@@ -2002,12 +2092,12 @@
           </a:prstGeom>
         </p:spPr>
         <p:txBody>
-          <a:bodyPr anchorCtr="0" anchor="t" bIns="91425" lIns="91425" spcFirstLastPara="1" rIns="91425" wrap="square" tIns="91425">
+          <a:bodyPr spcFirstLastPara="1" wrap="square" lIns="91425" tIns="91425" rIns="91425" bIns="91425" anchor="t" anchorCtr="0">
             <a:noAutofit/>
           </a:bodyPr>
           <a:lstStyle/>
           <a:p>
-            <a:pPr indent="0" lvl="0" marL="0" rtl="0" algn="l">
+            <a:pPr marL="0" lvl="0" indent="0" algn="l" rtl="0">
               <a:spcBef>
                 <a:spcPts val="0"/>
               </a:spcBef>
@@ -2016,9 +2106,6 @@
               </a:spcAft>
               <a:buNone/>
             </a:pPr>
-            <a:r>
-              <a:t/>
-            </a:r>
             <a:endParaRPr/>
           </a:p>
         </p:txBody>
@@ -2032,11 +2119,11 @@
 </file>
 
 <file path=ppt/notesSlides/notesSlide8.xml><?xml version="1.0" encoding="utf-8"?>
-<p:notes xmlns:a="http://schemas.openxmlformats.org/drawingml/2006/main" xmlns:r="http://schemas.openxmlformats.org/officeDocument/2006/relationships" xmlns:mc="http://schemas.openxmlformats.org/markup-compatibility/2006" xmlns:mv="urn:schemas-microsoft-com:mac:vml" xmlns:p="http://schemas.openxmlformats.org/presentationml/2006/main" xmlns:c="http://schemas.openxmlformats.org/drawingml/2006/chart" xmlns:dgm="http://schemas.openxmlformats.org/drawingml/2006/diagram" xmlns:o="urn:schemas-microsoft-com:office:office" xmlns:v="urn:schemas-microsoft-com:vml" xmlns:pvml="urn:schemas-microsoft-com:office:powerpoint" xmlns:com="http://schemas.openxmlformats.org/drawingml/2006/compatibility" xmlns:p14="http://schemas.microsoft.com/office/powerpoint/2010/main" xmlns:p15="http://schemas.microsoft.com/office/powerpoint/2012/main" xmlns:ahyp="http://schemas.microsoft.com/office/drawing/2018/hyperlinkcolor" showMasterPhAnim="0" showMasterSp="0">
+<p:notes xmlns:a="http://schemas.openxmlformats.org/drawingml/2006/main" xmlns:r="http://schemas.openxmlformats.org/officeDocument/2006/relationships" xmlns:p="http://schemas.openxmlformats.org/presentationml/2006/main" showMasterSp="0" showMasterPhAnim="0">
   <p:cSld>
     <p:spTree>
       <p:nvGrpSpPr>
-        <p:cNvPr id="130" name="Shape 130"/>
+        <p:cNvPr id="1" name="Shape 130"/>
         <p:cNvGrpSpPr/>
         <p:nvPr/>
       </p:nvGrpSpPr>
@@ -2051,20 +2138,26 @@
       <p:sp>
         <p:nvSpPr>
           <p:cNvPr id="131" name="Google Shape;131;g1bd5a89130f_0_0:notes"/>
-          <p:cNvSpPr/>
+          <p:cNvSpPr>
+            <a:spLocks noGrp="1" noRot="1" noChangeAspect="1"/>
+          </p:cNvSpPr>
           <p:nvPr>
-            <p:ph idx="2" type="sldImg"/>
+            <p:ph type="sldImg" idx="2"/>
           </p:nvPr>
         </p:nvSpPr>
         <p:spPr>
           <a:xfrm>
-            <a:off x="381300" y="685800"/>
+            <a:off x="381000" y="685800"/>
             <a:ext cx="6096000" cy="3429000"/>
           </a:xfrm>
           <a:custGeom>
-            <a:rect b="b" l="l" r="r" t="t"/>
+            <a:avLst/>
+            <a:gdLst/>
+            <a:ahLst/>
+            <a:cxnLst/>
+            <a:rect l="l" t="t" r="r" b="b"/>
             <a:pathLst>
-              <a:path extrusionOk="0" h="120000" w="120000">
+              <a:path w="120000" h="120000" extrusionOk="0">
                 <a:moveTo>
                   <a:pt x="0" y="0"/>
                 </a:moveTo>
@@ -2086,9 +2179,11 @@
       <p:sp>
         <p:nvSpPr>
           <p:cNvPr id="132" name="Google Shape;132;g1bd5a89130f_0_0:notes"/>
-          <p:cNvSpPr txBox="1"/>
+          <p:cNvSpPr txBox="1">
+            <a:spLocks noGrp="1"/>
+          </p:cNvSpPr>
           <p:nvPr>
-            <p:ph idx="1" type="body"/>
+            <p:ph type="body" idx="1"/>
           </p:nvPr>
         </p:nvSpPr>
         <p:spPr>
@@ -2101,12 +2196,12 @@
           </a:prstGeom>
         </p:spPr>
         <p:txBody>
-          <a:bodyPr anchorCtr="0" anchor="t" bIns="91425" lIns="91425" spcFirstLastPara="1" rIns="91425" wrap="square" tIns="91425">
+          <a:bodyPr spcFirstLastPara="1" wrap="square" lIns="91425" tIns="91425" rIns="91425" bIns="91425" anchor="t" anchorCtr="0">
             <a:noAutofit/>
           </a:bodyPr>
           <a:lstStyle/>
           <a:p>
-            <a:pPr indent="0" lvl="0" marL="0" rtl="0" algn="l">
+            <a:pPr marL="0" lvl="0" indent="0" algn="l" rtl="0">
               <a:spcBef>
                 <a:spcPts val="0"/>
               </a:spcBef>
@@ -2115,9 +2210,6 @@
               </a:spcAft>
               <a:buNone/>
             </a:pPr>
-            <a:r>
-              <a:t/>
-            </a:r>
             <a:endParaRPr/>
           </a:p>
         </p:txBody>
@@ -2131,11 +2223,11 @@
 </file>
 
 <file path=ppt/notesSlides/notesSlide9.xml><?xml version="1.0" encoding="utf-8"?>
-<p:notes xmlns:a="http://schemas.openxmlformats.org/drawingml/2006/main" xmlns:r="http://schemas.openxmlformats.org/officeDocument/2006/relationships" xmlns:mc="http://schemas.openxmlformats.org/markup-compatibility/2006" xmlns:mv="urn:schemas-microsoft-com:mac:vml" xmlns:p="http://schemas.openxmlformats.org/presentationml/2006/main" xmlns:c="http://schemas.openxmlformats.org/drawingml/2006/chart" xmlns:dgm="http://schemas.openxmlformats.org/drawingml/2006/diagram" xmlns:o="urn:schemas-microsoft-com:office:office" xmlns:v="urn:schemas-microsoft-com:vml" xmlns:pvml="urn:schemas-microsoft-com:office:powerpoint" xmlns:com="http://schemas.openxmlformats.org/drawingml/2006/compatibility" xmlns:p14="http://schemas.microsoft.com/office/powerpoint/2010/main" xmlns:p15="http://schemas.microsoft.com/office/powerpoint/2012/main" xmlns:ahyp="http://schemas.microsoft.com/office/drawing/2018/hyperlinkcolor" showMasterPhAnim="0" showMasterSp="0">
+<p:notes xmlns:a="http://schemas.openxmlformats.org/drawingml/2006/main" xmlns:r="http://schemas.openxmlformats.org/officeDocument/2006/relationships" xmlns:p="http://schemas.openxmlformats.org/presentationml/2006/main" showMasterSp="0" showMasterPhAnim="0">
   <p:cSld>
     <p:spTree>
       <p:nvGrpSpPr>
-        <p:cNvPr id="136" name="Shape 136"/>
+        <p:cNvPr id="1" name="Shape 136"/>
         <p:cNvGrpSpPr/>
         <p:nvPr/>
       </p:nvGrpSpPr>
@@ -2150,20 +2242,26 @@
       <p:sp>
         <p:nvSpPr>
           <p:cNvPr id="137" name="Google Shape;137;g1f709349dac_0_0:notes"/>
-          <p:cNvSpPr/>
+          <p:cNvSpPr>
+            <a:spLocks noGrp="1" noRot="1" noChangeAspect="1"/>
+          </p:cNvSpPr>
           <p:nvPr>
-            <p:ph idx="2" type="sldImg"/>
+            <p:ph type="sldImg" idx="2"/>
           </p:nvPr>
         </p:nvSpPr>
         <p:spPr>
           <a:xfrm>
-            <a:off x="381300" y="685800"/>
+            <a:off x="381000" y="685800"/>
             <a:ext cx="6096000" cy="3429000"/>
           </a:xfrm>
           <a:custGeom>
-            <a:rect b="b" l="l" r="r" t="t"/>
+            <a:avLst/>
+            <a:gdLst/>
+            <a:ahLst/>
+            <a:cxnLst/>
+            <a:rect l="l" t="t" r="r" b="b"/>
             <a:pathLst>
-              <a:path extrusionOk="0" h="120000" w="120000">
+              <a:path w="120000" h="120000" extrusionOk="0">
                 <a:moveTo>
                   <a:pt x="0" y="0"/>
                 </a:moveTo>
@@ -2185,9 +2283,11 @@
       <p:sp>
         <p:nvSpPr>
           <p:cNvPr id="138" name="Google Shape;138;g1f709349dac_0_0:notes"/>
-          <p:cNvSpPr txBox="1"/>
+          <p:cNvSpPr txBox="1">
+            <a:spLocks noGrp="1"/>
+          </p:cNvSpPr>
           <p:nvPr>
-            <p:ph idx="1" type="body"/>
+            <p:ph type="body" idx="1"/>
           </p:nvPr>
         </p:nvSpPr>
         <p:spPr>
@@ -2200,12 +2300,12 @@
           </a:prstGeom>
         </p:spPr>
         <p:txBody>
-          <a:bodyPr anchorCtr="0" anchor="t" bIns="91425" lIns="91425" spcFirstLastPara="1" rIns="91425" wrap="square" tIns="91425">
+          <a:bodyPr spcFirstLastPara="1" wrap="square" lIns="91425" tIns="91425" rIns="91425" bIns="91425" anchor="t" anchorCtr="0">
             <a:noAutofit/>
           </a:bodyPr>
           <a:lstStyle/>
           <a:p>
-            <a:pPr indent="0" lvl="0" marL="0" rtl="0" algn="l">
+            <a:pPr marL="0" lvl="0" indent="0" algn="l" rtl="0">
               <a:spcBef>
                 <a:spcPts val="0"/>
               </a:spcBef>
@@ -2214,9 +2314,6 @@
               </a:spcAft>
               <a:buNone/>
             </a:pPr>
-            <a:r>
-              <a:t/>
-            </a:r>
             <a:endParaRPr/>
           </a:p>
         </p:txBody>
@@ -2230,11 +2327,11 @@
 </file>
 
 <file path=ppt/slideLayouts/slideLayout1.xml><?xml version="1.0" encoding="utf-8"?>
-<p:sldLayout xmlns:a="http://schemas.openxmlformats.org/drawingml/2006/main" xmlns:r="http://schemas.openxmlformats.org/officeDocument/2006/relationships" xmlns:mc="http://schemas.openxmlformats.org/markup-compatibility/2006" xmlns:mv="urn:schemas-microsoft-com:mac:vml" xmlns:p="http://schemas.openxmlformats.org/presentationml/2006/main" xmlns:c="http://schemas.openxmlformats.org/drawingml/2006/chart" xmlns:dgm="http://schemas.openxmlformats.org/drawingml/2006/diagram" xmlns:o="urn:schemas-microsoft-com:office:office" xmlns:v="urn:schemas-microsoft-com:vml" xmlns:pvml="urn:schemas-microsoft-com:office:powerpoint" xmlns:com="http://schemas.openxmlformats.org/drawingml/2006/compatibility" xmlns:p14="http://schemas.microsoft.com/office/powerpoint/2010/main" xmlns:p15="http://schemas.microsoft.com/office/powerpoint/2012/main" xmlns:ahyp="http://schemas.microsoft.com/office/drawing/2018/hyperlinkcolor" matchingName="Title slide" type="title">
+<p:sldLayout xmlns:a="http://schemas.openxmlformats.org/drawingml/2006/main" xmlns:r="http://schemas.openxmlformats.org/officeDocument/2006/relationships" xmlns:p="http://schemas.openxmlformats.org/presentationml/2006/main" matchingName="Title slide" type="title">
   <p:cSld name="TITLE">
     <p:spTree>
       <p:nvGrpSpPr>
-        <p:cNvPr id="9" name="Shape 9"/>
+        <p:cNvPr id="1" name="Shape 9"/>
         <p:cNvGrpSpPr/>
         <p:nvPr/>
       </p:nvGrpSpPr>
@@ -2256,7 +2353,7 @@
           <a:blip r:embed="rId2">
             <a:alphaModFix/>
           </a:blip>
-          <a:srcRect b="1039" l="0" r="3975" t="0"/>
+          <a:srcRect r="3975" b="1039"/>
           <a:stretch/>
         </p:blipFill>
         <p:spPr>
@@ -2276,7 +2373,9 @@
       <p:sp>
         <p:nvSpPr>
           <p:cNvPr id="11" name="Google Shape;11;p2"/>
-          <p:cNvSpPr txBox="1"/>
+          <p:cNvSpPr txBox="1">
+            <a:spLocks noGrp="1"/>
+          </p:cNvSpPr>
           <p:nvPr>
             <p:ph type="ctrTitle"/>
           </p:nvPr>
@@ -2291,7 +2390,7 @@
           </a:prstGeom>
         </p:spPr>
         <p:txBody>
-          <a:bodyPr anchorCtr="0" anchor="b" bIns="91425" lIns="91425" spcFirstLastPara="1" rIns="91425" wrap="square" tIns="91425">
+          <a:bodyPr spcFirstLastPara="1" wrap="square" lIns="91425" tIns="91425" rIns="91425" bIns="91425" anchor="b" anchorCtr="0">
             <a:noAutofit/>
           </a:bodyPr>
           <a:lstStyle>
@@ -2308,7 +2407,7 @@
               <a:buSzPts val="3600"/>
               <a:buFont typeface="Open Sans"/>
               <a:buNone/>
-              <a:defRPr b="1" sz="3600">
+              <a:defRPr sz="3600" b="1">
                 <a:solidFill>
                   <a:srgbClr val="15263D"/>
                 </a:solidFill>
@@ -2328,7 +2427,7 @@
               <a:buSzPts val="5200"/>
               <a:buFont typeface="Open Sans"/>
               <a:buNone/>
-              <a:defRPr b="1" sz="5200">
+              <a:defRPr sz="5200" b="1">
                 <a:latin typeface="Open Sans"/>
                 <a:ea typeface="Open Sans"/>
                 <a:cs typeface="Open Sans"/>
@@ -2345,7 +2444,7 @@
               <a:buSzPts val="5200"/>
               <a:buFont typeface="Open Sans"/>
               <a:buNone/>
-              <a:defRPr b="1" sz="5200">
+              <a:defRPr sz="5200" b="1">
                 <a:latin typeface="Open Sans"/>
                 <a:ea typeface="Open Sans"/>
                 <a:cs typeface="Open Sans"/>
@@ -2362,7 +2461,7 @@
               <a:buSzPts val="5200"/>
               <a:buFont typeface="Open Sans"/>
               <a:buNone/>
-              <a:defRPr b="1" sz="5200">
+              <a:defRPr sz="5200" b="1">
                 <a:latin typeface="Open Sans"/>
                 <a:ea typeface="Open Sans"/>
                 <a:cs typeface="Open Sans"/>
@@ -2379,7 +2478,7 @@
               <a:buSzPts val="5200"/>
               <a:buFont typeface="Open Sans"/>
               <a:buNone/>
-              <a:defRPr b="1" sz="5200">
+              <a:defRPr sz="5200" b="1">
                 <a:latin typeface="Open Sans"/>
                 <a:ea typeface="Open Sans"/>
                 <a:cs typeface="Open Sans"/>
@@ -2396,7 +2495,7 @@
               <a:buSzPts val="5200"/>
               <a:buFont typeface="Open Sans"/>
               <a:buNone/>
-              <a:defRPr b="1" sz="5200">
+              <a:defRPr sz="5200" b="1">
                 <a:latin typeface="Open Sans"/>
                 <a:ea typeface="Open Sans"/>
                 <a:cs typeface="Open Sans"/>
@@ -2413,7 +2512,7 @@
               <a:buSzPts val="5200"/>
               <a:buFont typeface="Open Sans"/>
               <a:buNone/>
-              <a:defRPr b="1" sz="5200">
+              <a:defRPr sz="5200" b="1">
                 <a:latin typeface="Open Sans"/>
                 <a:ea typeface="Open Sans"/>
                 <a:cs typeface="Open Sans"/>
@@ -2430,7 +2529,7 @@
               <a:buSzPts val="5200"/>
               <a:buFont typeface="Open Sans"/>
               <a:buNone/>
-              <a:defRPr b="1" sz="5200">
+              <a:defRPr sz="5200" b="1">
                 <a:latin typeface="Open Sans"/>
                 <a:ea typeface="Open Sans"/>
                 <a:cs typeface="Open Sans"/>
@@ -2447,7 +2546,7 @@
               <a:buSzPts val="5200"/>
               <a:buFont typeface="Open Sans"/>
               <a:buNone/>
-              <a:defRPr b="1" sz="5200">
+              <a:defRPr sz="5200" b="1">
                 <a:latin typeface="Open Sans"/>
                 <a:ea typeface="Open Sans"/>
                 <a:cs typeface="Open Sans"/>
@@ -2455,15 +2554,19 @@
               </a:defRPr>
             </a:lvl9pPr>
           </a:lstStyle>
-          <a:p/>
+          <a:p>
+            <a:endParaRPr/>
+          </a:p>
         </p:txBody>
       </p:sp>
       <p:sp>
         <p:nvSpPr>
           <p:cNvPr id="12" name="Google Shape;12;p2"/>
-          <p:cNvSpPr txBox="1"/>
+          <p:cNvSpPr txBox="1">
+            <a:spLocks noGrp="1"/>
+          </p:cNvSpPr>
           <p:nvPr>
-            <p:ph idx="1" type="subTitle"/>
+            <p:ph type="subTitle" idx="1"/>
           </p:nvPr>
         </p:nvSpPr>
         <p:spPr>
@@ -2476,7 +2579,7 @@
           </a:prstGeom>
         </p:spPr>
         <p:txBody>
-          <a:bodyPr anchorCtr="0" anchor="t" bIns="91425" lIns="91425" spcFirstLastPara="1" rIns="91425" wrap="square" tIns="91425">
+          <a:bodyPr spcFirstLastPara="1" wrap="square" lIns="91425" tIns="91425" rIns="91425" bIns="91425" anchor="t" anchorCtr="0">
             <a:noAutofit/>
           </a:bodyPr>
           <a:lstStyle>
@@ -2613,15 +2716,19 @@
               <a:defRPr sz="2800"/>
             </a:lvl9pPr>
           </a:lstStyle>
-          <a:p/>
+          <a:p>
+            <a:endParaRPr/>
+          </a:p>
         </p:txBody>
       </p:sp>
       <p:sp>
         <p:nvSpPr>
           <p:cNvPr id="13" name="Google Shape;13;p2"/>
-          <p:cNvSpPr txBox="1"/>
+          <p:cNvSpPr txBox="1">
+            <a:spLocks noGrp="1"/>
+          </p:cNvSpPr>
           <p:nvPr>
-            <p:ph idx="12" type="sldNum"/>
+            <p:ph type="sldNum" idx="12"/>
           </p:nvPr>
         </p:nvSpPr>
         <p:spPr>
@@ -2634,7 +2741,7 @@
           </a:prstGeom>
         </p:spPr>
         <p:txBody>
-          <a:bodyPr anchorCtr="0" anchor="ctr" bIns="91425" lIns="91425" spcFirstLastPara="1" rIns="91425" wrap="square" tIns="91425">
+          <a:bodyPr spcFirstLastPara="1" wrap="square" lIns="91425" tIns="91425" rIns="91425" bIns="91425" anchor="ctr" anchorCtr="0">
             <a:noAutofit/>
           </a:bodyPr>
           <a:lstStyle>
@@ -2676,7 +2783,7 @@
             </a:lvl9pPr>
           </a:lstStyle>
           <a:p>
-            <a:pPr indent="0" lvl="0" marL="0" rtl="0" algn="r">
+            <a:pPr marL="0" lvl="0" indent="0" algn="r" rtl="0">
               <a:spcBef>
                 <a:spcPts val="0"/>
               </a:spcBef>
@@ -2730,11 +2837,11 @@
 </file>
 
 <file path=ppt/slideLayouts/slideLayout10.xml><?xml version="1.0" encoding="utf-8"?>
-<p:sldLayout xmlns:a="http://schemas.openxmlformats.org/drawingml/2006/main" xmlns:r="http://schemas.openxmlformats.org/officeDocument/2006/relationships" xmlns:mc="http://schemas.openxmlformats.org/markup-compatibility/2006" xmlns:mv="urn:schemas-microsoft-com:mac:vml" xmlns:p="http://schemas.openxmlformats.org/presentationml/2006/main" xmlns:c="http://schemas.openxmlformats.org/drawingml/2006/chart" xmlns:dgm="http://schemas.openxmlformats.org/drawingml/2006/diagram" xmlns:o="urn:schemas-microsoft-com:office:office" xmlns:v="urn:schemas-microsoft-com:vml" xmlns:pvml="urn:schemas-microsoft-com:office:powerpoint" xmlns:com="http://schemas.openxmlformats.org/drawingml/2006/compatibility" xmlns:p14="http://schemas.microsoft.com/office/powerpoint/2010/main" xmlns:p15="http://schemas.microsoft.com/office/powerpoint/2012/main" xmlns:ahyp="http://schemas.microsoft.com/office/drawing/2018/hyperlinkcolor" matchingName="Big number">
+<p:sldLayout xmlns:a="http://schemas.openxmlformats.org/drawingml/2006/main" xmlns:r="http://schemas.openxmlformats.org/officeDocument/2006/relationships" xmlns:p="http://schemas.openxmlformats.org/presentationml/2006/main" matchingName="Big number">
   <p:cSld name="BIG_NUMBER">
     <p:spTree>
       <p:nvGrpSpPr>
-        <p:cNvPr id="54" name="Shape 54"/>
+        <p:cNvPr id="1" name="Shape 54"/>
         <p:cNvGrpSpPr/>
         <p:nvPr/>
       </p:nvGrpSpPr>
@@ -2749,9 +2856,11 @@
       <p:sp>
         <p:nvSpPr>
           <p:cNvPr id="55" name="Google Shape;55;p11"/>
-          <p:cNvSpPr txBox="1"/>
+          <p:cNvSpPr txBox="1">
+            <a:spLocks noGrp="1"/>
+          </p:cNvSpPr>
           <p:nvPr>
-            <p:ph hasCustomPrompt="1" type="title"/>
+            <p:ph type="title" hasCustomPrompt="1"/>
           </p:nvPr>
         </p:nvSpPr>
         <p:spPr>
@@ -2764,7 +2873,7 @@
           </a:prstGeom>
         </p:spPr>
         <p:txBody>
-          <a:bodyPr anchorCtr="0" anchor="b" bIns="91425" lIns="91425" spcFirstLastPara="1" rIns="91425" wrap="square" tIns="91425">
+          <a:bodyPr spcFirstLastPara="1" wrap="square" lIns="91425" tIns="91425" rIns="91425" bIns="91425" anchor="b" anchorCtr="0">
             <a:noAutofit/>
           </a:bodyPr>
           <a:lstStyle>
@@ -2878,9 +2987,11 @@
       <p:sp>
         <p:nvSpPr>
           <p:cNvPr id="56" name="Google Shape;56;p11"/>
-          <p:cNvSpPr txBox="1"/>
+          <p:cNvSpPr txBox="1">
+            <a:spLocks noGrp="1"/>
+          </p:cNvSpPr>
           <p:nvPr>
-            <p:ph idx="1" type="body"/>
+            <p:ph type="body" idx="1"/>
           </p:nvPr>
         </p:nvSpPr>
         <p:spPr>
@@ -2893,11 +3004,11 @@
           </a:prstGeom>
         </p:spPr>
         <p:txBody>
-          <a:bodyPr anchorCtr="0" anchor="t" bIns="91425" lIns="91425" spcFirstLastPara="1" rIns="91425" wrap="square" tIns="91425">
+          <a:bodyPr spcFirstLastPara="1" wrap="square" lIns="91425" tIns="91425" rIns="91425" bIns="91425" anchor="t" anchorCtr="0">
             <a:noAutofit/>
           </a:bodyPr>
           <a:lstStyle>
-            <a:lvl1pPr indent="-330200" lvl="0" marL="457200" algn="ctr">
+            <a:lvl1pPr marL="457200" lvl="0" indent="-330200" algn="ctr">
               <a:spcBef>
                 <a:spcPts val="0"/>
               </a:spcBef>
@@ -2908,7 +3019,7 @@
               <a:buChar char="●"/>
               <a:defRPr/>
             </a:lvl1pPr>
-            <a:lvl2pPr indent="-317500" lvl="1" marL="914400" algn="ctr">
+            <a:lvl2pPr marL="914400" lvl="1" indent="-317500" algn="ctr">
               <a:spcBef>
                 <a:spcPts val="1600"/>
               </a:spcBef>
@@ -2919,7 +3030,7 @@
               <a:buChar char="○"/>
               <a:defRPr/>
             </a:lvl2pPr>
-            <a:lvl3pPr indent="-317500" lvl="2" marL="1371600" algn="ctr">
+            <a:lvl3pPr marL="1371600" lvl="2" indent="-317500" algn="ctr">
               <a:spcBef>
                 <a:spcPts val="1600"/>
               </a:spcBef>
@@ -2930,7 +3041,7 @@
               <a:buChar char="■"/>
               <a:defRPr/>
             </a:lvl3pPr>
-            <a:lvl4pPr indent="-317500" lvl="3" marL="1828800" algn="ctr">
+            <a:lvl4pPr marL="1828800" lvl="3" indent="-317500" algn="ctr">
               <a:spcBef>
                 <a:spcPts val="1600"/>
               </a:spcBef>
@@ -2941,7 +3052,7 @@
               <a:buChar char="●"/>
               <a:defRPr/>
             </a:lvl4pPr>
-            <a:lvl5pPr indent="-317500" lvl="4" marL="2286000" algn="ctr">
+            <a:lvl5pPr marL="2286000" lvl="4" indent="-317500" algn="ctr">
               <a:spcBef>
                 <a:spcPts val="1600"/>
               </a:spcBef>
@@ -2952,7 +3063,7 @@
               <a:buChar char="○"/>
               <a:defRPr/>
             </a:lvl5pPr>
-            <a:lvl6pPr indent="-317500" lvl="5" marL="2743200" algn="ctr">
+            <a:lvl6pPr marL="2743200" lvl="5" indent="-317500" algn="ctr">
               <a:spcBef>
                 <a:spcPts val="1600"/>
               </a:spcBef>
@@ -2963,7 +3074,7 @@
               <a:buChar char="■"/>
               <a:defRPr/>
             </a:lvl6pPr>
-            <a:lvl7pPr indent="-317500" lvl="6" marL="3200400" algn="ctr">
+            <a:lvl7pPr marL="3200400" lvl="6" indent="-317500" algn="ctr">
               <a:spcBef>
                 <a:spcPts val="1600"/>
               </a:spcBef>
@@ -2974,7 +3085,7 @@
               <a:buChar char="●"/>
               <a:defRPr/>
             </a:lvl7pPr>
-            <a:lvl8pPr indent="-317500" lvl="7" marL="3657600" algn="ctr">
+            <a:lvl8pPr marL="3657600" lvl="7" indent="-317500" algn="ctr">
               <a:spcBef>
                 <a:spcPts val="1600"/>
               </a:spcBef>
@@ -2985,7 +3096,7 @@
               <a:buChar char="○"/>
               <a:defRPr/>
             </a:lvl8pPr>
-            <a:lvl9pPr indent="-317500" lvl="8" marL="4114800" algn="ctr">
+            <a:lvl9pPr marL="4114800" lvl="8" indent="-317500" algn="ctr">
               <a:spcBef>
                 <a:spcPts val="1600"/>
               </a:spcBef>
@@ -2997,15 +3108,19 @@
               <a:defRPr/>
             </a:lvl9pPr>
           </a:lstStyle>
-          <a:p/>
+          <a:p>
+            <a:endParaRPr/>
+          </a:p>
         </p:txBody>
       </p:sp>
       <p:sp>
         <p:nvSpPr>
           <p:cNvPr id="57" name="Google Shape;57;p11"/>
-          <p:cNvSpPr txBox="1"/>
+          <p:cNvSpPr txBox="1">
+            <a:spLocks noGrp="1"/>
+          </p:cNvSpPr>
           <p:nvPr>
-            <p:ph idx="12" type="sldNum"/>
+            <p:ph type="sldNum" idx="12"/>
           </p:nvPr>
         </p:nvSpPr>
         <p:spPr>
@@ -3018,7 +3133,7 @@
           </a:prstGeom>
         </p:spPr>
         <p:txBody>
-          <a:bodyPr anchorCtr="0" anchor="ctr" bIns="91425" lIns="91425" spcFirstLastPara="1" rIns="91425" wrap="square" tIns="91425">
+          <a:bodyPr spcFirstLastPara="1" wrap="square" lIns="91425" tIns="91425" rIns="91425" bIns="91425" anchor="ctr" anchorCtr="0">
             <a:noAutofit/>
           </a:bodyPr>
           <a:lstStyle>
@@ -3060,7 +3175,7 @@
             </a:lvl9pPr>
           </a:lstStyle>
           <a:p>
-            <a:pPr indent="0" lvl="0" marL="0" rtl="0" algn="r">
+            <a:pPr marL="0" lvl="0" indent="0" algn="r" rtl="0">
               <a:spcBef>
                 <a:spcPts val="0"/>
               </a:spcBef>
@@ -3086,11 +3201,11 @@
 </file>
 
 <file path=ppt/slideLayouts/slideLayout11.xml><?xml version="1.0" encoding="utf-8"?>
-<p:sldLayout xmlns:a="http://schemas.openxmlformats.org/drawingml/2006/main" xmlns:r="http://schemas.openxmlformats.org/officeDocument/2006/relationships" xmlns:mc="http://schemas.openxmlformats.org/markup-compatibility/2006" xmlns:mv="urn:schemas-microsoft-com:mac:vml" xmlns:p="http://schemas.openxmlformats.org/presentationml/2006/main" xmlns:c="http://schemas.openxmlformats.org/drawingml/2006/chart" xmlns:dgm="http://schemas.openxmlformats.org/drawingml/2006/diagram" xmlns:o="urn:schemas-microsoft-com:office:office" xmlns:v="urn:schemas-microsoft-com:vml" xmlns:pvml="urn:schemas-microsoft-com:office:powerpoint" xmlns:com="http://schemas.openxmlformats.org/drawingml/2006/compatibility" xmlns:p14="http://schemas.microsoft.com/office/powerpoint/2010/main" xmlns:p15="http://schemas.microsoft.com/office/powerpoint/2012/main" xmlns:ahyp="http://schemas.microsoft.com/office/drawing/2018/hyperlinkcolor" matchingName="Blank" type="blank">
+<p:sldLayout xmlns:a="http://schemas.openxmlformats.org/drawingml/2006/main" xmlns:r="http://schemas.openxmlformats.org/officeDocument/2006/relationships" xmlns:p="http://schemas.openxmlformats.org/presentationml/2006/main" matchingName="Blank" type="blank">
   <p:cSld name="BLANK">
     <p:spTree>
       <p:nvGrpSpPr>
-        <p:cNvPr id="58" name="Shape 58"/>
+        <p:cNvPr id="1" name="Shape 58"/>
         <p:cNvGrpSpPr/>
         <p:nvPr/>
       </p:nvGrpSpPr>
@@ -3105,9 +3220,11 @@
       <p:sp>
         <p:nvSpPr>
           <p:cNvPr id="59" name="Google Shape;59;p12"/>
-          <p:cNvSpPr txBox="1"/>
+          <p:cNvSpPr txBox="1">
+            <a:spLocks noGrp="1"/>
+          </p:cNvSpPr>
           <p:nvPr>
-            <p:ph idx="12" type="sldNum"/>
+            <p:ph type="sldNum" idx="12"/>
           </p:nvPr>
         </p:nvSpPr>
         <p:spPr>
@@ -3120,7 +3237,7 @@
           </a:prstGeom>
         </p:spPr>
         <p:txBody>
-          <a:bodyPr anchorCtr="0" anchor="ctr" bIns="91425" lIns="91425" spcFirstLastPara="1" rIns="91425" wrap="square" tIns="91425">
+          <a:bodyPr spcFirstLastPara="1" wrap="square" lIns="91425" tIns="91425" rIns="91425" bIns="91425" anchor="ctr" anchorCtr="0">
             <a:noAutofit/>
           </a:bodyPr>
           <a:lstStyle>
@@ -3162,7 +3279,7 @@
             </a:lvl9pPr>
           </a:lstStyle>
           <a:p>
-            <a:pPr indent="0" lvl="0" marL="0" rtl="0" algn="r">
+            <a:pPr marL="0" lvl="0" indent="0" algn="r" rtl="0">
               <a:spcBef>
                 <a:spcPts val="0"/>
               </a:spcBef>
@@ -3188,11 +3305,11 @@
 </file>
 
 <file path=ppt/slideLayouts/slideLayout12.xml><?xml version="1.0" encoding="utf-8"?>
-<p:sldLayout xmlns:a="http://schemas.openxmlformats.org/drawingml/2006/main" xmlns:r="http://schemas.openxmlformats.org/officeDocument/2006/relationships" xmlns:mc="http://schemas.openxmlformats.org/markup-compatibility/2006" xmlns:mv="urn:schemas-microsoft-com:mac:vml" xmlns:p="http://schemas.openxmlformats.org/presentationml/2006/main" xmlns:c="http://schemas.openxmlformats.org/drawingml/2006/chart" xmlns:dgm="http://schemas.openxmlformats.org/drawingml/2006/diagram" xmlns:o="urn:schemas-microsoft-com:office:office" xmlns:v="urn:schemas-microsoft-com:vml" xmlns:pvml="urn:schemas-microsoft-com:office:powerpoint" xmlns:com="http://schemas.openxmlformats.org/drawingml/2006/compatibility" xmlns:p14="http://schemas.microsoft.com/office/powerpoint/2010/main" xmlns:p15="http://schemas.microsoft.com/office/powerpoint/2012/main" xmlns:ahyp="http://schemas.microsoft.com/office/drawing/2018/hyperlinkcolor" matchingName="Title only 1">
+<p:sldLayout xmlns:a="http://schemas.openxmlformats.org/drawingml/2006/main" xmlns:r="http://schemas.openxmlformats.org/officeDocument/2006/relationships" xmlns:p="http://schemas.openxmlformats.org/presentationml/2006/main" matchingName="Title only 1">
   <p:cSld name="TITLE_ONLY_1">
     <p:spTree>
       <p:nvGrpSpPr>
-        <p:cNvPr id="60" name="Shape 60"/>
+        <p:cNvPr id="1" name="Shape 60"/>
         <p:cNvGrpSpPr/>
         <p:nvPr/>
       </p:nvGrpSpPr>
@@ -3207,9 +3324,11 @@
       <p:sp>
         <p:nvSpPr>
           <p:cNvPr id="61" name="Google Shape;61;p13"/>
-          <p:cNvSpPr txBox="1"/>
+          <p:cNvSpPr txBox="1">
+            <a:spLocks noGrp="1"/>
+          </p:cNvSpPr>
           <p:nvPr>
-            <p:ph idx="12" type="sldNum"/>
+            <p:ph type="sldNum" idx="12"/>
           </p:nvPr>
         </p:nvSpPr>
         <p:spPr>
@@ -3222,7 +3341,7 @@
           </a:prstGeom>
         </p:spPr>
         <p:txBody>
-          <a:bodyPr anchorCtr="0" anchor="ctr" bIns="91425" lIns="91425" spcFirstLastPara="1" rIns="91425" wrap="square" tIns="91425">
+          <a:bodyPr spcFirstLastPara="1" wrap="square" lIns="91425" tIns="91425" rIns="91425" bIns="91425" anchor="ctr" anchorCtr="0">
             <a:noAutofit/>
           </a:bodyPr>
           <a:lstStyle>
@@ -3336,7 +3455,7 @@
             </a:lvl9pPr>
           </a:lstStyle>
           <a:p>
-            <a:pPr indent="0" lvl="0" marL="0" rtl="0" algn="r">
+            <a:pPr marL="0" lvl="0" indent="0" algn="r" rtl="0">
               <a:spcBef>
                 <a:spcPts val="0"/>
               </a:spcBef>
@@ -3380,7 +3499,7 @@
             </a:xfrm>
             <a:prstGeom prst="diagStripe">
               <a:avLst>
-                <a:gd fmla="val 50000" name="adj"/>
+                <a:gd name="adj" fmla="val 50000"/>
               </a:avLst>
             </a:prstGeom>
             <a:solidFill>
@@ -3391,12 +3510,12 @@
             </a:ln>
           </p:spPr>
           <p:txBody>
-            <a:bodyPr anchorCtr="0" anchor="ctr" bIns="91425" lIns="91425" spcFirstLastPara="1" rIns="91425" wrap="square" tIns="91425">
+            <a:bodyPr spcFirstLastPara="1" wrap="square" lIns="91425" tIns="91425" rIns="91425" bIns="91425" anchor="ctr" anchorCtr="0">
               <a:noAutofit/>
             </a:bodyPr>
             <a:lstStyle/>
             <a:p>
-              <a:pPr indent="0" lvl="0" marL="0" rtl="0" algn="l">
+              <a:pPr marL="0" lvl="0" indent="0" algn="l" rtl="0">
                 <a:spcBef>
                   <a:spcPts val="0"/>
                 </a:spcBef>
@@ -3405,9 +3524,6 @@
                 </a:spcAft>
                 <a:buNone/>
               </a:pPr>
-              <a:r>
-                <a:t/>
-              </a:r>
               <a:endParaRPr/>
             </a:p>
           </p:txBody>
@@ -3425,7 +3541,7 @@
             </a:xfrm>
             <a:prstGeom prst="diagStripe">
               <a:avLst>
-                <a:gd fmla="val 50000" name="adj"/>
+                <a:gd name="adj" fmla="val 50000"/>
               </a:avLst>
             </a:prstGeom>
             <a:solidFill>
@@ -3436,12 +3552,12 @@
             </a:ln>
           </p:spPr>
           <p:txBody>
-            <a:bodyPr anchorCtr="0" anchor="ctr" bIns="91425" lIns="91425" spcFirstLastPara="1" rIns="91425" wrap="square" tIns="91425">
+            <a:bodyPr spcFirstLastPara="1" wrap="square" lIns="91425" tIns="91425" rIns="91425" bIns="91425" anchor="ctr" anchorCtr="0">
               <a:noAutofit/>
             </a:bodyPr>
             <a:lstStyle/>
             <a:p>
-              <a:pPr indent="0" lvl="0" marL="0" rtl="0" algn="l">
+              <a:pPr marL="0" lvl="0" indent="0" algn="l" rtl="0">
                 <a:spcBef>
                   <a:spcPts val="0"/>
                 </a:spcBef>
@@ -3450,9 +3566,6 @@
                 </a:spcAft>
                 <a:buNone/>
               </a:pPr>
-              <a:r>
-                <a:t/>
-              </a:r>
               <a:endParaRPr/>
             </a:p>
           </p:txBody>
@@ -3543,14 +3656,14 @@
               <a:avLst/>
             </a:prstGeom>
             <a:noFill/>
-            <a:ln cap="flat" cmpd="sng" w="9525">
+            <a:ln w="9525" cap="flat" cmpd="sng">
               <a:solidFill>
                 <a:srgbClr val="D9D9D9"/>
               </a:solidFill>
               <a:prstDash val="solid"/>
               <a:round/>
-              <a:headEnd len="med" w="med" type="none"/>
-              <a:tailEnd len="med" w="med" type="none"/>
+              <a:headEnd type="none" w="med" len="med"/>
+              <a:tailEnd type="none" w="med" len="med"/>
             </a:ln>
           </p:spPr>
         </p:cxnSp>
@@ -3558,7 +3671,9 @@
       <p:sp>
         <p:nvSpPr>
           <p:cNvPr id="69" name="Google Shape;69;p13"/>
-          <p:cNvSpPr txBox="1"/>
+          <p:cNvSpPr txBox="1">
+            <a:spLocks noGrp="1"/>
+          </p:cNvSpPr>
           <p:nvPr>
             <p:ph type="title"/>
           </p:nvPr>
@@ -3573,7 +3688,7 @@
           </a:prstGeom>
         </p:spPr>
         <p:txBody>
-          <a:bodyPr anchorCtr="0" anchor="ctr" bIns="91425" lIns="91425" spcFirstLastPara="1" rIns="91425" wrap="square" tIns="91425">
+          <a:bodyPr spcFirstLastPara="1" wrap="square" lIns="91425" tIns="91425" rIns="91425" bIns="91425" anchor="ctr" anchorCtr="0">
             <a:noAutofit/>
           </a:bodyPr>
           <a:lstStyle>
@@ -3589,7 +3704,7 @@
               </a:buClr>
               <a:buSzPts val="2400"/>
               <a:buNone/>
-              <a:defRPr b="1" sz="2400">
+              <a:defRPr sz="2400" b="1">
                 <a:solidFill>
                   <a:srgbClr val="434343"/>
                 </a:solidFill>
@@ -3604,7 +3719,7 @@
               </a:spcAft>
               <a:buSzPts val="2400"/>
               <a:buNone/>
-              <a:defRPr b="1" sz="2400"/>
+              <a:defRPr sz="2400" b="1"/>
             </a:lvl2pPr>
             <a:lvl3pPr lvl="2" rtl="0">
               <a:spcBef>
@@ -3615,7 +3730,7 @@
               </a:spcAft>
               <a:buSzPts val="2400"/>
               <a:buNone/>
-              <a:defRPr b="1" sz="2400"/>
+              <a:defRPr sz="2400" b="1"/>
             </a:lvl3pPr>
             <a:lvl4pPr lvl="3" rtl="0">
               <a:spcBef>
@@ -3626,7 +3741,7 @@
               </a:spcAft>
               <a:buSzPts val="2400"/>
               <a:buNone/>
-              <a:defRPr b="1" sz="2400"/>
+              <a:defRPr sz="2400" b="1"/>
             </a:lvl4pPr>
             <a:lvl5pPr lvl="4" rtl="0">
               <a:spcBef>
@@ -3637,7 +3752,7 @@
               </a:spcAft>
               <a:buSzPts val="2400"/>
               <a:buNone/>
-              <a:defRPr b="1" sz="2400"/>
+              <a:defRPr sz="2400" b="1"/>
             </a:lvl5pPr>
             <a:lvl6pPr lvl="5" rtl="0">
               <a:spcBef>
@@ -3648,7 +3763,7 @@
               </a:spcAft>
               <a:buSzPts val="2400"/>
               <a:buNone/>
-              <a:defRPr b="1" sz="2400"/>
+              <a:defRPr sz="2400" b="1"/>
             </a:lvl6pPr>
             <a:lvl7pPr lvl="6" rtl="0">
               <a:spcBef>
@@ -3659,7 +3774,7 @@
               </a:spcAft>
               <a:buSzPts val="2400"/>
               <a:buNone/>
-              <a:defRPr b="1" sz="2400"/>
+              <a:defRPr sz="2400" b="1"/>
             </a:lvl7pPr>
             <a:lvl8pPr lvl="7" rtl="0">
               <a:spcBef>
@@ -3670,7 +3785,7 @@
               </a:spcAft>
               <a:buSzPts val="2400"/>
               <a:buNone/>
-              <a:defRPr b="1" sz="2400"/>
+              <a:defRPr sz="2400" b="1"/>
             </a:lvl8pPr>
             <a:lvl9pPr lvl="8" rtl="0">
               <a:spcBef>
@@ -3681,10 +3796,12 @@
               </a:spcAft>
               <a:buSzPts val="2400"/>
               <a:buNone/>
-              <a:defRPr b="1" sz="2400"/>
+              <a:defRPr sz="2400" b="1"/>
             </a:lvl9pPr>
           </a:lstStyle>
-          <a:p/>
+          <a:p>
+            <a:endParaRPr/>
+          </a:p>
         </p:txBody>
       </p:sp>
     </p:spTree>
@@ -3696,11 +3813,11 @@
 </file>
 
 <file path=ppt/slideLayouts/slideLayout2.xml><?xml version="1.0" encoding="utf-8"?>
-<p:sldLayout xmlns:a="http://schemas.openxmlformats.org/drawingml/2006/main" xmlns:r="http://schemas.openxmlformats.org/officeDocument/2006/relationships" xmlns:mc="http://schemas.openxmlformats.org/markup-compatibility/2006" xmlns:mv="urn:schemas-microsoft-com:mac:vml" xmlns:p="http://schemas.openxmlformats.org/presentationml/2006/main" xmlns:c="http://schemas.openxmlformats.org/drawingml/2006/chart" xmlns:dgm="http://schemas.openxmlformats.org/drawingml/2006/diagram" xmlns:o="urn:schemas-microsoft-com:office:office" xmlns:v="urn:schemas-microsoft-com:vml" xmlns:pvml="urn:schemas-microsoft-com:office:powerpoint" xmlns:com="http://schemas.openxmlformats.org/drawingml/2006/compatibility" xmlns:p14="http://schemas.microsoft.com/office/powerpoint/2010/main" xmlns:p15="http://schemas.microsoft.com/office/powerpoint/2012/main" xmlns:ahyp="http://schemas.microsoft.com/office/drawing/2018/hyperlinkcolor" matchingName="Section header" type="secHead">
+<p:sldLayout xmlns:a="http://schemas.openxmlformats.org/drawingml/2006/main" xmlns:r="http://schemas.openxmlformats.org/officeDocument/2006/relationships" xmlns:p="http://schemas.openxmlformats.org/presentationml/2006/main" matchingName="Section header" type="secHead">
   <p:cSld name="SECTION_HEADER">
     <p:spTree>
       <p:nvGrpSpPr>
-        <p:cNvPr id="15" name="Shape 15"/>
+        <p:cNvPr id="1" name="Shape 15"/>
         <p:cNvGrpSpPr/>
         <p:nvPr/>
       </p:nvGrpSpPr>
@@ -3715,7 +3832,9 @@
       <p:sp>
         <p:nvSpPr>
           <p:cNvPr id="16" name="Google Shape;16;p3"/>
-          <p:cNvSpPr txBox="1"/>
+          <p:cNvSpPr txBox="1">
+            <a:spLocks noGrp="1"/>
+          </p:cNvSpPr>
           <p:nvPr>
             <p:ph type="title"/>
           </p:nvPr>
@@ -3730,7 +3849,7 @@
           </a:prstGeom>
         </p:spPr>
         <p:txBody>
-          <a:bodyPr anchorCtr="0" anchor="t" bIns="91425" lIns="91425" spcFirstLastPara="1" rIns="91425" wrap="square" tIns="91425">
+          <a:bodyPr spcFirstLastPara="1" wrap="square" lIns="91425" tIns="91425" rIns="91425" bIns="91425" anchor="t" anchorCtr="0">
             <a:noAutofit/>
           </a:bodyPr>
           <a:lstStyle>
@@ -3747,7 +3866,7 @@
               <a:buSzPts val="3200"/>
               <a:buFont typeface="Open Sans"/>
               <a:buNone/>
-              <a:defRPr b="1" sz="3200">
+              <a:defRPr sz="3200" b="1">
                 <a:solidFill>
                   <a:srgbClr val="15263D"/>
                 </a:solidFill>
@@ -3894,15 +4013,19 @@
               </a:defRPr>
             </a:lvl9pPr>
           </a:lstStyle>
-          <a:p/>
+          <a:p>
+            <a:endParaRPr/>
+          </a:p>
         </p:txBody>
       </p:sp>
       <p:sp>
         <p:nvSpPr>
           <p:cNvPr id="17" name="Google Shape;17;p3"/>
-          <p:cNvSpPr txBox="1"/>
+          <p:cNvSpPr txBox="1">
+            <a:spLocks noGrp="1"/>
+          </p:cNvSpPr>
           <p:nvPr>
-            <p:ph idx="12" type="sldNum"/>
+            <p:ph type="sldNum" idx="12"/>
           </p:nvPr>
         </p:nvSpPr>
         <p:spPr>
@@ -3915,7 +4038,7 @@
           </a:prstGeom>
         </p:spPr>
         <p:txBody>
-          <a:bodyPr anchorCtr="0" anchor="ctr" bIns="91425" lIns="91425" spcFirstLastPara="1" rIns="91425" wrap="square" tIns="91425">
+          <a:bodyPr spcFirstLastPara="1" wrap="square" lIns="91425" tIns="91425" rIns="91425" bIns="91425" anchor="ctr" anchorCtr="0">
             <a:noAutofit/>
           </a:bodyPr>
           <a:lstStyle>
@@ -3957,7 +4080,7 @@
             </a:lvl9pPr>
           </a:lstStyle>
           <a:p>
-            <a:pPr indent="0" lvl="0" marL="0" rtl="0" algn="r">
+            <a:pPr marL="0" lvl="0" indent="0" algn="r" rtl="0">
               <a:spcBef>
                 <a:spcPts val="0"/>
               </a:spcBef>
@@ -3996,12 +4119,12 @@
           </a:ln>
         </p:spPr>
         <p:txBody>
-          <a:bodyPr anchorCtr="0" anchor="ctr" bIns="91425" lIns="91425" spcFirstLastPara="1" rIns="91425" wrap="square" tIns="91425">
+          <a:bodyPr spcFirstLastPara="1" wrap="square" lIns="91425" tIns="91425" rIns="91425" bIns="91425" anchor="ctr" anchorCtr="0">
             <a:noAutofit/>
           </a:bodyPr>
           <a:lstStyle/>
           <a:p>
-            <a:pPr indent="0" lvl="0" marL="0" rtl="0" algn="l">
+            <a:pPr marL="0" lvl="0" indent="0" algn="l" rtl="0">
               <a:spcBef>
                 <a:spcPts val="0"/>
               </a:spcBef>
@@ -4010,9 +4133,6 @@
               </a:spcAft>
               <a:buNone/>
             </a:pPr>
-            <a:r>
-              <a:t/>
-            </a:r>
             <a:endParaRPr/>
           </a:p>
         </p:txBody>
@@ -4030,7 +4150,7 @@
           </a:xfrm>
           <a:prstGeom prst="roundRect">
             <a:avLst>
-              <a:gd fmla="val 50000" name="adj"/>
+              <a:gd name="adj" fmla="val 50000"/>
             </a:avLst>
           </a:prstGeom>
           <a:solidFill>
@@ -4041,12 +4161,12 @@
           </a:ln>
         </p:spPr>
         <p:txBody>
-          <a:bodyPr anchorCtr="0" anchor="ctr" bIns="91425" lIns="91425" spcFirstLastPara="1" rIns="91425" wrap="square" tIns="91425">
+          <a:bodyPr spcFirstLastPara="1" wrap="square" lIns="91425" tIns="91425" rIns="91425" bIns="91425" anchor="ctr" anchorCtr="0">
             <a:noAutofit/>
           </a:bodyPr>
           <a:lstStyle/>
           <a:p>
-            <a:pPr indent="0" lvl="0" marL="0" rtl="0" algn="l">
+            <a:pPr marL="0" lvl="0" indent="0" algn="l" rtl="0">
               <a:spcBef>
                 <a:spcPts val="0"/>
               </a:spcBef>
@@ -4055,9 +4175,6 @@
               </a:spcAft>
               <a:buNone/>
             </a:pPr>
-            <a:r>
-              <a:t/>
-            </a:r>
             <a:endParaRPr/>
           </a:p>
         </p:txBody>
@@ -4072,7 +4189,7 @@
           <a:blip r:embed="rId2">
             <a:alphaModFix/>
           </a:blip>
-          <a:srcRect b="37553" l="0" r="27023" t="-1041"/>
+          <a:srcRect t="-1041" r="27023" b="37553"/>
           <a:stretch/>
         </p:blipFill>
         <p:spPr>
@@ -4092,9 +4209,11 @@
       <p:sp>
         <p:nvSpPr>
           <p:cNvPr id="21" name="Google Shape;21;p3"/>
-          <p:cNvSpPr txBox="1"/>
+          <p:cNvSpPr txBox="1">
+            <a:spLocks noGrp="1"/>
+          </p:cNvSpPr>
           <p:nvPr>
-            <p:ph idx="1" type="subTitle"/>
+            <p:ph type="subTitle" idx="1"/>
           </p:nvPr>
         </p:nvSpPr>
         <p:spPr>
@@ -4107,7 +4226,7 @@
           </a:prstGeom>
         </p:spPr>
         <p:txBody>
-          <a:bodyPr anchorCtr="0" anchor="t" bIns="91425" lIns="91425" spcFirstLastPara="1" rIns="91425" wrap="square" tIns="91425">
+          <a:bodyPr spcFirstLastPara="1" wrap="square" lIns="91425" tIns="91425" rIns="91425" bIns="91425" anchor="t" anchorCtr="0">
             <a:noAutofit/>
           </a:bodyPr>
           <a:lstStyle>
@@ -4244,7 +4363,9 @@
               <a:defRPr sz="2800"/>
             </a:lvl9pPr>
           </a:lstStyle>
-          <a:p/>
+          <a:p>
+            <a:endParaRPr/>
+          </a:p>
         </p:txBody>
       </p:sp>
     </p:spTree>
@@ -4256,11 +4377,11 @@
 </file>
 
 <file path=ppt/slideLayouts/slideLayout3.xml><?xml version="1.0" encoding="utf-8"?>
-<p:sldLayout xmlns:a="http://schemas.openxmlformats.org/drawingml/2006/main" xmlns:r="http://schemas.openxmlformats.org/officeDocument/2006/relationships" xmlns:mc="http://schemas.openxmlformats.org/markup-compatibility/2006" xmlns:mv="urn:schemas-microsoft-com:mac:vml" xmlns:p="http://schemas.openxmlformats.org/presentationml/2006/main" xmlns:c="http://schemas.openxmlformats.org/drawingml/2006/chart" xmlns:dgm="http://schemas.openxmlformats.org/drawingml/2006/diagram" xmlns:o="urn:schemas-microsoft-com:office:office" xmlns:v="urn:schemas-microsoft-com:vml" xmlns:pvml="urn:schemas-microsoft-com:office:powerpoint" xmlns:com="http://schemas.openxmlformats.org/drawingml/2006/compatibility" xmlns:p14="http://schemas.microsoft.com/office/powerpoint/2010/main" xmlns:p15="http://schemas.microsoft.com/office/powerpoint/2012/main" xmlns:ahyp="http://schemas.microsoft.com/office/drawing/2018/hyperlinkcolor" matchingName="Title and body" type="tx">
+<p:sldLayout xmlns:a="http://schemas.openxmlformats.org/drawingml/2006/main" xmlns:r="http://schemas.openxmlformats.org/officeDocument/2006/relationships" xmlns:p="http://schemas.openxmlformats.org/presentationml/2006/main" matchingName="Title and body" type="tx">
   <p:cSld name="TITLE_AND_BODY">
     <p:spTree>
       <p:nvGrpSpPr>
-        <p:cNvPr id="22" name="Shape 22"/>
+        <p:cNvPr id="1" name="Shape 22"/>
         <p:cNvGrpSpPr/>
         <p:nvPr/>
       </p:nvGrpSpPr>
@@ -4275,7 +4396,9 @@
       <p:sp>
         <p:nvSpPr>
           <p:cNvPr id="23" name="Google Shape;23;p4"/>
-          <p:cNvSpPr txBox="1"/>
+          <p:cNvSpPr txBox="1">
+            <a:spLocks noGrp="1"/>
+          </p:cNvSpPr>
           <p:nvPr>
             <p:ph type="title"/>
           </p:nvPr>
@@ -4290,7 +4413,7 @@
           </a:prstGeom>
         </p:spPr>
         <p:txBody>
-          <a:bodyPr anchorCtr="0" anchor="t" bIns="91425" lIns="91425" spcFirstLastPara="1" rIns="91425" wrap="square" tIns="91425">
+          <a:bodyPr spcFirstLastPara="1" wrap="square" lIns="91425" tIns="91425" rIns="91425" bIns="91425" anchor="t" anchorCtr="0">
             <a:noAutofit/>
           </a:bodyPr>
           <a:lstStyle>
@@ -4394,15 +4517,19 @@
               <a:defRPr sz="2200"/>
             </a:lvl9pPr>
           </a:lstStyle>
-          <a:p/>
+          <a:p>
+            <a:endParaRPr/>
+          </a:p>
         </p:txBody>
       </p:sp>
       <p:sp>
         <p:nvSpPr>
           <p:cNvPr id="24" name="Google Shape;24;p4"/>
-          <p:cNvSpPr txBox="1"/>
+          <p:cNvSpPr txBox="1">
+            <a:spLocks noGrp="1"/>
+          </p:cNvSpPr>
           <p:nvPr>
-            <p:ph idx="1" type="body"/>
+            <p:ph type="body" idx="1"/>
           </p:nvPr>
         </p:nvSpPr>
         <p:spPr>
@@ -4415,11 +4542,11 @@
           </a:prstGeom>
         </p:spPr>
         <p:txBody>
-          <a:bodyPr anchorCtr="0" anchor="t" bIns="91425" lIns="91425" spcFirstLastPara="1" rIns="91425" wrap="square" tIns="91425">
+          <a:bodyPr spcFirstLastPara="1" wrap="square" lIns="91425" tIns="91425" rIns="91425" bIns="91425" anchor="t" anchorCtr="0">
             <a:noAutofit/>
           </a:bodyPr>
           <a:lstStyle>
-            <a:lvl1pPr indent="-330200" lvl="0" marL="457200">
+            <a:lvl1pPr marL="457200" lvl="0" indent="-330200">
               <a:spcBef>
                 <a:spcPts val="0"/>
               </a:spcBef>
@@ -4430,7 +4557,7 @@
               <a:buChar char="●"/>
               <a:defRPr/>
             </a:lvl1pPr>
-            <a:lvl2pPr indent="-317500" lvl="1" marL="914400">
+            <a:lvl2pPr marL="914400" lvl="1" indent="-317500">
               <a:spcBef>
                 <a:spcPts val="1600"/>
               </a:spcBef>
@@ -4441,7 +4568,7 @@
               <a:buChar char="○"/>
               <a:defRPr/>
             </a:lvl2pPr>
-            <a:lvl3pPr indent="-317500" lvl="2" marL="1371600">
+            <a:lvl3pPr marL="1371600" lvl="2" indent="-317500">
               <a:spcBef>
                 <a:spcPts val="1600"/>
               </a:spcBef>
@@ -4452,7 +4579,7 @@
               <a:buChar char="■"/>
               <a:defRPr/>
             </a:lvl3pPr>
-            <a:lvl4pPr indent="-317500" lvl="3" marL="1828800">
+            <a:lvl4pPr marL="1828800" lvl="3" indent="-317500">
               <a:spcBef>
                 <a:spcPts val="1600"/>
               </a:spcBef>
@@ -4463,7 +4590,7 @@
               <a:buChar char="●"/>
               <a:defRPr/>
             </a:lvl4pPr>
-            <a:lvl5pPr indent="-317500" lvl="4" marL="2286000">
+            <a:lvl5pPr marL="2286000" lvl="4" indent="-317500">
               <a:spcBef>
                 <a:spcPts val="1600"/>
               </a:spcBef>
@@ -4474,7 +4601,7 @@
               <a:buChar char="○"/>
               <a:defRPr/>
             </a:lvl5pPr>
-            <a:lvl6pPr indent="-317500" lvl="5" marL="2743200">
+            <a:lvl6pPr marL="2743200" lvl="5" indent="-317500">
               <a:spcBef>
                 <a:spcPts val="1600"/>
               </a:spcBef>
@@ -4485,7 +4612,7 @@
               <a:buChar char="■"/>
               <a:defRPr/>
             </a:lvl6pPr>
-            <a:lvl7pPr indent="-317500" lvl="6" marL="3200400">
+            <a:lvl7pPr marL="3200400" lvl="6" indent="-317500">
               <a:spcBef>
                 <a:spcPts val="1600"/>
               </a:spcBef>
@@ -4496,7 +4623,7 @@
               <a:buChar char="●"/>
               <a:defRPr/>
             </a:lvl7pPr>
-            <a:lvl8pPr indent="-317500" lvl="7" marL="3657600">
+            <a:lvl8pPr marL="3657600" lvl="7" indent="-317500">
               <a:spcBef>
                 <a:spcPts val="1600"/>
               </a:spcBef>
@@ -4507,7 +4634,7 @@
               <a:buChar char="○"/>
               <a:defRPr/>
             </a:lvl8pPr>
-            <a:lvl9pPr indent="-317500" lvl="8" marL="4114800">
+            <a:lvl9pPr marL="4114800" lvl="8" indent="-317500">
               <a:spcBef>
                 <a:spcPts val="1600"/>
               </a:spcBef>
@@ -4519,15 +4646,19 @@
               <a:defRPr/>
             </a:lvl9pPr>
           </a:lstStyle>
-          <a:p/>
+          <a:p>
+            <a:endParaRPr/>
+          </a:p>
         </p:txBody>
       </p:sp>
       <p:sp>
         <p:nvSpPr>
           <p:cNvPr id="25" name="Google Shape;25;p4"/>
-          <p:cNvSpPr txBox="1"/>
+          <p:cNvSpPr txBox="1">
+            <a:spLocks noGrp="1"/>
+          </p:cNvSpPr>
           <p:nvPr>
-            <p:ph idx="12" type="sldNum"/>
+            <p:ph type="sldNum" idx="12"/>
           </p:nvPr>
         </p:nvSpPr>
         <p:spPr>
@@ -4540,7 +4671,7 @@
           </a:prstGeom>
         </p:spPr>
         <p:txBody>
-          <a:bodyPr anchorCtr="0" anchor="ctr" bIns="91425" lIns="91425" spcFirstLastPara="1" rIns="91425" wrap="square" tIns="91425">
+          <a:bodyPr spcFirstLastPara="1" wrap="square" lIns="91425" tIns="91425" rIns="91425" bIns="91425" anchor="ctr" anchorCtr="0">
             <a:noAutofit/>
           </a:bodyPr>
           <a:lstStyle>
@@ -4582,7 +4713,7 @@
             </a:lvl9pPr>
           </a:lstStyle>
           <a:p>
-            <a:pPr indent="0" lvl="0" marL="0" rtl="0" algn="r">
+            <a:pPr marL="0" lvl="0" indent="0" algn="r" rtl="0">
               <a:spcBef>
                 <a:spcPts val="0"/>
               </a:spcBef>
@@ -4609,7 +4740,7 @@
           <a:blip r:embed="rId2">
             <a:alphaModFix/>
           </a:blip>
-          <a:srcRect b="0" l="37099" r="0" t="0"/>
+          <a:srcRect l="37099"/>
           <a:stretch/>
         </p:blipFill>
         <p:spPr>
@@ -4635,11 +4766,11 @@
 </file>
 
 <file path=ppt/slideLayouts/slideLayout4.xml><?xml version="1.0" encoding="utf-8"?>
-<p:sldLayout xmlns:a="http://schemas.openxmlformats.org/drawingml/2006/main" xmlns:r="http://schemas.openxmlformats.org/officeDocument/2006/relationships" xmlns:mc="http://schemas.openxmlformats.org/markup-compatibility/2006" xmlns:mv="urn:schemas-microsoft-com:mac:vml" xmlns:p="http://schemas.openxmlformats.org/presentationml/2006/main" xmlns:c="http://schemas.openxmlformats.org/drawingml/2006/chart" xmlns:dgm="http://schemas.openxmlformats.org/drawingml/2006/diagram" xmlns:o="urn:schemas-microsoft-com:office:office" xmlns:v="urn:schemas-microsoft-com:vml" xmlns:pvml="urn:schemas-microsoft-com:office:powerpoint" xmlns:com="http://schemas.openxmlformats.org/drawingml/2006/compatibility" xmlns:p14="http://schemas.microsoft.com/office/powerpoint/2010/main" xmlns:p15="http://schemas.microsoft.com/office/powerpoint/2012/main" xmlns:ahyp="http://schemas.microsoft.com/office/drawing/2018/hyperlinkcolor" matchingName="Title and two columns" type="twoColTx">
+<p:sldLayout xmlns:a="http://schemas.openxmlformats.org/drawingml/2006/main" xmlns:r="http://schemas.openxmlformats.org/officeDocument/2006/relationships" xmlns:p="http://schemas.openxmlformats.org/presentationml/2006/main" matchingName="Title and two columns" type="twoColTx">
   <p:cSld name="TITLE_AND_TWO_COLUMNS">
     <p:spTree>
       <p:nvGrpSpPr>
-        <p:cNvPr id="27" name="Shape 27"/>
+        <p:cNvPr id="1" name="Shape 27"/>
         <p:cNvGrpSpPr/>
         <p:nvPr/>
       </p:nvGrpSpPr>
@@ -4654,9 +4785,11 @@
       <p:sp>
         <p:nvSpPr>
           <p:cNvPr id="28" name="Google Shape;28;p5"/>
-          <p:cNvSpPr txBox="1"/>
+          <p:cNvSpPr txBox="1">
+            <a:spLocks noGrp="1"/>
+          </p:cNvSpPr>
           <p:nvPr>
-            <p:ph idx="1" type="body"/>
+            <p:ph type="body" idx="1"/>
           </p:nvPr>
         </p:nvSpPr>
         <p:spPr>
@@ -4669,11 +4802,11 @@
           </a:prstGeom>
         </p:spPr>
         <p:txBody>
-          <a:bodyPr anchorCtr="0" anchor="t" bIns="91425" lIns="91425" spcFirstLastPara="1" rIns="91425" wrap="square" tIns="91425">
+          <a:bodyPr spcFirstLastPara="1" wrap="square" lIns="91425" tIns="91425" rIns="91425" bIns="91425" anchor="t" anchorCtr="0">
             <a:noAutofit/>
           </a:bodyPr>
           <a:lstStyle>
-            <a:lvl1pPr indent="-317500" lvl="0" marL="457200">
+            <a:lvl1pPr marL="457200" lvl="0" indent="-317500">
               <a:spcBef>
                 <a:spcPts val="0"/>
               </a:spcBef>
@@ -4684,7 +4817,7 @@
               <a:buChar char="●"/>
               <a:defRPr sz="1400"/>
             </a:lvl1pPr>
-            <a:lvl2pPr indent="-304800" lvl="1" marL="914400">
+            <a:lvl2pPr marL="914400" lvl="1" indent="-304800">
               <a:spcBef>
                 <a:spcPts val="1600"/>
               </a:spcBef>
@@ -4695,7 +4828,7 @@
               <a:buChar char="○"/>
               <a:defRPr sz="1200"/>
             </a:lvl2pPr>
-            <a:lvl3pPr indent="-304800" lvl="2" marL="1371600">
+            <a:lvl3pPr marL="1371600" lvl="2" indent="-304800">
               <a:spcBef>
                 <a:spcPts val="1600"/>
               </a:spcBef>
@@ -4706,7 +4839,7 @@
               <a:buChar char="■"/>
               <a:defRPr sz="1200"/>
             </a:lvl3pPr>
-            <a:lvl4pPr indent="-304800" lvl="3" marL="1828800">
+            <a:lvl4pPr marL="1828800" lvl="3" indent="-304800">
               <a:spcBef>
                 <a:spcPts val="1600"/>
               </a:spcBef>
@@ -4717,7 +4850,7 @@
               <a:buChar char="●"/>
               <a:defRPr sz="1200"/>
             </a:lvl4pPr>
-            <a:lvl5pPr indent="-304800" lvl="4" marL="2286000">
+            <a:lvl5pPr marL="2286000" lvl="4" indent="-304800">
               <a:spcBef>
                 <a:spcPts val="1600"/>
               </a:spcBef>
@@ -4728,7 +4861,7 @@
               <a:buChar char="○"/>
               <a:defRPr sz="1200"/>
             </a:lvl5pPr>
-            <a:lvl6pPr indent="-304800" lvl="5" marL="2743200">
+            <a:lvl6pPr marL="2743200" lvl="5" indent="-304800">
               <a:spcBef>
                 <a:spcPts val="1600"/>
               </a:spcBef>
@@ -4739,7 +4872,7 @@
               <a:buChar char="■"/>
               <a:defRPr sz="1200"/>
             </a:lvl6pPr>
-            <a:lvl7pPr indent="-304800" lvl="6" marL="3200400">
+            <a:lvl7pPr marL="3200400" lvl="6" indent="-304800">
               <a:spcBef>
                 <a:spcPts val="1600"/>
               </a:spcBef>
@@ -4750,7 +4883,7 @@
               <a:buChar char="●"/>
               <a:defRPr sz="1200"/>
             </a:lvl7pPr>
-            <a:lvl8pPr indent="-304800" lvl="7" marL="3657600">
+            <a:lvl8pPr marL="3657600" lvl="7" indent="-304800">
               <a:spcBef>
                 <a:spcPts val="1600"/>
               </a:spcBef>
@@ -4761,7 +4894,7 @@
               <a:buChar char="○"/>
               <a:defRPr sz="1200"/>
             </a:lvl8pPr>
-            <a:lvl9pPr indent="-304800" lvl="8" marL="4114800">
+            <a:lvl9pPr marL="4114800" lvl="8" indent="-304800">
               <a:spcBef>
                 <a:spcPts val="1600"/>
               </a:spcBef>
@@ -4773,15 +4906,19 @@
               <a:defRPr sz="1200"/>
             </a:lvl9pPr>
           </a:lstStyle>
-          <a:p/>
+          <a:p>
+            <a:endParaRPr/>
+          </a:p>
         </p:txBody>
       </p:sp>
       <p:sp>
         <p:nvSpPr>
           <p:cNvPr id="29" name="Google Shape;29;p5"/>
-          <p:cNvSpPr txBox="1"/>
+          <p:cNvSpPr txBox="1">
+            <a:spLocks noGrp="1"/>
+          </p:cNvSpPr>
           <p:nvPr>
-            <p:ph idx="2" type="body"/>
+            <p:ph type="body" idx="2"/>
           </p:nvPr>
         </p:nvSpPr>
         <p:spPr>
@@ -4794,11 +4931,11 @@
           </a:prstGeom>
         </p:spPr>
         <p:txBody>
-          <a:bodyPr anchorCtr="0" anchor="t" bIns="91425" lIns="91425" spcFirstLastPara="1" rIns="91425" wrap="square" tIns="91425">
+          <a:bodyPr spcFirstLastPara="1" wrap="square" lIns="91425" tIns="91425" rIns="91425" bIns="91425" anchor="t" anchorCtr="0">
             <a:noAutofit/>
           </a:bodyPr>
           <a:lstStyle>
-            <a:lvl1pPr indent="-317500" lvl="0" marL="457200">
+            <a:lvl1pPr marL="457200" lvl="0" indent="-317500">
               <a:spcBef>
                 <a:spcPts val="0"/>
               </a:spcBef>
@@ -4809,7 +4946,7 @@
               <a:buChar char="●"/>
               <a:defRPr sz="1400"/>
             </a:lvl1pPr>
-            <a:lvl2pPr indent="-304800" lvl="1" marL="914400">
+            <a:lvl2pPr marL="914400" lvl="1" indent="-304800">
               <a:spcBef>
                 <a:spcPts val="1600"/>
               </a:spcBef>
@@ -4820,7 +4957,7 @@
               <a:buChar char="○"/>
               <a:defRPr sz="1200"/>
             </a:lvl2pPr>
-            <a:lvl3pPr indent="-304800" lvl="2" marL="1371600">
+            <a:lvl3pPr marL="1371600" lvl="2" indent="-304800">
               <a:spcBef>
                 <a:spcPts val="1600"/>
               </a:spcBef>
@@ -4831,7 +4968,7 @@
               <a:buChar char="■"/>
               <a:defRPr sz="1200"/>
             </a:lvl3pPr>
-            <a:lvl4pPr indent="-304800" lvl="3" marL="1828800">
+            <a:lvl4pPr marL="1828800" lvl="3" indent="-304800">
               <a:spcBef>
                 <a:spcPts val="1600"/>
               </a:spcBef>
@@ -4842,7 +4979,7 @@
               <a:buChar char="●"/>
               <a:defRPr sz="1200"/>
             </a:lvl4pPr>
-            <a:lvl5pPr indent="-304800" lvl="4" marL="2286000">
+            <a:lvl5pPr marL="2286000" lvl="4" indent="-304800">
               <a:spcBef>
                 <a:spcPts val="1600"/>
               </a:spcBef>
@@ -4853,7 +4990,7 @@
               <a:buChar char="○"/>
               <a:defRPr sz="1200"/>
             </a:lvl5pPr>
-            <a:lvl6pPr indent="-304800" lvl="5" marL="2743200">
+            <a:lvl6pPr marL="2743200" lvl="5" indent="-304800">
               <a:spcBef>
                 <a:spcPts val="1600"/>
               </a:spcBef>
@@ -4864,7 +5001,7 @@
               <a:buChar char="■"/>
               <a:defRPr sz="1200"/>
             </a:lvl6pPr>
-            <a:lvl7pPr indent="-304800" lvl="6" marL="3200400">
+            <a:lvl7pPr marL="3200400" lvl="6" indent="-304800">
               <a:spcBef>
                 <a:spcPts val="1600"/>
               </a:spcBef>
@@ -4875,7 +5012,7 @@
               <a:buChar char="●"/>
               <a:defRPr sz="1200"/>
             </a:lvl7pPr>
-            <a:lvl8pPr indent="-304800" lvl="7" marL="3657600">
+            <a:lvl8pPr marL="3657600" lvl="7" indent="-304800">
               <a:spcBef>
                 <a:spcPts val="1600"/>
               </a:spcBef>
@@ -4886,7 +5023,7 @@
               <a:buChar char="○"/>
               <a:defRPr sz="1200"/>
             </a:lvl8pPr>
-            <a:lvl9pPr indent="-304800" lvl="8" marL="4114800">
+            <a:lvl9pPr marL="4114800" lvl="8" indent="-304800">
               <a:spcBef>
                 <a:spcPts val="1600"/>
               </a:spcBef>
@@ -4898,15 +5035,19 @@
               <a:defRPr sz="1200"/>
             </a:lvl9pPr>
           </a:lstStyle>
-          <a:p/>
+          <a:p>
+            <a:endParaRPr/>
+          </a:p>
         </p:txBody>
       </p:sp>
       <p:sp>
         <p:nvSpPr>
           <p:cNvPr id="30" name="Google Shape;30;p5"/>
-          <p:cNvSpPr txBox="1"/>
+          <p:cNvSpPr txBox="1">
+            <a:spLocks noGrp="1"/>
+          </p:cNvSpPr>
           <p:nvPr>
-            <p:ph idx="12" type="sldNum"/>
+            <p:ph type="sldNum" idx="12"/>
           </p:nvPr>
         </p:nvSpPr>
         <p:spPr>
@@ -4919,7 +5060,7 @@
           </a:prstGeom>
         </p:spPr>
         <p:txBody>
-          <a:bodyPr anchorCtr="0" anchor="ctr" bIns="91425" lIns="91425" spcFirstLastPara="1" rIns="91425" wrap="square" tIns="91425">
+          <a:bodyPr spcFirstLastPara="1" wrap="square" lIns="91425" tIns="91425" rIns="91425" bIns="91425" anchor="ctr" anchorCtr="0">
             <a:noAutofit/>
           </a:bodyPr>
           <a:lstStyle>
@@ -4961,7 +5102,7 @@
             </a:lvl9pPr>
           </a:lstStyle>
           <a:p>
-            <a:pPr indent="0" lvl="0" marL="0" rtl="0" algn="r">
+            <a:pPr marL="0" lvl="0" indent="0" algn="r" rtl="0">
               <a:spcBef>
                 <a:spcPts val="0"/>
               </a:spcBef>
@@ -4981,7 +5122,9 @@
       <p:sp>
         <p:nvSpPr>
           <p:cNvPr id="31" name="Google Shape;31;p5"/>
-          <p:cNvSpPr txBox="1"/>
+          <p:cNvSpPr txBox="1">
+            <a:spLocks noGrp="1"/>
+          </p:cNvSpPr>
           <p:nvPr>
             <p:ph type="title"/>
           </p:nvPr>
@@ -4996,7 +5139,7 @@
           </a:prstGeom>
         </p:spPr>
         <p:txBody>
-          <a:bodyPr anchorCtr="0" anchor="t" bIns="91425" lIns="91425" spcFirstLastPara="1" rIns="91425" wrap="square" tIns="91425">
+          <a:bodyPr spcFirstLastPara="1" wrap="square" lIns="91425" tIns="91425" rIns="91425" bIns="91425" anchor="t" anchorCtr="0">
             <a:noAutofit/>
           </a:bodyPr>
           <a:lstStyle>
@@ -5100,7 +5243,9 @@
               <a:defRPr sz="2200"/>
             </a:lvl9pPr>
           </a:lstStyle>
-          <a:p/>
+          <a:p>
+            <a:endParaRPr/>
+          </a:p>
         </p:txBody>
       </p:sp>
       <p:pic>
@@ -5113,7 +5258,7 @@
           <a:blip r:embed="rId2">
             <a:alphaModFix/>
           </a:blip>
-          <a:srcRect b="0" l="37099" r="0" t="0"/>
+          <a:srcRect l="37099"/>
           <a:stretch/>
         </p:blipFill>
         <p:spPr>
@@ -5139,11 +5284,11 @@
 </file>
 
 <file path=ppt/slideLayouts/slideLayout5.xml><?xml version="1.0" encoding="utf-8"?>
-<p:sldLayout xmlns:a="http://schemas.openxmlformats.org/drawingml/2006/main" xmlns:r="http://schemas.openxmlformats.org/officeDocument/2006/relationships" xmlns:mc="http://schemas.openxmlformats.org/markup-compatibility/2006" xmlns:mv="urn:schemas-microsoft-com:mac:vml" xmlns:p="http://schemas.openxmlformats.org/presentationml/2006/main" xmlns:c="http://schemas.openxmlformats.org/drawingml/2006/chart" xmlns:dgm="http://schemas.openxmlformats.org/drawingml/2006/diagram" xmlns:o="urn:schemas-microsoft-com:office:office" xmlns:v="urn:schemas-microsoft-com:vml" xmlns:pvml="urn:schemas-microsoft-com:office:powerpoint" xmlns:com="http://schemas.openxmlformats.org/drawingml/2006/compatibility" xmlns:p14="http://schemas.microsoft.com/office/powerpoint/2010/main" xmlns:p15="http://schemas.microsoft.com/office/powerpoint/2012/main" xmlns:ahyp="http://schemas.microsoft.com/office/drawing/2018/hyperlinkcolor" matchingName="Title only" type="titleOnly">
+<p:sldLayout xmlns:a="http://schemas.openxmlformats.org/drawingml/2006/main" xmlns:r="http://schemas.openxmlformats.org/officeDocument/2006/relationships" xmlns:p="http://schemas.openxmlformats.org/presentationml/2006/main" matchingName="Title only" type="titleOnly">
   <p:cSld name="TITLE_ONLY">
     <p:spTree>
       <p:nvGrpSpPr>
-        <p:cNvPr id="33" name="Shape 33"/>
+        <p:cNvPr id="1" name="Shape 33"/>
         <p:cNvGrpSpPr/>
         <p:nvPr/>
       </p:nvGrpSpPr>
@@ -5158,9 +5303,11 @@
       <p:sp>
         <p:nvSpPr>
           <p:cNvPr id="34" name="Google Shape;34;p6"/>
-          <p:cNvSpPr txBox="1"/>
+          <p:cNvSpPr txBox="1">
+            <a:spLocks noGrp="1"/>
+          </p:cNvSpPr>
           <p:nvPr>
-            <p:ph idx="12" type="sldNum"/>
+            <p:ph type="sldNum" idx="12"/>
           </p:nvPr>
         </p:nvSpPr>
         <p:spPr>
@@ -5173,7 +5320,7 @@
           </a:prstGeom>
         </p:spPr>
         <p:txBody>
-          <a:bodyPr anchorCtr="0" anchor="ctr" bIns="91425" lIns="91425" spcFirstLastPara="1" rIns="91425" wrap="square" tIns="91425">
+          <a:bodyPr spcFirstLastPara="1" wrap="square" lIns="91425" tIns="91425" rIns="91425" bIns="91425" anchor="ctr" anchorCtr="0">
             <a:noAutofit/>
           </a:bodyPr>
           <a:lstStyle>
@@ -5215,7 +5362,7 @@
             </a:lvl9pPr>
           </a:lstStyle>
           <a:p>
-            <a:pPr indent="0" lvl="0" marL="0" rtl="0" algn="r">
+            <a:pPr marL="0" lvl="0" indent="0" algn="r" rtl="0">
               <a:spcBef>
                 <a:spcPts val="0"/>
               </a:spcBef>
@@ -5235,7 +5382,9 @@
       <p:sp>
         <p:nvSpPr>
           <p:cNvPr id="35" name="Google Shape;35;p6"/>
-          <p:cNvSpPr txBox="1"/>
+          <p:cNvSpPr txBox="1">
+            <a:spLocks noGrp="1"/>
+          </p:cNvSpPr>
           <p:nvPr>
             <p:ph type="title"/>
           </p:nvPr>
@@ -5250,7 +5399,7 @@
           </a:prstGeom>
         </p:spPr>
         <p:txBody>
-          <a:bodyPr anchorCtr="0" anchor="t" bIns="91425" lIns="91425" spcFirstLastPara="1" rIns="91425" wrap="square" tIns="91425">
+          <a:bodyPr spcFirstLastPara="1" wrap="square" lIns="91425" tIns="91425" rIns="91425" bIns="91425" anchor="t" anchorCtr="0">
             <a:noAutofit/>
           </a:bodyPr>
           <a:lstStyle>
@@ -5354,7 +5503,9 @@
               <a:defRPr sz="2200"/>
             </a:lvl9pPr>
           </a:lstStyle>
-          <a:p/>
+          <a:p>
+            <a:endParaRPr/>
+          </a:p>
         </p:txBody>
       </p:sp>
       <p:pic>
@@ -5367,7 +5518,7 @@
           <a:blip r:embed="rId2">
             <a:alphaModFix/>
           </a:blip>
-          <a:srcRect b="0" l="37099" r="0" t="0"/>
+          <a:srcRect l="37099"/>
           <a:stretch/>
         </p:blipFill>
         <p:spPr>
@@ -5393,11 +5544,11 @@
 </file>
 
 <file path=ppt/slideLayouts/slideLayout6.xml><?xml version="1.0" encoding="utf-8"?>
-<p:sldLayout xmlns:a="http://schemas.openxmlformats.org/drawingml/2006/main" xmlns:r="http://schemas.openxmlformats.org/officeDocument/2006/relationships" xmlns:mc="http://schemas.openxmlformats.org/markup-compatibility/2006" xmlns:mv="urn:schemas-microsoft-com:mac:vml" xmlns:p="http://schemas.openxmlformats.org/presentationml/2006/main" xmlns:c="http://schemas.openxmlformats.org/drawingml/2006/chart" xmlns:dgm="http://schemas.openxmlformats.org/drawingml/2006/diagram" xmlns:o="urn:schemas-microsoft-com:office:office" xmlns:v="urn:schemas-microsoft-com:vml" xmlns:pvml="urn:schemas-microsoft-com:office:powerpoint" xmlns:com="http://schemas.openxmlformats.org/drawingml/2006/compatibility" xmlns:p14="http://schemas.microsoft.com/office/powerpoint/2010/main" xmlns:p15="http://schemas.microsoft.com/office/powerpoint/2012/main" xmlns:ahyp="http://schemas.microsoft.com/office/drawing/2018/hyperlinkcolor" matchingName="One column text">
+<p:sldLayout xmlns:a="http://schemas.openxmlformats.org/drawingml/2006/main" xmlns:r="http://schemas.openxmlformats.org/officeDocument/2006/relationships" xmlns:p="http://schemas.openxmlformats.org/presentationml/2006/main" matchingName="One column text">
   <p:cSld name="ONE_COLUMN_TEXT">
     <p:spTree>
       <p:nvGrpSpPr>
-        <p:cNvPr id="37" name="Shape 37"/>
+        <p:cNvPr id="1" name="Shape 37"/>
         <p:cNvGrpSpPr/>
         <p:nvPr/>
       </p:nvGrpSpPr>
@@ -5412,9 +5563,11 @@
       <p:sp>
         <p:nvSpPr>
           <p:cNvPr id="38" name="Google Shape;38;p7"/>
-          <p:cNvSpPr txBox="1"/>
+          <p:cNvSpPr txBox="1">
+            <a:spLocks noGrp="1"/>
+          </p:cNvSpPr>
           <p:nvPr>
-            <p:ph idx="1" type="body"/>
+            <p:ph type="body" idx="1"/>
           </p:nvPr>
         </p:nvSpPr>
         <p:spPr>
@@ -5427,11 +5580,11 @@
           </a:prstGeom>
         </p:spPr>
         <p:txBody>
-          <a:bodyPr anchorCtr="0" anchor="t" bIns="91425" lIns="91425" spcFirstLastPara="1" rIns="91425" wrap="square" tIns="91425">
+          <a:bodyPr spcFirstLastPara="1" wrap="square" lIns="91425" tIns="91425" rIns="91425" bIns="91425" anchor="t" anchorCtr="0">
             <a:noAutofit/>
           </a:bodyPr>
           <a:lstStyle>
-            <a:lvl1pPr indent="-304800" lvl="0" marL="457200">
+            <a:lvl1pPr marL="457200" lvl="0" indent="-304800">
               <a:spcBef>
                 <a:spcPts val="0"/>
               </a:spcBef>
@@ -5442,7 +5595,7 @@
               <a:buChar char="●"/>
               <a:defRPr sz="1200"/>
             </a:lvl1pPr>
-            <a:lvl2pPr indent="-304800" lvl="1" marL="914400">
+            <a:lvl2pPr marL="914400" lvl="1" indent="-304800">
               <a:spcBef>
                 <a:spcPts val="1600"/>
               </a:spcBef>
@@ -5453,7 +5606,7 @@
               <a:buChar char="○"/>
               <a:defRPr sz="1200"/>
             </a:lvl2pPr>
-            <a:lvl3pPr indent="-304800" lvl="2" marL="1371600">
+            <a:lvl3pPr marL="1371600" lvl="2" indent="-304800">
               <a:spcBef>
                 <a:spcPts val="1600"/>
               </a:spcBef>
@@ -5464,7 +5617,7 @@
               <a:buChar char="■"/>
               <a:defRPr sz="1200"/>
             </a:lvl3pPr>
-            <a:lvl4pPr indent="-304800" lvl="3" marL="1828800">
+            <a:lvl4pPr marL="1828800" lvl="3" indent="-304800">
               <a:spcBef>
                 <a:spcPts val="1600"/>
               </a:spcBef>
@@ -5475,7 +5628,7 @@
               <a:buChar char="●"/>
               <a:defRPr sz="1200"/>
             </a:lvl4pPr>
-            <a:lvl5pPr indent="-304800" lvl="4" marL="2286000">
+            <a:lvl5pPr marL="2286000" lvl="4" indent="-304800">
               <a:spcBef>
                 <a:spcPts val="1600"/>
               </a:spcBef>
@@ -5486,7 +5639,7 @@
               <a:buChar char="○"/>
               <a:defRPr sz="1200"/>
             </a:lvl5pPr>
-            <a:lvl6pPr indent="-304800" lvl="5" marL="2743200">
+            <a:lvl6pPr marL="2743200" lvl="5" indent="-304800">
               <a:spcBef>
                 <a:spcPts val="1600"/>
               </a:spcBef>
@@ -5497,7 +5650,7 @@
               <a:buChar char="■"/>
               <a:defRPr sz="1200"/>
             </a:lvl6pPr>
-            <a:lvl7pPr indent="-304800" lvl="6" marL="3200400">
+            <a:lvl7pPr marL="3200400" lvl="6" indent="-304800">
               <a:spcBef>
                 <a:spcPts val="1600"/>
               </a:spcBef>
@@ -5508,7 +5661,7 @@
               <a:buChar char="●"/>
               <a:defRPr sz="1200"/>
             </a:lvl7pPr>
-            <a:lvl8pPr indent="-304800" lvl="7" marL="3657600">
+            <a:lvl8pPr marL="3657600" lvl="7" indent="-304800">
               <a:spcBef>
                 <a:spcPts val="1600"/>
               </a:spcBef>
@@ -5519,7 +5672,7 @@
               <a:buChar char="○"/>
               <a:defRPr sz="1200"/>
             </a:lvl8pPr>
-            <a:lvl9pPr indent="-304800" lvl="8" marL="4114800">
+            <a:lvl9pPr marL="4114800" lvl="8" indent="-304800">
               <a:spcBef>
                 <a:spcPts val="1600"/>
               </a:spcBef>
@@ -5531,15 +5684,19 @@
               <a:defRPr sz="1200"/>
             </a:lvl9pPr>
           </a:lstStyle>
-          <a:p/>
+          <a:p>
+            <a:endParaRPr/>
+          </a:p>
         </p:txBody>
       </p:sp>
       <p:sp>
         <p:nvSpPr>
           <p:cNvPr id="39" name="Google Shape;39;p7"/>
-          <p:cNvSpPr txBox="1"/>
+          <p:cNvSpPr txBox="1">
+            <a:spLocks noGrp="1"/>
+          </p:cNvSpPr>
           <p:nvPr>
-            <p:ph idx="12" type="sldNum"/>
+            <p:ph type="sldNum" idx="12"/>
           </p:nvPr>
         </p:nvSpPr>
         <p:spPr>
@@ -5552,7 +5709,7 @@
           </a:prstGeom>
         </p:spPr>
         <p:txBody>
-          <a:bodyPr anchorCtr="0" anchor="ctr" bIns="91425" lIns="91425" spcFirstLastPara="1" rIns="91425" wrap="square" tIns="91425">
+          <a:bodyPr spcFirstLastPara="1" wrap="square" lIns="91425" tIns="91425" rIns="91425" bIns="91425" anchor="ctr" anchorCtr="0">
             <a:noAutofit/>
           </a:bodyPr>
           <a:lstStyle>
@@ -5594,7 +5751,7 @@
             </a:lvl9pPr>
           </a:lstStyle>
           <a:p>
-            <a:pPr indent="0" lvl="0" marL="0" rtl="0" algn="r">
+            <a:pPr marL="0" lvl="0" indent="0" algn="r" rtl="0">
               <a:spcBef>
                 <a:spcPts val="0"/>
               </a:spcBef>
@@ -5614,7 +5771,9 @@
       <p:sp>
         <p:nvSpPr>
           <p:cNvPr id="40" name="Google Shape;40;p7"/>
-          <p:cNvSpPr txBox="1"/>
+          <p:cNvSpPr txBox="1">
+            <a:spLocks noGrp="1"/>
+          </p:cNvSpPr>
           <p:nvPr>
             <p:ph type="title"/>
           </p:nvPr>
@@ -5629,7 +5788,7 @@
           </a:prstGeom>
         </p:spPr>
         <p:txBody>
-          <a:bodyPr anchorCtr="0" anchor="t" bIns="91425" lIns="91425" spcFirstLastPara="1" rIns="91425" wrap="square" tIns="91425">
+          <a:bodyPr spcFirstLastPara="1" wrap="square" lIns="91425" tIns="91425" rIns="91425" bIns="91425" anchor="t" anchorCtr="0">
             <a:noAutofit/>
           </a:bodyPr>
           <a:lstStyle>
@@ -5733,7 +5892,9 @@
               <a:defRPr sz="2200"/>
             </a:lvl9pPr>
           </a:lstStyle>
-          <a:p/>
+          <a:p>
+            <a:endParaRPr/>
+          </a:p>
         </p:txBody>
       </p:sp>
       <p:pic>
@@ -5746,7 +5907,7 @@
           <a:blip r:embed="rId2">
             <a:alphaModFix/>
           </a:blip>
-          <a:srcRect b="0" l="37099" r="0" t="0"/>
+          <a:srcRect l="37099"/>
           <a:stretch/>
         </p:blipFill>
         <p:spPr>
@@ -5772,18 +5933,19 @@
 </file>
 
 <file path=ppt/slideLayouts/slideLayout7.xml><?xml version="1.0" encoding="utf-8"?>
-<p:sldLayout xmlns:a="http://schemas.openxmlformats.org/drawingml/2006/main" xmlns:r="http://schemas.openxmlformats.org/officeDocument/2006/relationships" xmlns:mc="http://schemas.openxmlformats.org/markup-compatibility/2006" xmlns:mv="urn:schemas-microsoft-com:mac:vml" xmlns:p="http://schemas.openxmlformats.org/presentationml/2006/main" xmlns:c="http://schemas.openxmlformats.org/drawingml/2006/chart" xmlns:dgm="http://schemas.openxmlformats.org/drawingml/2006/diagram" xmlns:o="urn:schemas-microsoft-com:office:office" xmlns:v="urn:schemas-microsoft-com:vml" xmlns:pvml="urn:schemas-microsoft-com:office:powerpoint" xmlns:com="http://schemas.openxmlformats.org/drawingml/2006/compatibility" xmlns:p14="http://schemas.microsoft.com/office/powerpoint/2010/main" xmlns:p15="http://schemas.microsoft.com/office/powerpoint/2012/main" xmlns:ahyp="http://schemas.microsoft.com/office/drawing/2018/hyperlinkcolor" matchingName="Main point">
+<p:sldLayout xmlns:a="http://schemas.openxmlformats.org/drawingml/2006/main" xmlns:r="http://schemas.openxmlformats.org/officeDocument/2006/relationships" xmlns:p="http://schemas.openxmlformats.org/presentationml/2006/main" matchingName="Main point">
   <p:cSld name="MAIN_POINT">
     <p:bg>
       <p:bgPr>
         <a:solidFill>
           <a:srgbClr val="191919"/>
         </a:solidFill>
+        <a:effectLst/>
       </p:bgPr>
     </p:bg>
     <p:spTree>
       <p:nvGrpSpPr>
-        <p:cNvPr id="42" name="Shape 42"/>
+        <p:cNvPr id="1" name="Shape 42"/>
         <p:cNvGrpSpPr/>
         <p:nvPr/>
       </p:nvGrpSpPr>
@@ -5798,7 +5960,9 @@
       <p:sp>
         <p:nvSpPr>
           <p:cNvPr id="43" name="Google Shape;43;p8"/>
-          <p:cNvSpPr txBox="1"/>
+          <p:cNvSpPr txBox="1">
+            <a:spLocks noGrp="1"/>
+          </p:cNvSpPr>
           <p:nvPr>
             <p:ph type="title"/>
           </p:nvPr>
@@ -5813,7 +5977,7 @@
           </a:prstGeom>
         </p:spPr>
         <p:txBody>
-          <a:bodyPr anchorCtr="0" anchor="t" bIns="91425" lIns="91425" spcFirstLastPara="1" rIns="91425" wrap="square" tIns="91425">
+          <a:bodyPr spcFirstLastPara="1" wrap="square" lIns="91425" tIns="91425" rIns="91425" bIns="91425" anchor="t" anchorCtr="0">
             <a:noAutofit/>
           </a:bodyPr>
           <a:lstStyle>
@@ -5924,15 +6088,19 @@
               <a:defRPr sz="4800"/>
             </a:lvl9pPr>
           </a:lstStyle>
-          <a:p/>
+          <a:p>
+            <a:endParaRPr/>
+          </a:p>
         </p:txBody>
       </p:sp>
       <p:sp>
         <p:nvSpPr>
           <p:cNvPr id="44" name="Google Shape;44;p8"/>
-          <p:cNvSpPr txBox="1"/>
+          <p:cNvSpPr txBox="1">
+            <a:spLocks noGrp="1"/>
+          </p:cNvSpPr>
           <p:nvPr>
-            <p:ph idx="12" type="sldNum"/>
+            <p:ph type="sldNum" idx="12"/>
           </p:nvPr>
         </p:nvSpPr>
         <p:spPr>
@@ -5945,7 +6113,7 @@
           </a:prstGeom>
         </p:spPr>
         <p:txBody>
-          <a:bodyPr anchorCtr="0" anchor="ctr" bIns="91425" lIns="91425" spcFirstLastPara="1" rIns="91425" wrap="square" tIns="91425">
+          <a:bodyPr spcFirstLastPara="1" wrap="square" lIns="91425" tIns="91425" rIns="91425" bIns="91425" anchor="ctr" anchorCtr="0">
             <a:noAutofit/>
           </a:bodyPr>
           <a:lstStyle>
@@ -5987,7 +6155,7 @@
             </a:lvl9pPr>
           </a:lstStyle>
           <a:p>
-            <a:pPr indent="0" lvl="0" marL="0" rtl="0" algn="r">
+            <a:pPr marL="0" lvl="0" indent="0" algn="r" rtl="0">
               <a:spcBef>
                 <a:spcPts val="0"/>
               </a:spcBef>
@@ -6026,12 +6194,12 @@
           </a:ln>
         </p:spPr>
         <p:txBody>
-          <a:bodyPr anchorCtr="0" anchor="ctr" bIns="91425" lIns="91425" spcFirstLastPara="1" rIns="91425" wrap="square" tIns="91425">
+          <a:bodyPr spcFirstLastPara="1" wrap="square" lIns="91425" tIns="91425" rIns="91425" bIns="91425" anchor="ctr" anchorCtr="0">
             <a:noAutofit/>
           </a:bodyPr>
           <a:lstStyle/>
           <a:p>
-            <a:pPr indent="0" lvl="0" marL="0" rtl="0" algn="l">
+            <a:pPr marL="0" lvl="0" indent="0" algn="l" rtl="0">
               <a:spcBef>
                 <a:spcPts val="0"/>
               </a:spcBef>
@@ -6040,9 +6208,6 @@
               </a:spcAft>
               <a:buNone/>
             </a:pPr>
-            <a:r>
-              <a:t/>
-            </a:r>
             <a:endParaRPr/>
           </a:p>
         </p:txBody>
@@ -6056,11 +6221,11 @@
 </file>
 
 <file path=ppt/slideLayouts/slideLayout8.xml><?xml version="1.0" encoding="utf-8"?>
-<p:sldLayout xmlns:a="http://schemas.openxmlformats.org/drawingml/2006/main" xmlns:r="http://schemas.openxmlformats.org/officeDocument/2006/relationships" xmlns:mc="http://schemas.openxmlformats.org/markup-compatibility/2006" xmlns:mv="urn:schemas-microsoft-com:mac:vml" xmlns:p="http://schemas.openxmlformats.org/presentationml/2006/main" xmlns:c="http://schemas.openxmlformats.org/drawingml/2006/chart" xmlns:dgm="http://schemas.openxmlformats.org/drawingml/2006/diagram" xmlns:o="urn:schemas-microsoft-com:office:office" xmlns:v="urn:schemas-microsoft-com:vml" xmlns:pvml="urn:schemas-microsoft-com:office:powerpoint" xmlns:com="http://schemas.openxmlformats.org/drawingml/2006/compatibility" xmlns:p14="http://schemas.microsoft.com/office/powerpoint/2010/main" xmlns:p15="http://schemas.microsoft.com/office/powerpoint/2012/main" xmlns:ahyp="http://schemas.microsoft.com/office/drawing/2018/hyperlinkcolor" matchingName="Section title and description">
+<p:sldLayout xmlns:a="http://schemas.openxmlformats.org/drawingml/2006/main" xmlns:r="http://schemas.openxmlformats.org/officeDocument/2006/relationships" xmlns:p="http://schemas.openxmlformats.org/presentationml/2006/main" matchingName="Section title and description">
   <p:cSld name="SECTION_TITLE_AND_DESCRIPTION">
     <p:spTree>
       <p:nvGrpSpPr>
-        <p:cNvPr id="46" name="Shape 46"/>
+        <p:cNvPr id="1" name="Shape 46"/>
         <p:cNvGrpSpPr/>
         <p:nvPr/>
       </p:nvGrpSpPr>
@@ -6075,9 +6240,11 @@
       <p:sp>
         <p:nvSpPr>
           <p:cNvPr id="47" name="Google Shape;47;p9"/>
-          <p:cNvSpPr txBox="1"/>
+          <p:cNvSpPr txBox="1">
+            <a:spLocks noGrp="1"/>
+          </p:cNvSpPr>
           <p:nvPr>
-            <p:ph idx="1" type="body"/>
+            <p:ph type="body" idx="1"/>
           </p:nvPr>
         </p:nvSpPr>
         <p:spPr>
@@ -6090,11 +6257,11 @@
           </a:prstGeom>
         </p:spPr>
         <p:txBody>
-          <a:bodyPr anchorCtr="0" anchor="ctr" bIns="91425" lIns="91425" spcFirstLastPara="1" rIns="91425" wrap="square" tIns="91425">
+          <a:bodyPr spcFirstLastPara="1" wrap="square" lIns="91425" tIns="91425" rIns="91425" bIns="91425" anchor="ctr" anchorCtr="0">
             <a:noAutofit/>
           </a:bodyPr>
           <a:lstStyle>
-            <a:lvl1pPr indent="-330200" lvl="0" marL="457200">
+            <a:lvl1pPr marL="457200" lvl="0" indent="-330200">
               <a:spcBef>
                 <a:spcPts val="0"/>
               </a:spcBef>
@@ -6111,7 +6278,7 @@
                 <a:sym typeface="Lato"/>
               </a:defRPr>
             </a:lvl1pPr>
-            <a:lvl2pPr indent="-317500" lvl="1" marL="914400">
+            <a:lvl2pPr marL="914400" lvl="1" indent="-317500">
               <a:spcBef>
                 <a:spcPts val="1600"/>
               </a:spcBef>
@@ -6128,7 +6295,7 @@
                 <a:sym typeface="Lato"/>
               </a:defRPr>
             </a:lvl2pPr>
-            <a:lvl3pPr indent="-317500" lvl="2" marL="1371600">
+            <a:lvl3pPr marL="1371600" lvl="2" indent="-317500">
               <a:spcBef>
                 <a:spcPts val="1600"/>
               </a:spcBef>
@@ -6145,7 +6312,7 @@
                 <a:sym typeface="Lato"/>
               </a:defRPr>
             </a:lvl3pPr>
-            <a:lvl4pPr indent="-317500" lvl="3" marL="1828800">
+            <a:lvl4pPr marL="1828800" lvl="3" indent="-317500">
               <a:spcBef>
                 <a:spcPts val="1600"/>
               </a:spcBef>
@@ -6162,7 +6329,7 @@
                 <a:sym typeface="Lato"/>
               </a:defRPr>
             </a:lvl4pPr>
-            <a:lvl5pPr indent="-317500" lvl="4" marL="2286000">
+            <a:lvl5pPr marL="2286000" lvl="4" indent="-317500">
               <a:spcBef>
                 <a:spcPts val="1600"/>
               </a:spcBef>
@@ -6179,7 +6346,7 @@
                 <a:sym typeface="Lato"/>
               </a:defRPr>
             </a:lvl5pPr>
-            <a:lvl6pPr indent="-317500" lvl="5" marL="2743200">
+            <a:lvl6pPr marL="2743200" lvl="5" indent="-317500">
               <a:spcBef>
                 <a:spcPts val="1600"/>
               </a:spcBef>
@@ -6196,7 +6363,7 @@
                 <a:sym typeface="Lato"/>
               </a:defRPr>
             </a:lvl6pPr>
-            <a:lvl7pPr indent="-317500" lvl="6" marL="3200400">
+            <a:lvl7pPr marL="3200400" lvl="6" indent="-317500">
               <a:spcBef>
                 <a:spcPts val="1600"/>
               </a:spcBef>
@@ -6213,7 +6380,7 @@
                 <a:sym typeface="Lato"/>
               </a:defRPr>
             </a:lvl7pPr>
-            <a:lvl8pPr indent="-317500" lvl="7" marL="3657600">
+            <a:lvl8pPr marL="3657600" lvl="7" indent="-317500">
               <a:spcBef>
                 <a:spcPts val="1600"/>
               </a:spcBef>
@@ -6230,7 +6397,7 @@
                 <a:sym typeface="Lato"/>
               </a:defRPr>
             </a:lvl8pPr>
-            <a:lvl9pPr indent="-317500" lvl="8" marL="4114800">
+            <a:lvl9pPr marL="4114800" lvl="8" indent="-317500">
               <a:spcBef>
                 <a:spcPts val="1600"/>
               </a:spcBef>
@@ -6248,15 +6415,19 @@
               </a:defRPr>
             </a:lvl9pPr>
           </a:lstStyle>
-          <a:p/>
+          <a:p>
+            <a:endParaRPr/>
+          </a:p>
         </p:txBody>
       </p:sp>
       <p:sp>
         <p:nvSpPr>
           <p:cNvPr id="48" name="Google Shape;48;p9"/>
-          <p:cNvSpPr txBox="1"/>
+          <p:cNvSpPr txBox="1">
+            <a:spLocks noGrp="1"/>
+          </p:cNvSpPr>
           <p:nvPr>
-            <p:ph idx="12" type="sldNum"/>
+            <p:ph type="sldNum" idx="12"/>
           </p:nvPr>
         </p:nvSpPr>
         <p:spPr>
@@ -6269,7 +6440,7 @@
           </a:prstGeom>
         </p:spPr>
         <p:txBody>
-          <a:bodyPr anchorCtr="0" anchor="ctr" bIns="91425" lIns="91425" spcFirstLastPara="1" rIns="91425" wrap="square" tIns="91425">
+          <a:bodyPr spcFirstLastPara="1" wrap="square" lIns="91425" tIns="91425" rIns="91425" bIns="91425" anchor="ctr" anchorCtr="0">
             <a:noAutofit/>
           </a:bodyPr>
           <a:lstStyle>
@@ -6311,7 +6482,7 @@
             </a:lvl9pPr>
           </a:lstStyle>
           <a:p>
-            <a:pPr indent="0" lvl="0" marL="0" rtl="0" algn="r">
+            <a:pPr marL="0" lvl="0" indent="0" algn="r" rtl="0">
               <a:spcBef>
                 <a:spcPts val="0"/>
               </a:spcBef>
@@ -6331,7 +6502,9 @@
       <p:sp>
         <p:nvSpPr>
           <p:cNvPr id="49" name="Google Shape;49;p9"/>
-          <p:cNvSpPr txBox="1"/>
+          <p:cNvSpPr txBox="1">
+            <a:spLocks noGrp="1"/>
+          </p:cNvSpPr>
           <p:nvPr>
             <p:ph type="title"/>
           </p:nvPr>
@@ -6346,7 +6519,7 @@
           </a:prstGeom>
         </p:spPr>
         <p:txBody>
-          <a:bodyPr anchorCtr="0" anchor="t" bIns="91425" lIns="91425" spcFirstLastPara="1" rIns="91425" wrap="square" tIns="91425">
+          <a:bodyPr spcFirstLastPara="1" wrap="square" lIns="91425" tIns="91425" rIns="91425" bIns="91425" anchor="t" anchorCtr="0">
             <a:noAutofit/>
           </a:bodyPr>
           <a:lstStyle>
@@ -6510,7 +6683,9 @@
               </a:defRPr>
             </a:lvl9pPr>
           </a:lstStyle>
-          <a:p/>
+          <a:p>
+            <a:endParaRPr/>
+          </a:p>
         </p:txBody>
       </p:sp>
       <p:sp>
@@ -6535,12 +6710,12 @@
           </a:ln>
         </p:spPr>
         <p:txBody>
-          <a:bodyPr anchorCtr="0" anchor="ctr" bIns="91425" lIns="91425" spcFirstLastPara="1" rIns="91425" wrap="square" tIns="91425">
+          <a:bodyPr spcFirstLastPara="1" wrap="square" lIns="91425" tIns="91425" rIns="91425" bIns="91425" anchor="ctr" anchorCtr="0">
             <a:noAutofit/>
           </a:bodyPr>
           <a:lstStyle/>
           <a:p>
-            <a:pPr indent="0" lvl="0" marL="0" rtl="0" algn="l">
+            <a:pPr marL="0" lvl="0" indent="0" algn="l" rtl="0">
               <a:spcBef>
                 <a:spcPts val="0"/>
               </a:spcBef>
@@ -6549,9 +6724,6 @@
               </a:spcAft>
               <a:buNone/>
             </a:pPr>
-            <a:r>
-              <a:t/>
-            </a:r>
             <a:endParaRPr/>
           </a:p>
         </p:txBody>
@@ -6565,11 +6737,11 @@
 </file>
 
 <file path=ppt/slideLayouts/slideLayout9.xml><?xml version="1.0" encoding="utf-8"?>
-<p:sldLayout xmlns:a="http://schemas.openxmlformats.org/drawingml/2006/main" xmlns:r="http://schemas.openxmlformats.org/officeDocument/2006/relationships" xmlns:mc="http://schemas.openxmlformats.org/markup-compatibility/2006" xmlns:mv="urn:schemas-microsoft-com:mac:vml" xmlns:p="http://schemas.openxmlformats.org/presentationml/2006/main" xmlns:c="http://schemas.openxmlformats.org/drawingml/2006/chart" xmlns:dgm="http://schemas.openxmlformats.org/drawingml/2006/diagram" xmlns:o="urn:schemas-microsoft-com:office:office" xmlns:v="urn:schemas-microsoft-com:vml" xmlns:pvml="urn:schemas-microsoft-com:office:powerpoint" xmlns:com="http://schemas.openxmlformats.org/drawingml/2006/compatibility" xmlns:p14="http://schemas.microsoft.com/office/powerpoint/2010/main" xmlns:p15="http://schemas.microsoft.com/office/powerpoint/2012/main" xmlns:ahyp="http://schemas.microsoft.com/office/drawing/2018/hyperlinkcolor" matchingName="Caption">
+<p:sldLayout xmlns:a="http://schemas.openxmlformats.org/drawingml/2006/main" xmlns:r="http://schemas.openxmlformats.org/officeDocument/2006/relationships" xmlns:p="http://schemas.openxmlformats.org/presentationml/2006/main" matchingName="Caption">
   <p:cSld name="CAPTION_ONLY">
     <p:spTree>
       <p:nvGrpSpPr>
-        <p:cNvPr id="51" name="Shape 51"/>
+        <p:cNvPr id="1" name="Shape 51"/>
         <p:cNvGrpSpPr/>
         <p:nvPr/>
       </p:nvGrpSpPr>
@@ -6584,9 +6756,11 @@
       <p:sp>
         <p:nvSpPr>
           <p:cNvPr id="52" name="Google Shape;52;p10"/>
-          <p:cNvSpPr txBox="1"/>
+          <p:cNvSpPr txBox="1">
+            <a:spLocks noGrp="1"/>
+          </p:cNvSpPr>
           <p:nvPr>
-            <p:ph idx="1" type="body"/>
+            <p:ph type="body" idx="1"/>
           </p:nvPr>
         </p:nvSpPr>
         <p:spPr>
@@ -6599,11 +6773,11 @@
           </a:prstGeom>
         </p:spPr>
         <p:txBody>
-          <a:bodyPr anchorCtr="0" anchor="ctr" bIns="91425" lIns="91425" spcFirstLastPara="1" rIns="91425" wrap="square" tIns="91425">
+          <a:bodyPr spcFirstLastPara="1" wrap="square" lIns="91425" tIns="91425" rIns="91425" bIns="91425" anchor="ctr" anchorCtr="0">
             <a:noAutofit/>
           </a:bodyPr>
           <a:lstStyle>
-            <a:lvl1pPr indent="-228600" lvl="0" marL="457200">
+            <a:lvl1pPr marL="457200" lvl="0" indent="-228600">
               <a:lnSpc>
                 <a:spcPct val="100000"/>
               </a:lnSpc>
@@ -6618,15 +6792,19 @@
               <a:defRPr/>
             </a:lvl1pPr>
           </a:lstStyle>
-          <a:p/>
+          <a:p>
+            <a:endParaRPr/>
+          </a:p>
         </p:txBody>
       </p:sp>
       <p:sp>
         <p:nvSpPr>
           <p:cNvPr id="53" name="Google Shape;53;p10"/>
-          <p:cNvSpPr txBox="1"/>
+          <p:cNvSpPr txBox="1">
+            <a:spLocks noGrp="1"/>
+          </p:cNvSpPr>
           <p:nvPr>
-            <p:ph idx="12" type="sldNum"/>
+            <p:ph type="sldNum" idx="12"/>
           </p:nvPr>
         </p:nvSpPr>
         <p:spPr>
@@ -6639,7 +6817,7 @@
           </a:prstGeom>
         </p:spPr>
         <p:txBody>
-          <a:bodyPr anchorCtr="0" anchor="ctr" bIns="91425" lIns="91425" spcFirstLastPara="1" rIns="91425" wrap="square" tIns="91425">
+          <a:bodyPr spcFirstLastPara="1" wrap="square" lIns="91425" tIns="91425" rIns="91425" bIns="91425" anchor="ctr" anchorCtr="0">
             <a:noAutofit/>
           </a:bodyPr>
           <a:lstStyle>
@@ -6681,7 +6859,7 @@
             </a:lvl9pPr>
           </a:lstStyle>
           <a:p>
-            <a:pPr indent="0" lvl="0" marL="0" rtl="0" algn="r">
+            <a:pPr marL="0" lvl="0" indent="0" algn="r" rtl="0">
               <a:spcBef>
                 <a:spcPts val="0"/>
               </a:spcBef>
@@ -6707,18 +6885,19 @@
 </file>
 
 <file path=ppt/slideMasters/slideMaster1.xml><?xml version="1.0" encoding="utf-8"?>
-<p:sldMaster xmlns:a="http://schemas.openxmlformats.org/drawingml/2006/main" xmlns:r="http://schemas.openxmlformats.org/officeDocument/2006/relationships" xmlns:mc="http://schemas.openxmlformats.org/markup-compatibility/2006" xmlns:mv="urn:schemas-microsoft-com:mac:vml" xmlns:p="http://schemas.openxmlformats.org/presentationml/2006/main" xmlns:c="http://schemas.openxmlformats.org/drawingml/2006/chart" xmlns:dgm="http://schemas.openxmlformats.org/drawingml/2006/diagram" xmlns:o="urn:schemas-microsoft-com:office:office" xmlns:v="urn:schemas-microsoft-com:vml" xmlns:pvml="urn:schemas-microsoft-com:office:powerpoint" xmlns:com="http://schemas.openxmlformats.org/drawingml/2006/compatibility" xmlns:p14="http://schemas.microsoft.com/office/powerpoint/2010/main" xmlns:p15="http://schemas.microsoft.com/office/powerpoint/2012/main" xmlns:ahyp="http://schemas.microsoft.com/office/drawing/2018/hyperlinkcolor">
+<p:sldMaster xmlns:a="http://schemas.openxmlformats.org/drawingml/2006/main" xmlns:r="http://schemas.openxmlformats.org/officeDocument/2006/relationships" xmlns:p="http://schemas.openxmlformats.org/presentationml/2006/main">
   <p:cSld name="simple-light-2">
     <p:bg>
       <p:bgPr>
         <a:solidFill>
           <a:schemeClr val="lt1"/>
         </a:solidFill>
+        <a:effectLst/>
       </p:bgPr>
     </p:bg>
     <p:spTree>
       <p:nvGrpSpPr>
-        <p:cNvPr id="5" name="Shape 5"/>
+        <p:cNvPr id="1" name="Shape 5"/>
         <p:cNvGrpSpPr/>
         <p:nvPr/>
       </p:nvGrpSpPr>
@@ -6733,7 +6912,9 @@
       <p:sp>
         <p:nvSpPr>
           <p:cNvPr id="6" name="Google Shape;6;p1"/>
-          <p:cNvSpPr txBox="1"/>
+          <p:cNvSpPr txBox="1">
+            <a:spLocks noGrp="1"/>
+          </p:cNvSpPr>
           <p:nvPr>
             <p:ph type="title"/>
           </p:nvPr>
@@ -6752,7 +6933,7 @@
           </a:ln>
         </p:spPr>
         <p:txBody>
-          <a:bodyPr anchorCtr="0" anchor="t" bIns="91425" lIns="91425" spcFirstLastPara="1" rIns="91425" wrap="square" tIns="91425">
+          <a:bodyPr spcFirstLastPara="1" wrap="square" lIns="91425" tIns="91425" rIns="91425" bIns="91425" anchor="t" anchorCtr="0">
             <a:noAutofit/>
           </a:bodyPr>
           <a:lstStyle>
@@ -6769,7 +6950,7 @@
               <a:buSzPts val="2800"/>
               <a:buFont typeface="Open Sans"/>
               <a:buNone/>
-              <a:defRPr b="1" sz="2800">
+              <a:defRPr sz="2800" b="1">
                 <a:solidFill>
                   <a:schemeClr val="dk1"/>
                 </a:solidFill>
@@ -6924,15 +7105,19 @@
               </a:defRPr>
             </a:lvl9pPr>
           </a:lstStyle>
-          <a:p/>
+          <a:p>
+            <a:endParaRPr/>
+          </a:p>
         </p:txBody>
       </p:sp>
       <p:sp>
         <p:nvSpPr>
           <p:cNvPr id="7" name="Google Shape;7;p1"/>
-          <p:cNvSpPr txBox="1"/>
+          <p:cNvSpPr txBox="1">
+            <a:spLocks noGrp="1"/>
+          </p:cNvSpPr>
           <p:nvPr>
-            <p:ph idx="1" type="body"/>
+            <p:ph type="body" idx="1"/>
           </p:nvPr>
         </p:nvSpPr>
         <p:spPr>
@@ -6949,11 +7134,11 @@
           </a:ln>
         </p:spPr>
         <p:txBody>
-          <a:bodyPr anchorCtr="0" anchor="t" bIns="91425" lIns="91425" spcFirstLastPara="1" rIns="91425" wrap="square" tIns="91425">
+          <a:bodyPr spcFirstLastPara="1" wrap="square" lIns="91425" tIns="91425" rIns="91425" bIns="91425" anchor="t" anchorCtr="0">
             <a:noAutofit/>
           </a:bodyPr>
           <a:lstStyle>
-            <a:lvl1pPr indent="-330200" lvl="0" marL="457200">
+            <a:lvl1pPr marL="457200" lvl="0" indent="-330200">
               <a:lnSpc>
                 <a:spcPct val="115000"/>
               </a:lnSpc>
@@ -6979,7 +7164,7 @@
                 <a:sym typeface="Lato"/>
               </a:defRPr>
             </a:lvl1pPr>
-            <a:lvl2pPr indent="-317500" lvl="1" marL="914400">
+            <a:lvl2pPr marL="914400" lvl="1" indent="-317500">
               <a:lnSpc>
                 <a:spcPct val="115000"/>
               </a:lnSpc>
@@ -7005,7 +7190,7 @@
                 <a:sym typeface="Lato"/>
               </a:defRPr>
             </a:lvl2pPr>
-            <a:lvl3pPr indent="-317500" lvl="2" marL="1371600">
+            <a:lvl3pPr marL="1371600" lvl="2" indent="-317500">
               <a:lnSpc>
                 <a:spcPct val="115000"/>
               </a:lnSpc>
@@ -7031,7 +7216,7 @@
                 <a:sym typeface="Lato"/>
               </a:defRPr>
             </a:lvl3pPr>
-            <a:lvl4pPr indent="-317500" lvl="3" marL="1828800">
+            <a:lvl4pPr marL="1828800" lvl="3" indent="-317500">
               <a:lnSpc>
                 <a:spcPct val="115000"/>
               </a:lnSpc>
@@ -7057,7 +7242,7 @@
                 <a:sym typeface="Lato"/>
               </a:defRPr>
             </a:lvl4pPr>
-            <a:lvl5pPr indent="-317500" lvl="4" marL="2286000">
+            <a:lvl5pPr marL="2286000" lvl="4" indent="-317500">
               <a:lnSpc>
                 <a:spcPct val="115000"/>
               </a:lnSpc>
@@ -7083,7 +7268,7 @@
                 <a:sym typeface="Lato"/>
               </a:defRPr>
             </a:lvl5pPr>
-            <a:lvl6pPr indent="-317500" lvl="5" marL="2743200">
+            <a:lvl6pPr marL="2743200" lvl="5" indent="-317500">
               <a:lnSpc>
                 <a:spcPct val="115000"/>
               </a:lnSpc>
@@ -7109,7 +7294,7 @@
                 <a:sym typeface="Lato"/>
               </a:defRPr>
             </a:lvl6pPr>
-            <a:lvl7pPr indent="-317500" lvl="6" marL="3200400">
+            <a:lvl7pPr marL="3200400" lvl="6" indent="-317500">
               <a:lnSpc>
                 <a:spcPct val="115000"/>
               </a:lnSpc>
@@ -7135,7 +7320,7 @@
                 <a:sym typeface="Lato"/>
               </a:defRPr>
             </a:lvl7pPr>
-            <a:lvl8pPr indent="-317500" lvl="7" marL="3657600">
+            <a:lvl8pPr marL="3657600" lvl="7" indent="-317500">
               <a:lnSpc>
                 <a:spcPct val="115000"/>
               </a:lnSpc>
@@ -7161,7 +7346,7 @@
                 <a:sym typeface="Lato"/>
               </a:defRPr>
             </a:lvl8pPr>
-            <a:lvl9pPr indent="-317500" lvl="8" marL="4114800">
+            <a:lvl9pPr marL="4114800" lvl="8" indent="-317500">
               <a:lnSpc>
                 <a:spcPct val="115000"/>
               </a:lnSpc>
@@ -7188,15 +7373,19 @@
               </a:defRPr>
             </a:lvl9pPr>
           </a:lstStyle>
-          <a:p/>
+          <a:p>
+            <a:endParaRPr/>
+          </a:p>
         </p:txBody>
       </p:sp>
       <p:sp>
         <p:nvSpPr>
           <p:cNvPr id="8" name="Google Shape;8;p1"/>
-          <p:cNvSpPr txBox="1"/>
+          <p:cNvSpPr txBox="1">
+            <a:spLocks noGrp="1"/>
+          </p:cNvSpPr>
           <p:nvPr>
-            <p:ph idx="12" type="sldNum"/>
+            <p:ph type="sldNum" idx="12"/>
           </p:nvPr>
         </p:nvSpPr>
         <p:spPr>
@@ -7213,7 +7402,7 @@
           </a:ln>
         </p:spPr>
         <p:txBody>
-          <a:bodyPr anchorCtr="0" anchor="ctr" bIns="91425" lIns="91425" spcFirstLastPara="1" rIns="91425" wrap="square" tIns="91425">
+          <a:bodyPr spcFirstLastPara="1" wrap="square" lIns="91425" tIns="91425" rIns="91425" bIns="91425" anchor="ctr" anchorCtr="0">
             <a:noAutofit/>
           </a:bodyPr>
           <a:lstStyle>
@@ -7291,7 +7480,7 @@
             </a:lvl9pPr>
           </a:lstStyle>
           <a:p>
-            <a:pPr indent="0" lvl="0" marL="0" rtl="0" algn="r">
+            <a:pPr marL="0" lvl="0" indent="0" algn="r" rtl="0">
               <a:spcBef>
                 <a:spcPts val="0"/>
               </a:spcBef>
@@ -7310,7 +7499,7 @@
       </p:sp>
     </p:spTree>
   </p:cSld>
-  <p:clrMap accent1="accent1" accent2="accent2" accent3="accent3" accent4="accent4" accent5="accent5" accent6="accent6" bg1="lt1" bg2="dk2" tx1="dk1" tx2="lt2" folHlink="folHlink" hlink="hlink"/>
+  <p:clrMap bg1="lt1" tx1="dk1" bg2="dk2" tx2="lt2" accent1="accent1" accent2="accent2" accent3="accent3" accent4="accent4" accent5="accent5" accent6="accent6" hlink="hlink" folHlink="folHlink"/>
   <p:sldLayoutIdLst>
     <p:sldLayoutId id="2147483648" r:id="rId1"/>
     <p:sldLayoutId id="2147483649" r:id="rId2"/>
@@ -7325,10 +7514,10 @@
     <p:sldLayoutId id="2147483658" r:id="rId11"/>
     <p:sldLayoutId id="2147483659" r:id="rId12"/>
   </p:sldLayoutIdLst>
-  <p:hf dt="0" ftr="0" hdr="0" sldNum="0"/>
+  <p:hf sldNum="0" hdr="0" ftr="0" dt="0"/>
   <p:txStyles>
     <p:titleStyle>
-      <a:defPPr lvl="0" marR="0" rtl="0" algn="l">
+      <a:defPPr marR="0" lvl="0" algn="l" rtl="0">
         <a:lnSpc>
           <a:spcPct val="100000"/>
         </a:lnSpc>
@@ -7339,7 +7528,7 @@
           <a:spcPts val="0"/>
         </a:spcAft>
       </a:defPPr>
-      <a:lvl1pPr lvl="0" marR="0" rtl="0" algn="l">
+      <a:lvl1pPr marR="0" lvl="0" algn="l" rtl="0">
         <a:lnSpc>
           <a:spcPct val="100000"/>
         </a:lnSpc>
@@ -7353,7 +7542,7 @@
           <a:srgbClr val="000000"/>
         </a:buClr>
         <a:buFont typeface="Arial"/>
-        <a:defRPr b="0" i="0" sz="1400" u="none" cap="none" strike="noStrike">
+        <a:defRPr sz="1400" b="0" i="0" u="none" strike="noStrike" cap="none">
           <a:solidFill>
             <a:srgbClr val="000000"/>
           </a:solidFill>
@@ -7363,7 +7552,7 @@
           <a:sym typeface="Arial"/>
         </a:defRPr>
       </a:lvl1pPr>
-      <a:lvl2pPr lvl="1" marR="0" rtl="0" algn="l">
+      <a:lvl2pPr marR="0" lvl="1" algn="l" rtl="0">
         <a:lnSpc>
           <a:spcPct val="100000"/>
         </a:lnSpc>
@@ -7377,7 +7566,7 @@
           <a:srgbClr val="000000"/>
         </a:buClr>
         <a:buFont typeface="Arial"/>
-        <a:defRPr b="0" i="0" sz="1400" u="none" cap="none" strike="noStrike">
+        <a:defRPr sz="1400" b="0" i="0" u="none" strike="noStrike" cap="none">
           <a:solidFill>
             <a:srgbClr val="000000"/>
           </a:solidFill>
@@ -7387,7 +7576,7 @@
           <a:sym typeface="Arial"/>
         </a:defRPr>
       </a:lvl2pPr>
-      <a:lvl3pPr lvl="2" marR="0" rtl="0" algn="l">
+      <a:lvl3pPr marR="0" lvl="2" algn="l" rtl="0">
         <a:lnSpc>
           <a:spcPct val="100000"/>
         </a:lnSpc>
@@ -7401,7 +7590,7 @@
           <a:srgbClr val="000000"/>
         </a:buClr>
         <a:buFont typeface="Arial"/>
-        <a:defRPr b="0" i="0" sz="1400" u="none" cap="none" strike="noStrike">
+        <a:defRPr sz="1400" b="0" i="0" u="none" strike="noStrike" cap="none">
           <a:solidFill>
             <a:srgbClr val="000000"/>
           </a:solidFill>
@@ -7411,7 +7600,7 @@
           <a:sym typeface="Arial"/>
         </a:defRPr>
       </a:lvl3pPr>
-      <a:lvl4pPr lvl="3" marR="0" rtl="0" algn="l">
+      <a:lvl4pPr marR="0" lvl="3" algn="l" rtl="0">
         <a:lnSpc>
           <a:spcPct val="100000"/>
         </a:lnSpc>
@@ -7425,7 +7614,7 @@
           <a:srgbClr val="000000"/>
         </a:buClr>
         <a:buFont typeface="Arial"/>
-        <a:defRPr b="0" i="0" sz="1400" u="none" cap="none" strike="noStrike">
+        <a:defRPr sz="1400" b="0" i="0" u="none" strike="noStrike" cap="none">
           <a:solidFill>
             <a:srgbClr val="000000"/>
           </a:solidFill>
@@ -7435,7 +7624,7 @@
           <a:sym typeface="Arial"/>
         </a:defRPr>
       </a:lvl4pPr>
-      <a:lvl5pPr lvl="4" marR="0" rtl="0" algn="l">
+      <a:lvl5pPr marR="0" lvl="4" algn="l" rtl="0">
         <a:lnSpc>
           <a:spcPct val="100000"/>
         </a:lnSpc>
@@ -7449,7 +7638,7 @@
           <a:srgbClr val="000000"/>
         </a:buClr>
         <a:buFont typeface="Arial"/>
-        <a:defRPr b="0" i="0" sz="1400" u="none" cap="none" strike="noStrike">
+        <a:defRPr sz="1400" b="0" i="0" u="none" strike="noStrike" cap="none">
           <a:solidFill>
             <a:srgbClr val="000000"/>
           </a:solidFill>
@@ -7459,7 +7648,7 @@
           <a:sym typeface="Arial"/>
         </a:defRPr>
       </a:lvl5pPr>
-      <a:lvl6pPr lvl="5" marR="0" rtl="0" algn="l">
+      <a:lvl6pPr marR="0" lvl="5" algn="l" rtl="0">
         <a:lnSpc>
           <a:spcPct val="100000"/>
         </a:lnSpc>
@@ -7473,7 +7662,7 @@
           <a:srgbClr val="000000"/>
         </a:buClr>
         <a:buFont typeface="Arial"/>
-        <a:defRPr b="0" i="0" sz="1400" u="none" cap="none" strike="noStrike">
+        <a:defRPr sz="1400" b="0" i="0" u="none" strike="noStrike" cap="none">
           <a:solidFill>
             <a:srgbClr val="000000"/>
           </a:solidFill>
@@ -7483,7 +7672,7 @@
           <a:sym typeface="Arial"/>
         </a:defRPr>
       </a:lvl6pPr>
-      <a:lvl7pPr lvl="6" marR="0" rtl="0" algn="l">
+      <a:lvl7pPr marR="0" lvl="6" algn="l" rtl="0">
         <a:lnSpc>
           <a:spcPct val="100000"/>
         </a:lnSpc>
@@ -7497,7 +7686,7 @@
           <a:srgbClr val="000000"/>
         </a:buClr>
         <a:buFont typeface="Arial"/>
-        <a:defRPr b="0" i="0" sz="1400" u="none" cap="none" strike="noStrike">
+        <a:defRPr sz="1400" b="0" i="0" u="none" strike="noStrike" cap="none">
           <a:solidFill>
             <a:srgbClr val="000000"/>
           </a:solidFill>
@@ -7507,7 +7696,7 @@
           <a:sym typeface="Arial"/>
         </a:defRPr>
       </a:lvl7pPr>
-      <a:lvl8pPr lvl="7" marR="0" rtl="0" algn="l">
+      <a:lvl8pPr marR="0" lvl="7" algn="l" rtl="0">
         <a:lnSpc>
           <a:spcPct val="100000"/>
         </a:lnSpc>
@@ -7521,7 +7710,7 @@
           <a:srgbClr val="000000"/>
         </a:buClr>
         <a:buFont typeface="Arial"/>
-        <a:defRPr b="0" i="0" sz="1400" u="none" cap="none" strike="noStrike">
+        <a:defRPr sz="1400" b="0" i="0" u="none" strike="noStrike" cap="none">
           <a:solidFill>
             <a:srgbClr val="000000"/>
           </a:solidFill>
@@ -7531,7 +7720,7 @@
           <a:sym typeface="Arial"/>
         </a:defRPr>
       </a:lvl8pPr>
-      <a:lvl9pPr lvl="8" marR="0" rtl="0" algn="l">
+      <a:lvl9pPr marR="0" lvl="8" algn="l" rtl="0">
         <a:lnSpc>
           <a:spcPct val="100000"/>
         </a:lnSpc>
@@ -7545,7 +7734,7 @@
           <a:srgbClr val="000000"/>
         </a:buClr>
         <a:buFont typeface="Arial"/>
-        <a:defRPr b="0" i="0" sz="1400" u="none" cap="none" strike="noStrike">
+        <a:defRPr sz="1400" b="0" i="0" u="none" strike="noStrike" cap="none">
           <a:solidFill>
             <a:srgbClr val="000000"/>
           </a:solidFill>
@@ -7557,7 +7746,7 @@
       </a:lvl9pPr>
     </p:titleStyle>
     <p:bodyStyle>
-      <a:defPPr lvl="0" marR="0" rtl="0" algn="l">
+      <a:defPPr marR="0" lvl="0" algn="l" rtl="0">
         <a:lnSpc>
           <a:spcPct val="100000"/>
         </a:lnSpc>
@@ -7568,7 +7757,7 @@
           <a:spcPts val="0"/>
         </a:spcAft>
       </a:defPPr>
-      <a:lvl1pPr lvl="0" marR="0" rtl="0" algn="l">
+      <a:lvl1pPr marR="0" lvl="0" algn="l" rtl="0">
         <a:lnSpc>
           <a:spcPct val="100000"/>
         </a:lnSpc>
@@ -7582,7 +7771,7 @@
           <a:srgbClr val="000000"/>
         </a:buClr>
         <a:buFont typeface="Arial"/>
-        <a:defRPr b="0" i="0" sz="1400" u="none" cap="none" strike="noStrike">
+        <a:defRPr sz="1400" b="0" i="0" u="none" strike="noStrike" cap="none">
           <a:solidFill>
             <a:srgbClr val="000000"/>
           </a:solidFill>
@@ -7592,7 +7781,7 @@
           <a:sym typeface="Arial"/>
         </a:defRPr>
       </a:lvl1pPr>
-      <a:lvl2pPr lvl="1" marR="0" rtl="0" algn="l">
+      <a:lvl2pPr marR="0" lvl="1" algn="l" rtl="0">
         <a:lnSpc>
           <a:spcPct val="100000"/>
         </a:lnSpc>
@@ -7606,7 +7795,7 @@
           <a:srgbClr val="000000"/>
         </a:buClr>
         <a:buFont typeface="Arial"/>
-        <a:defRPr b="0" i="0" sz="1400" u="none" cap="none" strike="noStrike">
+        <a:defRPr sz="1400" b="0" i="0" u="none" strike="noStrike" cap="none">
           <a:solidFill>
             <a:srgbClr val="000000"/>
           </a:solidFill>
@@ -7616,7 +7805,7 @@
           <a:sym typeface="Arial"/>
         </a:defRPr>
       </a:lvl2pPr>
-      <a:lvl3pPr lvl="2" marR="0" rtl="0" algn="l">
+      <a:lvl3pPr marR="0" lvl="2" algn="l" rtl="0">
         <a:lnSpc>
           <a:spcPct val="100000"/>
         </a:lnSpc>
@@ -7630,7 +7819,7 @@
           <a:srgbClr val="000000"/>
         </a:buClr>
         <a:buFont typeface="Arial"/>
-        <a:defRPr b="0" i="0" sz="1400" u="none" cap="none" strike="noStrike">
+        <a:defRPr sz="1400" b="0" i="0" u="none" strike="noStrike" cap="none">
           <a:solidFill>
             <a:srgbClr val="000000"/>
           </a:solidFill>
@@ -7640,7 +7829,7 @@
           <a:sym typeface="Arial"/>
         </a:defRPr>
       </a:lvl3pPr>
-      <a:lvl4pPr lvl="3" marR="0" rtl="0" algn="l">
+      <a:lvl4pPr marR="0" lvl="3" algn="l" rtl="0">
         <a:lnSpc>
           <a:spcPct val="100000"/>
         </a:lnSpc>
@@ -7654,7 +7843,7 @@
           <a:srgbClr val="000000"/>
         </a:buClr>
         <a:buFont typeface="Arial"/>
-        <a:defRPr b="0" i="0" sz="1400" u="none" cap="none" strike="noStrike">
+        <a:defRPr sz="1400" b="0" i="0" u="none" strike="noStrike" cap="none">
           <a:solidFill>
             <a:srgbClr val="000000"/>
           </a:solidFill>
@@ -7664,7 +7853,7 @@
           <a:sym typeface="Arial"/>
         </a:defRPr>
       </a:lvl4pPr>
-      <a:lvl5pPr lvl="4" marR="0" rtl="0" algn="l">
+      <a:lvl5pPr marR="0" lvl="4" algn="l" rtl="0">
         <a:lnSpc>
           <a:spcPct val="100000"/>
         </a:lnSpc>
@@ -7678,7 +7867,7 @@
           <a:srgbClr val="000000"/>
         </a:buClr>
         <a:buFont typeface="Arial"/>
-        <a:defRPr b="0" i="0" sz="1400" u="none" cap="none" strike="noStrike">
+        <a:defRPr sz="1400" b="0" i="0" u="none" strike="noStrike" cap="none">
           <a:solidFill>
             <a:srgbClr val="000000"/>
           </a:solidFill>
@@ -7688,7 +7877,7 @@
           <a:sym typeface="Arial"/>
         </a:defRPr>
       </a:lvl5pPr>
-      <a:lvl6pPr lvl="5" marR="0" rtl="0" algn="l">
+      <a:lvl6pPr marR="0" lvl="5" algn="l" rtl="0">
         <a:lnSpc>
           <a:spcPct val="100000"/>
         </a:lnSpc>
@@ -7702,7 +7891,7 @@
           <a:srgbClr val="000000"/>
         </a:buClr>
         <a:buFont typeface="Arial"/>
-        <a:defRPr b="0" i="0" sz="1400" u="none" cap="none" strike="noStrike">
+        <a:defRPr sz="1400" b="0" i="0" u="none" strike="noStrike" cap="none">
           <a:solidFill>
             <a:srgbClr val="000000"/>
           </a:solidFill>
@@ -7712,7 +7901,7 @@
           <a:sym typeface="Arial"/>
         </a:defRPr>
       </a:lvl6pPr>
-      <a:lvl7pPr lvl="6" marR="0" rtl="0" algn="l">
+      <a:lvl7pPr marR="0" lvl="6" algn="l" rtl="0">
         <a:lnSpc>
           <a:spcPct val="100000"/>
         </a:lnSpc>
@@ -7726,7 +7915,7 @@
           <a:srgbClr val="000000"/>
         </a:buClr>
         <a:buFont typeface="Arial"/>
-        <a:defRPr b="0" i="0" sz="1400" u="none" cap="none" strike="noStrike">
+        <a:defRPr sz="1400" b="0" i="0" u="none" strike="noStrike" cap="none">
           <a:solidFill>
             <a:srgbClr val="000000"/>
           </a:solidFill>
@@ -7736,7 +7925,7 @@
           <a:sym typeface="Arial"/>
         </a:defRPr>
       </a:lvl7pPr>
-      <a:lvl8pPr lvl="7" marR="0" rtl="0" algn="l">
+      <a:lvl8pPr marR="0" lvl="7" algn="l" rtl="0">
         <a:lnSpc>
           <a:spcPct val="100000"/>
         </a:lnSpc>
@@ -7750,7 +7939,7 @@
           <a:srgbClr val="000000"/>
         </a:buClr>
         <a:buFont typeface="Arial"/>
-        <a:defRPr b="0" i="0" sz="1400" u="none" cap="none" strike="noStrike">
+        <a:defRPr sz="1400" b="0" i="0" u="none" strike="noStrike" cap="none">
           <a:solidFill>
             <a:srgbClr val="000000"/>
           </a:solidFill>
@@ -7760,7 +7949,7 @@
           <a:sym typeface="Arial"/>
         </a:defRPr>
       </a:lvl8pPr>
-      <a:lvl9pPr lvl="8" marR="0" rtl="0" algn="l">
+      <a:lvl9pPr marR="0" lvl="8" algn="l" rtl="0">
         <a:lnSpc>
           <a:spcPct val="100000"/>
         </a:lnSpc>
@@ -7774,7 +7963,7 @@
           <a:srgbClr val="000000"/>
         </a:buClr>
         <a:buFont typeface="Arial"/>
-        <a:defRPr b="0" i="0" sz="1400" u="none" cap="none" strike="noStrike">
+        <a:defRPr sz="1400" b="0" i="0" u="none" strike="noStrike" cap="none">
           <a:solidFill>
             <a:srgbClr val="000000"/>
           </a:solidFill>
@@ -7786,7 +7975,7 @@
       </a:lvl9pPr>
     </p:bodyStyle>
     <p:otherStyle>
-      <a:defPPr lvl="0" marR="0" rtl="0" algn="l">
+      <a:defPPr marR="0" lvl="0" algn="l" rtl="0">
         <a:lnSpc>
           <a:spcPct val="100000"/>
         </a:lnSpc>
@@ -7797,7 +7986,7 @@
           <a:spcPts val="0"/>
         </a:spcAft>
       </a:defPPr>
-      <a:lvl1pPr lvl="0" marR="0" rtl="0" algn="l">
+      <a:lvl1pPr marR="0" lvl="0" algn="l" rtl="0">
         <a:lnSpc>
           <a:spcPct val="100000"/>
         </a:lnSpc>
@@ -7811,7 +8000,7 @@
           <a:srgbClr val="000000"/>
         </a:buClr>
         <a:buFont typeface="Arial"/>
-        <a:defRPr b="0" i="0" sz="1400" u="none" cap="none" strike="noStrike">
+        <a:defRPr sz="1400" b="0" i="0" u="none" strike="noStrike" cap="none">
           <a:solidFill>
             <a:srgbClr val="000000"/>
           </a:solidFill>
@@ -7821,7 +8010,7 @@
           <a:sym typeface="Arial"/>
         </a:defRPr>
       </a:lvl1pPr>
-      <a:lvl2pPr lvl="1" marR="0" rtl="0" algn="l">
+      <a:lvl2pPr marR="0" lvl="1" algn="l" rtl="0">
         <a:lnSpc>
           <a:spcPct val="100000"/>
         </a:lnSpc>
@@ -7835,7 +8024,7 @@
           <a:srgbClr val="000000"/>
         </a:buClr>
         <a:buFont typeface="Arial"/>
-        <a:defRPr b="0" i="0" sz="1400" u="none" cap="none" strike="noStrike">
+        <a:defRPr sz="1400" b="0" i="0" u="none" strike="noStrike" cap="none">
           <a:solidFill>
             <a:srgbClr val="000000"/>
           </a:solidFill>
@@ -7845,7 +8034,7 @@
           <a:sym typeface="Arial"/>
         </a:defRPr>
       </a:lvl2pPr>
-      <a:lvl3pPr lvl="2" marR="0" rtl="0" algn="l">
+      <a:lvl3pPr marR="0" lvl="2" algn="l" rtl="0">
         <a:lnSpc>
           <a:spcPct val="100000"/>
         </a:lnSpc>
@@ -7859,7 +8048,7 @@
           <a:srgbClr val="000000"/>
         </a:buClr>
         <a:buFont typeface="Arial"/>
-        <a:defRPr b="0" i="0" sz="1400" u="none" cap="none" strike="noStrike">
+        <a:defRPr sz="1400" b="0" i="0" u="none" strike="noStrike" cap="none">
           <a:solidFill>
             <a:srgbClr val="000000"/>
           </a:solidFill>
@@ -7869,7 +8058,7 @@
           <a:sym typeface="Arial"/>
         </a:defRPr>
       </a:lvl3pPr>
-      <a:lvl4pPr lvl="3" marR="0" rtl="0" algn="l">
+      <a:lvl4pPr marR="0" lvl="3" algn="l" rtl="0">
         <a:lnSpc>
           <a:spcPct val="100000"/>
         </a:lnSpc>
@@ -7883,7 +8072,7 @@
           <a:srgbClr val="000000"/>
         </a:buClr>
         <a:buFont typeface="Arial"/>
-        <a:defRPr b="0" i="0" sz="1400" u="none" cap="none" strike="noStrike">
+        <a:defRPr sz="1400" b="0" i="0" u="none" strike="noStrike" cap="none">
           <a:solidFill>
             <a:srgbClr val="000000"/>
           </a:solidFill>
@@ -7893,7 +8082,7 @@
           <a:sym typeface="Arial"/>
         </a:defRPr>
       </a:lvl4pPr>
-      <a:lvl5pPr lvl="4" marR="0" rtl="0" algn="l">
+      <a:lvl5pPr marR="0" lvl="4" algn="l" rtl="0">
         <a:lnSpc>
           <a:spcPct val="100000"/>
         </a:lnSpc>
@@ -7907,7 +8096,7 @@
           <a:srgbClr val="000000"/>
         </a:buClr>
         <a:buFont typeface="Arial"/>
-        <a:defRPr b="0" i="0" sz="1400" u="none" cap="none" strike="noStrike">
+        <a:defRPr sz="1400" b="0" i="0" u="none" strike="noStrike" cap="none">
           <a:solidFill>
             <a:srgbClr val="000000"/>
           </a:solidFill>
@@ -7917,7 +8106,7 @@
           <a:sym typeface="Arial"/>
         </a:defRPr>
       </a:lvl5pPr>
-      <a:lvl6pPr lvl="5" marR="0" rtl="0" algn="l">
+      <a:lvl6pPr marR="0" lvl="5" algn="l" rtl="0">
         <a:lnSpc>
           <a:spcPct val="100000"/>
         </a:lnSpc>
@@ -7931,7 +8120,7 @@
           <a:srgbClr val="000000"/>
         </a:buClr>
         <a:buFont typeface="Arial"/>
-        <a:defRPr b="0" i="0" sz="1400" u="none" cap="none" strike="noStrike">
+        <a:defRPr sz="1400" b="0" i="0" u="none" strike="noStrike" cap="none">
           <a:solidFill>
             <a:srgbClr val="000000"/>
           </a:solidFill>
@@ -7941,7 +8130,7 @@
           <a:sym typeface="Arial"/>
         </a:defRPr>
       </a:lvl6pPr>
-      <a:lvl7pPr lvl="6" marR="0" rtl="0" algn="l">
+      <a:lvl7pPr marR="0" lvl="6" algn="l" rtl="0">
         <a:lnSpc>
           <a:spcPct val="100000"/>
         </a:lnSpc>
@@ -7955,7 +8144,7 @@
           <a:srgbClr val="000000"/>
         </a:buClr>
         <a:buFont typeface="Arial"/>
-        <a:defRPr b="0" i="0" sz="1400" u="none" cap="none" strike="noStrike">
+        <a:defRPr sz="1400" b="0" i="0" u="none" strike="noStrike" cap="none">
           <a:solidFill>
             <a:srgbClr val="000000"/>
           </a:solidFill>
@@ -7965,7 +8154,7 @@
           <a:sym typeface="Arial"/>
         </a:defRPr>
       </a:lvl7pPr>
-      <a:lvl8pPr lvl="7" marR="0" rtl="0" algn="l">
+      <a:lvl8pPr marR="0" lvl="7" algn="l" rtl="0">
         <a:lnSpc>
           <a:spcPct val="100000"/>
         </a:lnSpc>
@@ -7979,7 +8168,7 @@
           <a:srgbClr val="000000"/>
         </a:buClr>
         <a:buFont typeface="Arial"/>
-        <a:defRPr b="0" i="0" sz="1400" u="none" cap="none" strike="noStrike">
+        <a:defRPr sz="1400" b="0" i="0" u="none" strike="noStrike" cap="none">
           <a:solidFill>
             <a:srgbClr val="000000"/>
           </a:solidFill>
@@ -7989,7 +8178,7 @@
           <a:sym typeface="Arial"/>
         </a:defRPr>
       </a:lvl8pPr>
-      <a:lvl9pPr lvl="8" marR="0" rtl="0" algn="l">
+      <a:lvl9pPr marR="0" lvl="8" algn="l" rtl="0">
         <a:lnSpc>
           <a:spcPct val="100000"/>
         </a:lnSpc>
@@ -8003,7 +8192,7 @@
           <a:srgbClr val="000000"/>
         </a:buClr>
         <a:buFont typeface="Arial"/>
-        <a:defRPr b="0" i="0" sz="1400" u="none" cap="none" strike="noStrike">
+        <a:defRPr sz="1400" b="0" i="0" u="none" strike="noStrike" cap="none">
           <a:solidFill>
             <a:srgbClr val="000000"/>
           </a:solidFill>
@@ -8019,11 +8208,11 @@
 </file>
 
 <file path=ppt/slides/slide1.xml><?xml version="1.0" encoding="utf-8"?>
-<p:sld xmlns:a="http://schemas.openxmlformats.org/drawingml/2006/main" xmlns:r="http://schemas.openxmlformats.org/officeDocument/2006/relationships" xmlns:mc="http://schemas.openxmlformats.org/markup-compatibility/2006" xmlns:mv="urn:schemas-microsoft-com:mac:vml" xmlns:p="http://schemas.openxmlformats.org/presentationml/2006/main" xmlns:c="http://schemas.openxmlformats.org/drawingml/2006/chart" xmlns:dgm="http://schemas.openxmlformats.org/drawingml/2006/diagram" xmlns:o="urn:schemas-microsoft-com:office:office" xmlns:v="urn:schemas-microsoft-com:vml" xmlns:pvml="urn:schemas-microsoft-com:office:powerpoint" xmlns:com="http://schemas.openxmlformats.org/drawingml/2006/compatibility" xmlns:p14="http://schemas.microsoft.com/office/powerpoint/2010/main" xmlns:p15="http://schemas.microsoft.com/office/powerpoint/2012/main" xmlns:ahyp="http://schemas.microsoft.com/office/drawing/2018/hyperlinkcolor">
+<p:sld xmlns:a="http://schemas.openxmlformats.org/drawingml/2006/main" xmlns:r="http://schemas.openxmlformats.org/officeDocument/2006/relationships" xmlns:p="http://schemas.openxmlformats.org/presentationml/2006/main">
   <p:cSld>
     <p:spTree>
       <p:nvGrpSpPr>
-        <p:cNvPr id="73" name="Shape 73"/>
+        <p:cNvPr id="1" name="Shape 73"/>
         <p:cNvGrpSpPr/>
         <p:nvPr/>
       </p:nvGrpSpPr>
@@ -8038,7 +8227,9 @@
       <p:sp>
         <p:nvSpPr>
           <p:cNvPr id="74" name="Google Shape;74;p14"/>
-          <p:cNvSpPr txBox="1"/>
+          <p:cNvSpPr txBox="1">
+            <a:spLocks noGrp="1"/>
+          </p:cNvSpPr>
           <p:nvPr>
             <p:ph type="ctrTitle"/>
           </p:nvPr>
@@ -8053,12 +8244,12 @@
           </a:prstGeom>
         </p:spPr>
         <p:txBody>
-          <a:bodyPr anchorCtr="0" anchor="b" bIns="91425" lIns="91425" spcFirstLastPara="1" rIns="91425" wrap="square" tIns="91425">
+          <a:bodyPr spcFirstLastPara="1" wrap="square" lIns="91425" tIns="91425" rIns="91425" bIns="91425" anchor="b" anchorCtr="0">
             <a:noAutofit/>
           </a:bodyPr>
           <a:lstStyle/>
           <a:p>
-            <a:pPr indent="0" lvl="0" marL="0" rtl="0" algn="l">
+            <a:pPr marL="0" lvl="0" indent="0" algn="l" rtl="0">
               <a:spcBef>
                 <a:spcPts val="0"/>
               </a:spcBef>
@@ -8078,9 +8269,11 @@
       <p:sp>
         <p:nvSpPr>
           <p:cNvPr id="75" name="Google Shape;75;p14"/>
-          <p:cNvSpPr txBox="1"/>
+          <p:cNvSpPr txBox="1">
+            <a:spLocks noGrp="1"/>
+          </p:cNvSpPr>
           <p:nvPr>
-            <p:ph idx="1" type="subTitle"/>
+            <p:ph type="subTitle" idx="1"/>
           </p:nvPr>
         </p:nvSpPr>
         <p:spPr>
@@ -8093,12 +8286,12 @@
           </a:prstGeom>
         </p:spPr>
         <p:txBody>
-          <a:bodyPr anchorCtr="0" anchor="t" bIns="91425" lIns="91425" spcFirstLastPara="1" rIns="91425" wrap="square" tIns="91425">
+          <a:bodyPr spcFirstLastPara="1" wrap="square" lIns="91425" tIns="91425" rIns="91425" bIns="91425" anchor="t" anchorCtr="0">
             <a:noAutofit/>
           </a:bodyPr>
           <a:lstStyle/>
           <a:p>
-            <a:pPr indent="0" lvl="0" marL="0" rtl="0" algn="l">
+            <a:pPr marL="0" lvl="0" indent="0" algn="l" rtl="0">
               <a:spcBef>
                 <a:spcPts val="0"/>
               </a:spcBef>
@@ -8107,9 +8300,6 @@
               </a:spcAft>
               <a:buNone/>
             </a:pPr>
-            <a:r>
-              <a:t/>
-            </a:r>
             <a:endParaRPr/>
           </a:p>
         </p:txBody>
@@ -8151,11 +8341,11 @@
 </file>
 
 <file path=ppt/slides/slide10.xml><?xml version="1.0" encoding="utf-8"?>
-<p:sld xmlns:a="http://schemas.openxmlformats.org/drawingml/2006/main" xmlns:r="http://schemas.openxmlformats.org/officeDocument/2006/relationships" xmlns:mc="http://schemas.openxmlformats.org/markup-compatibility/2006" xmlns:mv="urn:schemas-microsoft-com:mac:vml" xmlns:p="http://schemas.openxmlformats.org/presentationml/2006/main" xmlns:c="http://schemas.openxmlformats.org/drawingml/2006/chart" xmlns:dgm="http://schemas.openxmlformats.org/drawingml/2006/diagram" xmlns:o="urn:schemas-microsoft-com:office:office" xmlns:v="urn:schemas-microsoft-com:vml" xmlns:pvml="urn:schemas-microsoft-com:office:powerpoint" xmlns:com="http://schemas.openxmlformats.org/drawingml/2006/compatibility" xmlns:p14="http://schemas.microsoft.com/office/powerpoint/2010/main" xmlns:p15="http://schemas.microsoft.com/office/powerpoint/2012/main" xmlns:ahyp="http://schemas.microsoft.com/office/drawing/2018/hyperlinkcolor">
+<p:sld xmlns:a="http://schemas.openxmlformats.org/drawingml/2006/main" xmlns:r="http://schemas.openxmlformats.org/officeDocument/2006/relationships" xmlns:p="http://schemas.openxmlformats.org/presentationml/2006/main">
   <p:cSld>
     <p:spTree>
       <p:nvGrpSpPr>
-        <p:cNvPr id="150" name="Shape 150"/>
+        <p:cNvPr id="1" name="Shape 150"/>
         <p:cNvGrpSpPr/>
         <p:nvPr/>
       </p:nvGrpSpPr>
@@ -8170,7 +8360,9 @@
       <p:sp>
         <p:nvSpPr>
           <p:cNvPr id="151" name="Google Shape;151;p23"/>
-          <p:cNvSpPr txBox="1"/>
+          <p:cNvSpPr txBox="1">
+            <a:spLocks noGrp="1"/>
+          </p:cNvSpPr>
           <p:nvPr>
             <p:ph type="title"/>
           </p:nvPr>
@@ -8185,12 +8377,12 @@
           </a:prstGeom>
         </p:spPr>
         <p:txBody>
-          <a:bodyPr anchorCtr="0" anchor="t" bIns="91425" lIns="91425" spcFirstLastPara="1" rIns="91425" wrap="square" tIns="91425">
+          <a:bodyPr spcFirstLastPara="1" wrap="square" lIns="91425" tIns="91425" rIns="91425" bIns="91425" anchor="t" anchorCtr="0">
             <a:noAutofit/>
           </a:bodyPr>
           <a:lstStyle/>
           <a:p>
-            <a:pPr indent="0" lvl="0" marL="0" rtl="0" algn="l">
+            <a:pPr marL="0" lvl="0" indent="0" algn="l" rtl="0">
               <a:spcBef>
                 <a:spcPts val="0"/>
               </a:spcBef>
@@ -8210,9 +8402,11 @@
       <p:sp>
         <p:nvSpPr>
           <p:cNvPr id="152" name="Google Shape;152;p23"/>
-          <p:cNvSpPr txBox="1"/>
+          <p:cNvSpPr txBox="1">
+            <a:spLocks noGrp="1"/>
+          </p:cNvSpPr>
           <p:nvPr>
-            <p:ph idx="1" type="body"/>
+            <p:ph type="body" idx="1"/>
           </p:nvPr>
         </p:nvSpPr>
         <p:spPr>
@@ -8225,12 +8419,12 @@
           </a:prstGeom>
         </p:spPr>
         <p:txBody>
-          <a:bodyPr anchorCtr="0" anchor="ctr" bIns="91425" lIns="91425" spcFirstLastPara="1" rIns="91425" wrap="square" tIns="91425">
+          <a:bodyPr spcFirstLastPara="1" wrap="square" lIns="91425" tIns="91425" rIns="91425" bIns="91425" anchor="ctr" anchorCtr="0">
             <a:noAutofit/>
           </a:bodyPr>
           <a:lstStyle/>
           <a:p>
-            <a:pPr indent="0" lvl="0" marL="0" rtl="0" algn="l">
+            <a:pPr marL="0" lvl="0" indent="0" algn="l" rtl="0">
               <a:spcBef>
                 <a:spcPts val="0"/>
               </a:spcBef>
@@ -8251,7 +8445,7 @@
             <a:endParaRPr/>
           </a:p>
           <a:p>
-            <a:pPr indent="0" lvl="0" marL="0" rtl="0" algn="l">
+            <a:pPr marL="0" lvl="0" indent="0" algn="l" rtl="0">
               <a:spcBef>
                 <a:spcPts val="1600"/>
               </a:spcBef>
@@ -8268,7 +8462,7 @@
                 <a:hlinkClick r:id="rId4">
                   <a:extLst>
                     <a:ext uri="{A12FA001-AC4F-418D-AE19-62706E023703}">
-                      <ahyp:hlinkClr val="tx"/>
+                      <ahyp:hlinkClr xmlns:ahyp="http://schemas.microsoft.com/office/drawing/2018/hyperlinkcolor" val="tx"/>
                     </a:ext>
                   </a:extLst>
                 </a:hlinkClick>
@@ -8288,11 +8482,11 @@
 </file>
 
 <file path=ppt/slides/slide11.xml><?xml version="1.0" encoding="utf-8"?>
-<p:sld xmlns:a="http://schemas.openxmlformats.org/drawingml/2006/main" xmlns:r="http://schemas.openxmlformats.org/officeDocument/2006/relationships" xmlns:mc="http://schemas.openxmlformats.org/markup-compatibility/2006" xmlns:mv="urn:schemas-microsoft-com:mac:vml" xmlns:p="http://schemas.openxmlformats.org/presentationml/2006/main" xmlns:c="http://schemas.openxmlformats.org/drawingml/2006/chart" xmlns:dgm="http://schemas.openxmlformats.org/drawingml/2006/diagram" xmlns:o="urn:schemas-microsoft-com:office:office" xmlns:v="urn:schemas-microsoft-com:vml" xmlns:pvml="urn:schemas-microsoft-com:office:powerpoint" xmlns:com="http://schemas.openxmlformats.org/drawingml/2006/compatibility" xmlns:p14="http://schemas.microsoft.com/office/powerpoint/2010/main" xmlns:p15="http://schemas.microsoft.com/office/powerpoint/2012/main" xmlns:ahyp="http://schemas.microsoft.com/office/drawing/2018/hyperlinkcolor">
+<p:sld xmlns:a="http://schemas.openxmlformats.org/drawingml/2006/main" xmlns:r="http://schemas.openxmlformats.org/officeDocument/2006/relationships" xmlns:p="http://schemas.openxmlformats.org/presentationml/2006/main">
   <p:cSld>
     <p:spTree>
       <p:nvGrpSpPr>
-        <p:cNvPr id="156" name="Shape 156"/>
+        <p:cNvPr id="1" name="Shape 156"/>
         <p:cNvGrpSpPr/>
         <p:nvPr/>
       </p:nvGrpSpPr>
@@ -8307,7 +8501,9 @@
       <p:sp>
         <p:nvSpPr>
           <p:cNvPr id="157" name="Google Shape;157;p24"/>
-          <p:cNvSpPr txBox="1"/>
+          <p:cNvSpPr txBox="1">
+            <a:spLocks noGrp="1"/>
+          </p:cNvSpPr>
           <p:nvPr>
             <p:ph type="title"/>
           </p:nvPr>
@@ -8322,12 +8518,12 @@
           </a:prstGeom>
         </p:spPr>
         <p:txBody>
-          <a:bodyPr anchorCtr="0" anchor="t" bIns="91425" lIns="91425" spcFirstLastPara="1" rIns="91425" wrap="square" tIns="91425">
+          <a:bodyPr spcFirstLastPara="1" wrap="square" lIns="91425" tIns="91425" rIns="91425" bIns="91425" anchor="t" anchorCtr="0">
             <a:noAutofit/>
           </a:bodyPr>
           <a:lstStyle/>
           <a:p>
-            <a:pPr indent="0" lvl="0" marL="0" rtl="0" algn="l">
+            <a:pPr marL="0" lvl="0" indent="0" algn="l" rtl="0">
               <a:spcBef>
                 <a:spcPts val="0"/>
               </a:spcBef>
@@ -8353,11 +8549,11 @@
 </file>
 
 <file path=ppt/slides/slide12.xml><?xml version="1.0" encoding="utf-8"?>
-<p:sld xmlns:a="http://schemas.openxmlformats.org/drawingml/2006/main" xmlns:r="http://schemas.openxmlformats.org/officeDocument/2006/relationships" xmlns:mc="http://schemas.openxmlformats.org/markup-compatibility/2006" xmlns:mv="urn:schemas-microsoft-com:mac:vml" xmlns:p="http://schemas.openxmlformats.org/presentationml/2006/main" xmlns:c="http://schemas.openxmlformats.org/drawingml/2006/chart" xmlns:dgm="http://schemas.openxmlformats.org/drawingml/2006/diagram" xmlns:o="urn:schemas-microsoft-com:office:office" xmlns:v="urn:schemas-microsoft-com:vml" xmlns:pvml="urn:schemas-microsoft-com:office:powerpoint" xmlns:com="http://schemas.openxmlformats.org/drawingml/2006/compatibility" xmlns:p14="http://schemas.microsoft.com/office/powerpoint/2010/main" xmlns:p15="http://schemas.microsoft.com/office/powerpoint/2012/main" xmlns:ahyp="http://schemas.microsoft.com/office/drawing/2018/hyperlinkcolor">
+<p:sld xmlns:a="http://schemas.openxmlformats.org/drawingml/2006/main" xmlns:r="http://schemas.openxmlformats.org/officeDocument/2006/relationships" xmlns:p="http://schemas.openxmlformats.org/presentationml/2006/main">
   <p:cSld>
     <p:spTree>
       <p:nvGrpSpPr>
-        <p:cNvPr id="161" name="Shape 161"/>
+        <p:cNvPr id="1" name="Shape 161"/>
         <p:cNvGrpSpPr/>
         <p:nvPr/>
       </p:nvGrpSpPr>
@@ -8372,7 +8568,9 @@
       <p:sp>
         <p:nvSpPr>
           <p:cNvPr id="162" name="Google Shape;162;p25"/>
-          <p:cNvSpPr txBox="1"/>
+          <p:cNvSpPr txBox="1">
+            <a:spLocks noGrp="1"/>
+          </p:cNvSpPr>
           <p:nvPr>
             <p:ph type="title"/>
           </p:nvPr>
@@ -8387,12 +8585,12 @@
           </a:prstGeom>
         </p:spPr>
         <p:txBody>
-          <a:bodyPr anchorCtr="0" anchor="t" bIns="91425" lIns="91425" spcFirstLastPara="1" rIns="91425" wrap="square" tIns="91425">
+          <a:bodyPr spcFirstLastPara="1" wrap="square" lIns="91425" tIns="91425" rIns="91425" bIns="91425" anchor="t" anchorCtr="0">
             <a:noAutofit/>
           </a:bodyPr>
           <a:lstStyle/>
           <a:p>
-            <a:pPr indent="0" lvl="0" marL="0" rtl="0" algn="l">
+            <a:pPr marL="0" lvl="0" indent="0" algn="l" rtl="0">
               <a:lnSpc>
                 <a:spcPct val="115000"/>
               </a:lnSpc>
@@ -8421,11 +8619,11 @@
 </file>
 
 <file path=ppt/slides/slide13.xml><?xml version="1.0" encoding="utf-8"?>
-<p:sld xmlns:a="http://schemas.openxmlformats.org/drawingml/2006/main" xmlns:r="http://schemas.openxmlformats.org/officeDocument/2006/relationships" xmlns:mc="http://schemas.openxmlformats.org/markup-compatibility/2006" xmlns:mv="urn:schemas-microsoft-com:mac:vml" xmlns:p="http://schemas.openxmlformats.org/presentationml/2006/main" xmlns:c="http://schemas.openxmlformats.org/drawingml/2006/chart" xmlns:dgm="http://schemas.openxmlformats.org/drawingml/2006/diagram" xmlns:o="urn:schemas-microsoft-com:office:office" xmlns:v="urn:schemas-microsoft-com:vml" xmlns:pvml="urn:schemas-microsoft-com:office:powerpoint" xmlns:com="http://schemas.openxmlformats.org/drawingml/2006/compatibility" xmlns:p14="http://schemas.microsoft.com/office/powerpoint/2010/main" xmlns:p15="http://schemas.microsoft.com/office/powerpoint/2012/main" xmlns:ahyp="http://schemas.microsoft.com/office/drawing/2018/hyperlinkcolor">
+<p:sld xmlns:a="http://schemas.openxmlformats.org/drawingml/2006/main" xmlns:r="http://schemas.openxmlformats.org/officeDocument/2006/relationships" xmlns:p="http://schemas.openxmlformats.org/presentationml/2006/main">
   <p:cSld>
     <p:spTree>
       <p:nvGrpSpPr>
-        <p:cNvPr id="166" name="Shape 166"/>
+        <p:cNvPr id="1" name="Shape 166"/>
         <p:cNvGrpSpPr/>
         <p:nvPr/>
       </p:nvGrpSpPr>
@@ -8440,7 +8638,9 @@
       <p:sp>
         <p:nvSpPr>
           <p:cNvPr id="167" name="Google Shape;167;p26"/>
-          <p:cNvSpPr txBox="1"/>
+          <p:cNvSpPr txBox="1">
+            <a:spLocks noGrp="1"/>
+          </p:cNvSpPr>
           <p:nvPr>
             <p:ph type="title"/>
           </p:nvPr>
@@ -8455,12 +8655,12 @@
           </a:prstGeom>
         </p:spPr>
         <p:txBody>
-          <a:bodyPr anchorCtr="0" anchor="t" bIns="91425" lIns="91425" spcFirstLastPara="1" rIns="91425" wrap="square" tIns="91425">
+          <a:bodyPr spcFirstLastPara="1" wrap="square" lIns="91425" tIns="91425" rIns="91425" bIns="91425" anchor="t" anchorCtr="0">
             <a:noAutofit/>
           </a:bodyPr>
           <a:lstStyle/>
           <a:p>
-            <a:pPr indent="0" lvl="0" marL="0" rtl="0" algn="l">
+            <a:pPr marL="0" lvl="0" indent="0" algn="l" rtl="0">
               <a:lnSpc>
                 <a:spcPct val="115000"/>
               </a:lnSpc>
@@ -8489,11 +8689,11 @@
 </file>
 
 <file path=ppt/slides/slide14.xml><?xml version="1.0" encoding="utf-8"?>
-<p:sld xmlns:a="http://schemas.openxmlformats.org/drawingml/2006/main" xmlns:r="http://schemas.openxmlformats.org/officeDocument/2006/relationships" xmlns:mc="http://schemas.openxmlformats.org/markup-compatibility/2006" xmlns:mv="urn:schemas-microsoft-com:mac:vml" xmlns:p="http://schemas.openxmlformats.org/presentationml/2006/main" xmlns:c="http://schemas.openxmlformats.org/drawingml/2006/chart" xmlns:dgm="http://schemas.openxmlformats.org/drawingml/2006/diagram" xmlns:o="urn:schemas-microsoft-com:office:office" xmlns:v="urn:schemas-microsoft-com:vml" xmlns:pvml="urn:schemas-microsoft-com:office:powerpoint" xmlns:com="http://schemas.openxmlformats.org/drawingml/2006/compatibility" xmlns:p14="http://schemas.microsoft.com/office/powerpoint/2010/main" xmlns:p15="http://schemas.microsoft.com/office/powerpoint/2012/main" xmlns:ahyp="http://schemas.microsoft.com/office/drawing/2018/hyperlinkcolor">
+<p:sld xmlns:a="http://schemas.openxmlformats.org/drawingml/2006/main" xmlns:r="http://schemas.openxmlformats.org/officeDocument/2006/relationships" xmlns:p="http://schemas.openxmlformats.org/presentationml/2006/main">
   <p:cSld>
     <p:spTree>
       <p:nvGrpSpPr>
-        <p:cNvPr id="171" name="Shape 171"/>
+        <p:cNvPr id="1" name="Shape 171"/>
         <p:cNvGrpSpPr/>
         <p:nvPr/>
       </p:nvGrpSpPr>
@@ -8508,7 +8708,9 @@
       <p:sp>
         <p:nvSpPr>
           <p:cNvPr id="172" name="Google Shape;172;p27"/>
-          <p:cNvSpPr txBox="1"/>
+          <p:cNvSpPr txBox="1">
+            <a:spLocks noGrp="1"/>
+          </p:cNvSpPr>
           <p:nvPr>
             <p:ph type="title"/>
           </p:nvPr>
@@ -8523,12 +8725,12 @@
           </a:prstGeom>
         </p:spPr>
         <p:txBody>
-          <a:bodyPr anchorCtr="0" anchor="t" bIns="91425" lIns="91425" spcFirstLastPara="1" rIns="91425" wrap="square" tIns="91425">
+          <a:bodyPr spcFirstLastPara="1" wrap="square" lIns="91425" tIns="91425" rIns="91425" bIns="91425" anchor="t" anchorCtr="0">
             <a:noAutofit/>
           </a:bodyPr>
           <a:lstStyle/>
           <a:p>
-            <a:pPr indent="0" lvl="0" marL="0" rtl="0" algn="l">
+            <a:pPr marL="0" lvl="0" indent="0" algn="l" rtl="0">
               <a:spcBef>
                 <a:spcPts val="0"/>
               </a:spcBef>
@@ -8554,11 +8756,11 @@
 </file>
 
 <file path=ppt/slides/slide15.xml><?xml version="1.0" encoding="utf-8"?>
-<p:sld xmlns:a="http://schemas.openxmlformats.org/drawingml/2006/main" xmlns:r="http://schemas.openxmlformats.org/officeDocument/2006/relationships" xmlns:mc="http://schemas.openxmlformats.org/markup-compatibility/2006" xmlns:mv="urn:schemas-microsoft-com:mac:vml" xmlns:p="http://schemas.openxmlformats.org/presentationml/2006/main" xmlns:c="http://schemas.openxmlformats.org/drawingml/2006/chart" xmlns:dgm="http://schemas.openxmlformats.org/drawingml/2006/diagram" xmlns:o="urn:schemas-microsoft-com:office:office" xmlns:v="urn:schemas-microsoft-com:vml" xmlns:pvml="urn:schemas-microsoft-com:office:powerpoint" xmlns:com="http://schemas.openxmlformats.org/drawingml/2006/compatibility" xmlns:p14="http://schemas.microsoft.com/office/powerpoint/2010/main" xmlns:p15="http://schemas.microsoft.com/office/powerpoint/2012/main" xmlns:ahyp="http://schemas.microsoft.com/office/drawing/2018/hyperlinkcolor">
+<p:sld xmlns:a="http://schemas.openxmlformats.org/drawingml/2006/main" xmlns:r="http://schemas.openxmlformats.org/officeDocument/2006/relationships" xmlns:p="http://schemas.openxmlformats.org/presentationml/2006/main">
   <p:cSld>
     <p:spTree>
       <p:nvGrpSpPr>
-        <p:cNvPr id="176" name="Shape 176"/>
+        <p:cNvPr id="1" name="Shape 176"/>
         <p:cNvGrpSpPr/>
         <p:nvPr/>
       </p:nvGrpSpPr>
@@ -8573,7 +8775,9 @@
       <p:sp>
         <p:nvSpPr>
           <p:cNvPr id="177" name="Google Shape;177;p28"/>
-          <p:cNvSpPr txBox="1"/>
+          <p:cNvSpPr txBox="1">
+            <a:spLocks noGrp="1"/>
+          </p:cNvSpPr>
           <p:nvPr>
             <p:ph type="title"/>
           </p:nvPr>
@@ -8588,12 +8792,12 @@
           </a:prstGeom>
         </p:spPr>
         <p:txBody>
-          <a:bodyPr anchorCtr="0" anchor="t" bIns="91425" lIns="91425" spcFirstLastPara="1" rIns="91425" wrap="square" tIns="91425">
+          <a:bodyPr spcFirstLastPara="1" wrap="square" lIns="91425" tIns="91425" rIns="91425" bIns="91425" anchor="t" anchorCtr="0">
             <a:noAutofit/>
           </a:bodyPr>
           <a:lstStyle/>
           <a:p>
-            <a:pPr indent="0" lvl="0" marL="0" rtl="0" algn="l">
+            <a:pPr marL="0" lvl="0" indent="0" algn="l" rtl="0">
               <a:spcBef>
                 <a:spcPts val="0"/>
               </a:spcBef>
@@ -8619,11 +8823,11 @@
 </file>
 
 <file path=ppt/slides/slide2.xml><?xml version="1.0" encoding="utf-8"?>
-<p:sld xmlns:a="http://schemas.openxmlformats.org/drawingml/2006/main" xmlns:r="http://schemas.openxmlformats.org/officeDocument/2006/relationships" xmlns:mc="http://schemas.openxmlformats.org/markup-compatibility/2006" xmlns:mv="urn:schemas-microsoft-com:mac:vml" xmlns:p="http://schemas.openxmlformats.org/presentationml/2006/main" xmlns:c="http://schemas.openxmlformats.org/drawingml/2006/chart" xmlns:dgm="http://schemas.openxmlformats.org/drawingml/2006/diagram" xmlns:o="urn:schemas-microsoft-com:office:office" xmlns:v="urn:schemas-microsoft-com:vml" xmlns:pvml="urn:schemas-microsoft-com:office:powerpoint" xmlns:com="http://schemas.openxmlformats.org/drawingml/2006/compatibility" xmlns:p14="http://schemas.microsoft.com/office/powerpoint/2010/main" xmlns:p15="http://schemas.microsoft.com/office/powerpoint/2012/main" xmlns:ahyp="http://schemas.microsoft.com/office/drawing/2018/hyperlinkcolor">
+<p:sld xmlns:a="http://schemas.openxmlformats.org/drawingml/2006/main" xmlns:r="http://schemas.openxmlformats.org/officeDocument/2006/relationships" xmlns:p="http://schemas.openxmlformats.org/presentationml/2006/main">
   <p:cSld>
     <p:spTree>
       <p:nvGrpSpPr>
-        <p:cNvPr id="80" name="Shape 80"/>
+        <p:cNvPr id="1" name="Shape 80"/>
         <p:cNvGrpSpPr/>
         <p:nvPr/>
       </p:nvGrpSpPr>
@@ -8638,7 +8842,9 @@
       <p:sp>
         <p:nvSpPr>
           <p:cNvPr id="81" name="Google Shape;81;p15"/>
-          <p:cNvSpPr txBox="1"/>
+          <p:cNvSpPr txBox="1">
+            <a:spLocks noGrp="1"/>
+          </p:cNvSpPr>
           <p:nvPr>
             <p:ph type="title"/>
           </p:nvPr>
@@ -8653,12 +8859,12 @@
           </a:prstGeom>
         </p:spPr>
         <p:txBody>
-          <a:bodyPr anchorCtr="0" anchor="t" bIns="91425" lIns="91425" spcFirstLastPara="1" rIns="91425" wrap="square" tIns="91425">
+          <a:bodyPr spcFirstLastPara="1" wrap="square" lIns="91425" tIns="91425" rIns="91425" bIns="91425" anchor="t" anchorCtr="0">
             <a:noAutofit/>
           </a:bodyPr>
           <a:lstStyle/>
           <a:p>
-            <a:pPr indent="0" lvl="0" marL="0" rtl="0" algn="l">
+            <a:pPr marL="0" lvl="0" indent="0" algn="l" rtl="0">
               <a:spcBef>
                 <a:spcPts val="0"/>
               </a:spcBef>
@@ -8678,9 +8884,11 @@
       <p:sp>
         <p:nvSpPr>
           <p:cNvPr id="82" name="Google Shape;82;p15"/>
-          <p:cNvSpPr txBox="1"/>
+          <p:cNvSpPr txBox="1">
+            <a:spLocks noGrp="1"/>
+          </p:cNvSpPr>
           <p:nvPr>
-            <p:ph idx="1" type="body"/>
+            <p:ph type="body" idx="1"/>
           </p:nvPr>
         </p:nvSpPr>
         <p:spPr>
@@ -8693,12 +8901,12 @@
           </a:prstGeom>
         </p:spPr>
         <p:txBody>
-          <a:bodyPr anchorCtr="0" anchor="t" bIns="91425" lIns="91425" spcFirstLastPara="1" rIns="91425" wrap="square" tIns="91425">
+          <a:bodyPr spcFirstLastPara="1" wrap="square" lIns="91425" tIns="91425" rIns="91425" bIns="91425" anchor="t" anchorCtr="0">
             <a:noAutofit/>
           </a:bodyPr>
           <a:lstStyle/>
           <a:p>
-            <a:pPr indent="-330200" lvl="0" marL="457200" rtl="0" algn="l">
+            <a:pPr marL="457200" lvl="0" indent="-330200" algn="l" rtl="0">
               <a:spcBef>
                 <a:spcPts val="0"/>
               </a:spcBef>
@@ -8709,13 +8917,13 @@
               <a:buChar char="●"/>
             </a:pPr>
             <a:r>
-              <a:rPr b="1" lang="en"/>
+              <a:rPr lang="en" b="1"/>
               <a:t>Project Updates</a:t>
             </a:r>
             <a:endParaRPr b="1"/>
           </a:p>
           <a:p>
-            <a:pPr indent="-330200" lvl="0" marL="457200" rtl="0" algn="l">
+            <a:pPr marL="457200" lvl="0" indent="-330200" algn="l" rtl="0">
               <a:spcBef>
                 <a:spcPts val="0"/>
               </a:spcBef>
@@ -8726,13 +8934,13 @@
               <a:buChar char="●"/>
             </a:pPr>
             <a:r>
-              <a:rPr b="1" lang="en"/>
+              <a:rPr lang="en" b="1"/>
               <a:t>Overview</a:t>
             </a:r>
             <a:endParaRPr b="1"/>
           </a:p>
           <a:p>
-            <a:pPr indent="-330200" lvl="0" marL="457200" rtl="0" algn="l">
+            <a:pPr marL="457200" lvl="0" indent="-330200" algn="l" rtl="0">
               <a:spcBef>
                 <a:spcPts val="0"/>
               </a:spcBef>
@@ -8743,13 +8951,13 @@
               <a:buChar char="●"/>
             </a:pPr>
             <a:r>
-              <a:rPr b="1" lang="en"/>
+              <a:rPr lang="en" b="1"/>
               <a:t>Demo with latest features</a:t>
             </a:r>
             <a:endParaRPr b="1"/>
           </a:p>
           <a:p>
-            <a:pPr indent="-330200" lvl="0" marL="457200" rtl="0" algn="l">
+            <a:pPr marL="457200" lvl="0" indent="-330200" algn="l" rtl="0">
               <a:spcBef>
                 <a:spcPts val="0"/>
               </a:spcBef>
@@ -8760,13 +8968,13 @@
               <a:buChar char="●"/>
             </a:pPr>
             <a:r>
-              <a:rPr b="1" lang="en"/>
+              <a:rPr lang="en" b="1"/>
               <a:t>Last two releases overview</a:t>
             </a:r>
             <a:endParaRPr b="1"/>
           </a:p>
           <a:p>
-            <a:pPr indent="-330200" lvl="0" marL="457200" rtl="0" algn="l">
+            <a:pPr marL="457200" lvl="0" indent="-330200" algn="l" rtl="0">
               <a:spcBef>
                 <a:spcPts val="0"/>
               </a:spcBef>
@@ -8777,13 +8985,13 @@
               <a:buChar char="●"/>
             </a:pPr>
             <a:r>
-              <a:rPr b="1" lang="en"/>
+              <a:rPr lang="en" b="1"/>
               <a:t>Backlog in JIRA</a:t>
             </a:r>
             <a:endParaRPr b="1"/>
           </a:p>
           <a:p>
-            <a:pPr indent="-330200" lvl="0" marL="457200" rtl="0" algn="l">
+            <a:pPr marL="457200" lvl="0" indent="-330200" algn="l" rtl="0">
               <a:spcBef>
                 <a:spcPts val="0"/>
               </a:spcBef>
@@ -8794,7 +9002,7 @@
               <a:buChar char="●"/>
             </a:pPr>
             <a:r>
-              <a:rPr b="1" lang="en"/>
+              <a:rPr lang="en" b="1"/>
               <a:t>Q&amp;A</a:t>
             </a:r>
             <a:endParaRPr b="1"/>
@@ -8810,11 +9018,11 @@
 </file>
 
 <file path=ppt/slides/slide3.xml><?xml version="1.0" encoding="utf-8"?>
-<p:sld xmlns:a="http://schemas.openxmlformats.org/drawingml/2006/main" xmlns:r="http://schemas.openxmlformats.org/officeDocument/2006/relationships" xmlns:mc="http://schemas.openxmlformats.org/markup-compatibility/2006" xmlns:mv="urn:schemas-microsoft-com:mac:vml" xmlns:p="http://schemas.openxmlformats.org/presentationml/2006/main" xmlns:c="http://schemas.openxmlformats.org/drawingml/2006/chart" xmlns:dgm="http://schemas.openxmlformats.org/drawingml/2006/diagram" xmlns:o="urn:schemas-microsoft-com:office:office" xmlns:v="urn:schemas-microsoft-com:vml" xmlns:pvml="urn:schemas-microsoft-com:office:powerpoint" xmlns:com="http://schemas.openxmlformats.org/drawingml/2006/compatibility" xmlns:p14="http://schemas.microsoft.com/office/powerpoint/2010/main" xmlns:p15="http://schemas.microsoft.com/office/powerpoint/2012/main" xmlns:ahyp="http://schemas.microsoft.com/office/drawing/2018/hyperlinkcolor">
+<p:sld xmlns:a="http://schemas.openxmlformats.org/drawingml/2006/main" xmlns:r="http://schemas.openxmlformats.org/officeDocument/2006/relationships" xmlns:p="http://schemas.openxmlformats.org/presentationml/2006/main">
   <p:cSld>
     <p:spTree>
       <p:nvGrpSpPr>
-        <p:cNvPr id="86" name="Shape 86"/>
+        <p:cNvPr id="1" name="Shape 86"/>
         <p:cNvGrpSpPr/>
         <p:nvPr/>
       </p:nvGrpSpPr>
@@ -8829,7 +9037,9 @@
       <p:sp>
         <p:nvSpPr>
           <p:cNvPr id="87" name="Google Shape;87;p16"/>
-          <p:cNvSpPr txBox="1"/>
+          <p:cNvSpPr txBox="1">
+            <a:spLocks noGrp="1"/>
+          </p:cNvSpPr>
           <p:nvPr>
             <p:ph type="title"/>
           </p:nvPr>
@@ -8844,12 +9054,12 @@
           </a:prstGeom>
         </p:spPr>
         <p:txBody>
-          <a:bodyPr anchorCtr="0" anchor="t" bIns="91425" lIns="91425" spcFirstLastPara="1" rIns="91425" wrap="square" tIns="91425">
+          <a:bodyPr spcFirstLastPara="1" wrap="square" lIns="91425" tIns="91425" rIns="91425" bIns="91425" anchor="t" anchorCtr="0">
             <a:noAutofit/>
           </a:bodyPr>
           <a:lstStyle/>
           <a:p>
-            <a:pPr indent="0" lvl="0" marL="0" rtl="0" algn="l">
+            <a:pPr marL="0" lvl="0" indent="0" algn="l" rtl="0">
               <a:spcBef>
                 <a:spcPts val="0"/>
               </a:spcBef>
@@ -8869,9 +9079,11 @@
       <p:sp>
         <p:nvSpPr>
           <p:cNvPr id="88" name="Google Shape;88;p16"/>
-          <p:cNvSpPr txBox="1"/>
+          <p:cNvSpPr txBox="1">
+            <a:spLocks noGrp="1"/>
+          </p:cNvSpPr>
           <p:nvPr>
-            <p:ph idx="1" type="body"/>
+            <p:ph type="body" idx="1"/>
           </p:nvPr>
         </p:nvSpPr>
         <p:spPr>
@@ -8884,229 +9096,250 @@
           </a:prstGeom>
         </p:spPr>
         <p:txBody>
-          <a:bodyPr anchorCtr="0" anchor="t" bIns="91425" lIns="91425" spcFirstLastPara="1" rIns="91425" wrap="square" tIns="91425">
+          <a:bodyPr spcFirstLastPara="1" wrap="square" lIns="91425" tIns="91425" rIns="91425" bIns="91425" anchor="t" anchorCtr="0">
             <a:noAutofit/>
           </a:bodyPr>
           <a:lstStyle/>
           <a:p>
-            <a:pPr indent="-330200" lvl="0" marL="457200" rtl="0" algn="l">
-              <a:spcBef>
-                <a:spcPts val="0"/>
-              </a:spcBef>
-              <a:spcAft>
-                <a:spcPts val="0"/>
-              </a:spcAft>
-              <a:buSzPts val="1600"/>
-              <a:buChar char="●"/>
-            </a:pPr>
+            <a:pPr marL="412750" indent="-285750"/>
             <a:r>
-              <a:rPr b="1" lang="en"/>
-              <a:t>Project Management updates</a:t>
+              <a:rPr lang="en" b="1"/>
+              <a:t>Last Two Sprint Updates</a:t>
             </a:r>
-            <a:endParaRPr b="1"/>
-          </a:p>
-          <a:p>
-            <a:pPr indent="-317500" lvl="1" marL="914400" rtl="0" algn="l">
-              <a:spcBef>
-                <a:spcPts val="0"/>
-              </a:spcBef>
-              <a:spcAft>
-                <a:spcPts val="0"/>
-              </a:spcAft>
-              <a:buSzPts val="1400"/>
-              <a:buChar char="○"/>
+          </a:p>
+          <a:p>
+            <a:pPr lvl="1">
+              <a:spcBef>
+                <a:spcPts val="0"/>
+              </a:spcBef>
             </a:pPr>
             <a:r>
               <a:rPr lang="en"/>
-              <a:t>Github issues to JIRA migration  - </a:t>
+              <a:t>Save marks performance changes </a:t>
             </a:r>
             <a:r>
-              <a:rPr b="1" lang="en"/>
-              <a:t>In Progress</a:t>
+              <a:rPr lang="en">
+                <a:hlinkClick r:id="rId3"/>
+              </a:rPr>
+              <a:t>JIRA ID SS-164</a:t>
             </a:r>
-            <a:endParaRPr b="1"/>
-          </a:p>
-          <a:p>
-            <a:pPr indent="-317500" lvl="1" marL="914400" rtl="0" algn="l">
-              <a:spcBef>
-                <a:spcPts val="0"/>
-              </a:spcBef>
-              <a:spcAft>
-                <a:spcPts val="0"/>
-              </a:spcAft>
-              <a:buSzPts val="1400"/>
-              <a:buChar char="○"/>
+          </a:p>
+          <a:p>
+            <a:pPr lvl="1">
+              <a:lnSpc>
+                <a:spcPct val="114999"/>
+              </a:lnSpc>
+              <a:spcBef>
+                <a:spcPts val="0"/>
+              </a:spcBef>
             </a:pPr>
             <a:r>
               <a:rPr lang="en"/>
-              <a:t>3 weeks sprints starting from 26th December</a:t>
+              <a:t>Sonar scans quality gate (Backend and frontend) and code refactoring: </a:t>
             </a:r>
-            <a:endParaRPr/>
-          </a:p>
-          <a:p>
-            <a:pPr indent="-330200" lvl="0" marL="457200" rtl="0" algn="l">
-              <a:spcBef>
-                <a:spcPts val="0"/>
-              </a:spcBef>
-              <a:spcAft>
-                <a:spcPts val="0"/>
-              </a:spcAft>
-              <a:buSzPts val="1600"/>
-              <a:buChar char="●"/>
+            <a:r>
+              <a:rPr lang="en">
+                <a:hlinkClick r:id="rId4"/>
+              </a:rPr>
+              <a:t>JIRA ID SS- 46</a:t>
+            </a:r>
+          </a:p>
+          <a:p>
+            <a:pPr lvl="1">
+              <a:spcBef>
+                <a:spcPts val="0"/>
+              </a:spcBef>
             </a:pPr>
             <a:r>
-              <a:rPr b="1" lang="en"/>
-              <a:t>Release updates</a:t>
+              <a:rPr lang="en"/>
+              <a:t>New layout configuration for 105 questions</a:t>
             </a:r>
-            <a:endParaRPr b="1"/>
-          </a:p>
-          <a:p>
-            <a:pPr indent="-317500" lvl="1" marL="914400" rtl="0" algn="l">
-              <a:spcBef>
-                <a:spcPts val="0"/>
-              </a:spcBef>
-              <a:spcAft>
-                <a:spcPts val="0"/>
-              </a:spcAft>
-              <a:buSzPts val="1400"/>
-              <a:buChar char="○"/>
+            <a:r>
+              <a:rPr lang="en">
+                <a:hlinkClick r:id="rId5"/>
+              </a:rPr>
+              <a:t>JIRA ID SS-94</a:t>
+            </a:r>
+          </a:p>
+          <a:p>
+            <a:pPr lvl="1">
+              <a:spcBef>
+                <a:spcPts val="0"/>
+              </a:spcBef>
             </a:pPr>
             <a:r>
-              <a:rPr b="1" lang="en"/>
-              <a:t>V1.5.7</a:t>
+              <a:rPr lang="en"/>
+              <a:t>Fixed save count issue for multi users</a:t>
+            </a:r>
+            <a:r>
+              <a:rPr lang="en">
+                <a:hlinkClick r:id="rId6"/>
+              </a:rPr>
+              <a:t>JIRA ID SS-140</a:t>
+            </a:r>
+          </a:p>
+          <a:p>
+            <a:pPr lvl="1">
+              <a:lnSpc>
+                <a:spcPct val="114999"/>
+              </a:lnSpc>
+              <a:spcBef>
+                <a:spcPts val="0"/>
+              </a:spcBef>
+            </a:pPr>
+            <a:r>
+              <a:rPr lang="en"/>
+              <a:t>Backend code coverage integrated with CICD </a:t>
+            </a:r>
+            <a:r>
+              <a:rPr lang="en">
+                <a:hlinkClick r:id="rId7"/>
+              </a:rPr>
+              <a:t>JIRA ID SS-99</a:t>
+            </a:r>
+            <a:endParaRPr lang="en"/>
+          </a:p>
+          <a:p>
+            <a:pPr lvl="1">
+              <a:lnSpc>
+                <a:spcPct val="114999"/>
+              </a:lnSpc>
+              <a:spcBef>
+                <a:spcPts val="0"/>
+              </a:spcBef>
+            </a:pPr>
+            <a:r>
+              <a:rPr lang="en"/>
+              <a:t>Handwritten digit AI model improvement   </a:t>
+            </a:r>
+            <a:r>
+              <a:rPr lang="en">
+                <a:hlinkClick r:id="rId8"/>
+              </a:rPr>
+              <a:t>JIRA ID SS- 13</a:t>
+            </a:r>
+          </a:p>
+          <a:p>
+            <a:pPr lvl="1">
+              <a:lnSpc>
+                <a:spcPct val="114999"/>
+              </a:lnSpc>
+              <a:spcBef>
+                <a:spcPts val="0"/>
+              </a:spcBef>
+            </a:pPr>
+            <a:endParaRPr lang="en"/>
+          </a:p>
+          <a:p>
+            <a:pPr marL="596900" lvl="1" indent="0">
+              <a:lnSpc>
+                <a:spcPct val="114999"/>
+              </a:lnSpc>
+              <a:spcBef>
+                <a:spcPts val="0"/>
+              </a:spcBef>
+              <a:buNone/>
+            </a:pPr>
+            <a:r>
+              <a:rPr lang="en" b="1" u="sng"/>
+              <a:t>Work in progress items</a:t>
+            </a:r>
+            <a:endParaRPr lang="en" u="sng"/>
+          </a:p>
+          <a:p>
+            <a:pPr lvl="1">
+              <a:lnSpc>
+                <a:spcPct val="114999"/>
+              </a:lnSpc>
+              <a:spcBef>
+                <a:spcPts val="0"/>
+              </a:spcBef>
+            </a:pPr>
+            <a:r>
+              <a:rPr lang="en"/>
+              <a:t>Telemetry for app usage analysis. </a:t>
+            </a:r>
+            <a:r>
+              <a:rPr lang="en">
+                <a:hlinkClick r:id="rId9"/>
+              </a:rPr>
+              <a:t>JIRA ID SS-126</a:t>
             </a:r>
             <a:r>
               <a:rPr lang="en"/>
-              <a:t> is ready for release with features like Review , Force update, locking , offline mode optimizations.</a:t>
+              <a:t>                </a:t>
             </a:r>
-            <a:endParaRPr/>
-          </a:p>
-          <a:p>
-            <a:pPr indent="-330200" lvl="0" marL="457200" rtl="0" algn="l">
-              <a:spcBef>
-                <a:spcPts val="0"/>
-              </a:spcBef>
-              <a:spcAft>
-                <a:spcPts val="0"/>
-              </a:spcAft>
-              <a:buSzPts val="1600"/>
-              <a:buChar char="●"/>
-            </a:pPr>
-            <a:r>
-              <a:rPr b="1" lang="en"/>
-              <a:t>Implementation support updates</a:t>
-            </a:r>
-            <a:endParaRPr b="1"/>
-          </a:p>
-          <a:p>
-            <a:pPr indent="-317500" lvl="1" marL="914400" rtl="0" algn="l">
-              <a:spcBef>
-                <a:spcPts val="0"/>
-              </a:spcBef>
-              <a:spcAft>
-                <a:spcPts val="0"/>
-              </a:spcAft>
-              <a:buSzPts val="1400"/>
-              <a:buChar char="○"/>
+          </a:p>
+          <a:p>
+            <a:pPr lvl="1">
+              <a:lnSpc>
+                <a:spcPct val="114999"/>
+              </a:lnSpc>
+              <a:spcBef>
+                <a:spcPts val="0"/>
+              </a:spcBef>
             </a:pPr>
             <a:r>
               <a:rPr lang="en"/>
-              <a:t>Saral v1.5.6 release has be used for </a:t>
+              <a:t>Backend performance tuning: </a:t>
+            </a:r>
+            <a:r>
+              <a:rPr lang="en">
+                <a:hlinkClick r:id="rId10"/>
+              </a:rPr>
+              <a:t>JIRA ID SS-7</a:t>
+            </a:r>
+          </a:p>
+          <a:p>
+            <a:pPr lvl="1">
+              <a:lnSpc>
+                <a:spcPct val="114999"/>
+              </a:lnSpc>
+              <a:spcBef>
+                <a:spcPts val="0"/>
+              </a:spcBef>
+            </a:pPr>
+            <a:r>
+              <a:rPr lang="en"/>
+              <a:t>Load scripting and testing </a:t>
+            </a:r>
+          </a:p>
+          <a:p>
+            <a:pPr lvl="1">
+              <a:lnSpc>
+                <a:spcPct val="114999"/>
+              </a:lnSpc>
+              <a:spcBef>
+                <a:spcPts val="0"/>
+              </a:spcBef>
+            </a:pPr>
+            <a:r>
+              <a:rPr lang="en" err="1"/>
+              <a:t>TFLite</a:t>
             </a:r>
             <a:r>
               <a:rPr lang="en"/>
-              <a:t>assessments</a:t>
+              <a:t> model download from firebase: </a:t>
             </a:r>
             <a:r>
-              <a:rPr lang="en"/>
-              <a:t> in multiple Uttar Pradesh (u.p) districts.</a:t>
+              <a:rPr lang="en">
+                <a:hlinkClick r:id="rId11"/>
+              </a:rPr>
+              <a:t>JIRA ID SS-95</a:t>
             </a:r>
-            <a:endParaRPr/>
-          </a:p>
-          <a:p>
-            <a:pPr indent="-317500" lvl="1" marL="914400" rtl="0" algn="l">
-              <a:spcBef>
-                <a:spcPts val="0"/>
-              </a:spcBef>
-              <a:spcAft>
-                <a:spcPts val="0"/>
-              </a:spcAft>
-              <a:buSzPts val="1400"/>
-              <a:buChar char="○"/>
+          </a:p>
+          <a:p>
+            <a:pPr marL="127000" lvl="0" indent="0" algn="l" rtl="0">
+              <a:spcBef>
+                <a:spcPts val="0"/>
+              </a:spcBef>
+              <a:spcAft>
+                <a:spcPts val="0"/>
+              </a:spcAft>
+              <a:buSzPts val="1600"/>
+              <a:buNone/>
             </a:pPr>
-            <a:r>
-              <a:rPr lang="en"/>
-              <a:t>Performance tuning exercise with Uttar Pradesh (u.p)  tech partner - technosys was fruitful.</a:t>
-            </a:r>
-            <a:endParaRPr/>
-          </a:p>
-          <a:p>
-            <a:pPr indent="-317500" lvl="1" marL="914400" rtl="0" algn="l">
-              <a:spcBef>
-                <a:spcPts val="0"/>
-              </a:spcBef>
-              <a:spcAft>
-                <a:spcPts val="0"/>
-              </a:spcAft>
-              <a:buSzPts val="1400"/>
-              <a:buChar char="○"/>
-            </a:pPr>
-            <a:r>
-              <a:rPr lang="en"/>
-              <a:t>Many key features in the pipeline helped u.p. Implementation right on time.</a:t>
-            </a:r>
-            <a:endParaRPr/>
-          </a:p>
-          <a:p>
-            <a:pPr indent="-317500" lvl="2" marL="1371600" rtl="0" algn="l">
-              <a:spcBef>
-                <a:spcPts val="0"/>
-              </a:spcBef>
-              <a:spcAft>
-                <a:spcPts val="0"/>
-              </a:spcAft>
-              <a:buSzPts val="1400"/>
-              <a:buChar char="■"/>
-            </a:pPr>
-            <a:r>
-              <a:rPr lang="en"/>
-              <a:t>Offline support</a:t>
-            </a:r>
-            <a:endParaRPr/>
-          </a:p>
-          <a:p>
-            <a:pPr indent="-317500" lvl="2" marL="1371600" rtl="0" algn="l">
-              <a:spcBef>
-                <a:spcPts val="0"/>
-              </a:spcBef>
-              <a:spcAft>
-                <a:spcPts val="0"/>
-              </a:spcAft>
-              <a:buSzPts val="1400"/>
-              <a:buChar char="■"/>
-            </a:pPr>
-            <a:r>
-              <a:rPr lang="en"/>
-              <a:t>Exam Set</a:t>
-            </a:r>
-            <a:endParaRPr/>
-          </a:p>
-          <a:p>
-            <a:pPr indent="-317500" lvl="2" marL="1371600" rtl="0" algn="l">
-              <a:spcBef>
-                <a:spcPts val="0"/>
-              </a:spcBef>
-              <a:spcAft>
-                <a:spcPts val="0"/>
-              </a:spcAft>
-              <a:buSzPts val="1400"/>
-              <a:buChar char="■"/>
-            </a:pPr>
-            <a:r>
-              <a:rPr lang="en"/>
-              <a:t>Pencil, color pen filled OMR detection (experimental feature)</a:t>
-            </a:r>
-            <a:endParaRPr/>
+            <a:endParaRPr lang="en" b="1"/>
           </a:p>
         </p:txBody>
       </p:sp>
@@ -9119,11 +9352,11 @@
 </file>
 
 <file path=ppt/slides/slide4.xml><?xml version="1.0" encoding="utf-8"?>
-<p:sld xmlns:a="http://schemas.openxmlformats.org/drawingml/2006/main" xmlns:r="http://schemas.openxmlformats.org/officeDocument/2006/relationships" xmlns:mc="http://schemas.openxmlformats.org/markup-compatibility/2006" xmlns:mv="urn:schemas-microsoft-com:mac:vml" xmlns:p="http://schemas.openxmlformats.org/presentationml/2006/main" xmlns:c="http://schemas.openxmlformats.org/drawingml/2006/chart" xmlns:dgm="http://schemas.openxmlformats.org/drawingml/2006/diagram" xmlns:o="urn:schemas-microsoft-com:office:office" xmlns:v="urn:schemas-microsoft-com:vml" xmlns:pvml="urn:schemas-microsoft-com:office:powerpoint" xmlns:com="http://schemas.openxmlformats.org/drawingml/2006/compatibility" xmlns:p14="http://schemas.microsoft.com/office/powerpoint/2010/main" xmlns:p15="http://schemas.microsoft.com/office/powerpoint/2012/main" xmlns:ahyp="http://schemas.microsoft.com/office/drawing/2018/hyperlinkcolor">
+<p:sld xmlns:a="http://schemas.openxmlformats.org/drawingml/2006/main" xmlns:r="http://schemas.openxmlformats.org/officeDocument/2006/relationships" xmlns:p="http://schemas.openxmlformats.org/presentationml/2006/main">
   <p:cSld>
     <p:spTree>
       <p:nvGrpSpPr>
-        <p:cNvPr id="92" name="Shape 92"/>
+        <p:cNvPr id="1" name="Shape 92"/>
         <p:cNvGrpSpPr/>
         <p:nvPr/>
       </p:nvGrpSpPr>
@@ -9148,7 +9381,7 @@
           </a:xfrm>
           <a:prstGeom prst="roundRect">
             <a:avLst>
-              <a:gd fmla="val 9273" name="adj"/>
+              <a:gd name="adj" fmla="val 9273"/>
             </a:avLst>
           </a:prstGeom>
           <a:solidFill>
@@ -9159,12 +9392,12 @@
           </a:ln>
         </p:spPr>
         <p:txBody>
-          <a:bodyPr anchorCtr="0" anchor="t" bIns="91425" lIns="91425" spcFirstLastPara="1" rIns="91425" wrap="square" tIns="91425">
+          <a:bodyPr spcFirstLastPara="1" wrap="square" lIns="91425" tIns="91425" rIns="91425" bIns="91425" anchor="t" anchorCtr="0">
             <a:noAutofit/>
           </a:bodyPr>
           <a:lstStyle/>
           <a:p>
-            <a:pPr indent="0" lvl="0" marL="0" rtl="0" algn="ctr">
+            <a:pPr marL="0" lvl="0" indent="0" algn="ctr" rtl="0">
               <a:lnSpc>
                 <a:spcPct val="115000"/>
               </a:lnSpc>
@@ -9177,7 +9410,7 @@
               <a:buNone/>
             </a:pPr>
             <a:r>
-              <a:rPr b="1" lang="en" sz="2000">
+              <a:rPr lang="en" sz="2000" b="1">
                 <a:solidFill>
                   <a:srgbClr val="FFFFFF"/>
                 </a:solidFill>
@@ -9188,7 +9421,7 @@
               </a:rPr>
               <a:t>Solution</a:t>
             </a:r>
-            <a:endParaRPr b="1" sz="2000">
+            <a:endParaRPr sz="2000" b="1">
               <a:solidFill>
                 <a:srgbClr val="FFFFFF"/>
               </a:solidFill>
@@ -9199,7 +9432,7 @@
             </a:endParaRPr>
           </a:p>
           <a:p>
-            <a:pPr indent="-304800" lvl="0" marL="457200" rtl="0" algn="l">
+            <a:pPr marL="457200" lvl="0" indent="-304800" algn="l" rtl="0">
               <a:lnSpc>
                 <a:spcPct val="115000"/>
               </a:lnSpc>
@@ -9217,7 +9450,7 @@
               <a:buChar char="●"/>
             </a:pPr>
             <a:r>
-              <a:rPr b="1" lang="en" sz="1200">
+              <a:rPr lang="en" sz="1200" b="1">
                 <a:solidFill>
                   <a:schemeClr val="lt1"/>
                 </a:solidFill>
@@ -9228,7 +9461,7 @@
               </a:rPr>
               <a:t>Android mobile app with embedded AI/ML as edge location solution to digitize/phygitize the data from the field. </a:t>
             </a:r>
-            <a:endParaRPr b="1" sz="1200">
+            <a:endParaRPr sz="1200" b="1">
               <a:solidFill>
                 <a:schemeClr val="lt1"/>
               </a:solidFill>
@@ -9239,7 +9472,7 @@
             </a:endParaRPr>
           </a:p>
           <a:p>
-            <a:pPr indent="-304800" lvl="0" marL="457200" rtl="0" algn="l">
+            <a:pPr marL="457200" lvl="0" indent="-304800" algn="l" rtl="0">
               <a:lnSpc>
                 <a:spcPct val="115000"/>
               </a:lnSpc>
@@ -9257,7 +9490,7 @@
               <a:buChar char="●"/>
             </a:pPr>
             <a:r>
-              <a:rPr b="1" lang="en" sz="1200">
+              <a:rPr lang="en" sz="1200" b="1">
                 <a:solidFill>
                   <a:schemeClr val="lt1"/>
                 </a:solidFill>
@@ -9268,7 +9501,7 @@
               </a:rPr>
               <a:t>Handwritten digits and OMR detection capabilities</a:t>
             </a:r>
-            <a:endParaRPr b="1" sz="1200">
+            <a:endParaRPr sz="1200" b="1">
               <a:solidFill>
                 <a:schemeClr val="lt1"/>
               </a:solidFill>
@@ -9279,7 +9512,7 @@
             </a:endParaRPr>
           </a:p>
           <a:p>
-            <a:pPr indent="-304800" lvl="0" marL="457200" rtl="0" algn="l">
+            <a:pPr marL="457200" lvl="0" indent="-304800" algn="l" rtl="0">
               <a:lnSpc>
                 <a:spcPct val="115000"/>
               </a:lnSpc>
@@ -9297,7 +9530,7 @@
               <a:buChar char="●"/>
             </a:pPr>
             <a:r>
-              <a:rPr b="1" lang="en" sz="1200">
+              <a:rPr lang="en" sz="1200" b="1">
                 <a:solidFill>
                   <a:schemeClr val="lt1"/>
                 </a:solidFill>
@@ -9308,7 +9541,7 @@
               </a:rPr>
               <a:t>Fully leverages mobile compute power to predict and digitize the data from physical form. </a:t>
             </a:r>
-            <a:endParaRPr b="1" sz="1200">
+            <a:endParaRPr sz="1200" b="1">
               <a:solidFill>
                 <a:schemeClr val="lt1"/>
               </a:solidFill>
@@ -9319,7 +9552,7 @@
             </a:endParaRPr>
           </a:p>
           <a:p>
-            <a:pPr indent="-304800" lvl="0" marL="457200" rtl="0" algn="l">
+            <a:pPr marL="457200" lvl="0" indent="-304800" algn="l" rtl="0">
               <a:lnSpc>
                 <a:spcPct val="115000"/>
               </a:lnSpc>
@@ -9337,7 +9570,7 @@
               <a:buChar char="●"/>
             </a:pPr>
             <a:r>
-              <a:rPr b="1" lang="en" sz="1200" u="sng">
+              <a:rPr lang="en" sz="1200" b="1" u="sng">
                 <a:solidFill>
                   <a:schemeClr val="accent1"/>
                 </a:solidFill>
@@ -9348,7 +9581,7 @@
                 <a:hlinkClick r:id="rId3">
                   <a:extLst>
                     <a:ext uri="{A12FA001-AC4F-418D-AE19-62706E023703}">
-                      <ahyp:hlinkClr val="tx"/>
+                      <ahyp:hlinkClr xmlns:ahyp="http://schemas.microsoft.com/office/drawing/2018/hyperlinkcolor" val="tx"/>
                     </a:ext>
                   </a:extLst>
                 </a:hlinkClick>
@@ -9356,7 +9589,7 @@
               <a:t>Specification</a:t>
             </a:r>
             <a:r>
-              <a:rPr b="1" lang="en" sz="1200">
+              <a:rPr lang="en" sz="1200" b="1">
                 <a:solidFill>
                   <a:schemeClr val="lt1"/>
                 </a:solidFill>
@@ -9367,7 +9600,7 @@
               </a:rPr>
               <a:t> to represent and detect physical sheets</a:t>
             </a:r>
-            <a:endParaRPr b="1" sz="1200">
+            <a:endParaRPr sz="1200" b="1">
               <a:solidFill>
                 <a:schemeClr val="lt1"/>
               </a:solidFill>
@@ -9378,7 +9611,7 @@
             </a:endParaRPr>
           </a:p>
           <a:p>
-            <a:pPr indent="0" lvl="0" marL="457200" rtl="0" algn="l">
+            <a:pPr marL="457200" lvl="0" indent="0" algn="l" rtl="0">
               <a:lnSpc>
                 <a:spcPct val="115000"/>
               </a:lnSpc>
@@ -9390,10 +9623,7 @@
               </a:spcAft>
               <a:buNone/>
             </a:pPr>
-            <a:r>
-              <a:t/>
-            </a:r>
-            <a:endParaRPr b="1" sz="1200">
+            <a:endParaRPr sz="1200" b="1">
               <a:solidFill>
                 <a:srgbClr val="FFFFFF"/>
               </a:solidFill>
@@ -9408,7 +9638,9 @@
       <p:sp>
         <p:nvSpPr>
           <p:cNvPr id="94" name="Google Shape;94;p17"/>
-          <p:cNvSpPr txBox="1"/>
+          <p:cNvSpPr txBox="1">
+            <a:spLocks noGrp="1"/>
+          </p:cNvSpPr>
           <p:nvPr>
             <p:ph type="title"/>
           </p:nvPr>
@@ -9423,12 +9655,12 @@
           </a:prstGeom>
         </p:spPr>
         <p:txBody>
-          <a:bodyPr anchorCtr="0" anchor="t" bIns="91425" lIns="91425" spcFirstLastPara="1" rIns="91425" wrap="square" tIns="91425">
+          <a:bodyPr spcFirstLastPara="1" wrap="square" lIns="91425" tIns="91425" rIns="91425" bIns="91425" anchor="t" anchorCtr="0">
             <a:noAutofit/>
           </a:bodyPr>
           <a:lstStyle/>
           <a:p>
-            <a:pPr indent="0" lvl="0" marL="0" rtl="0" algn="l">
+            <a:pPr marL="0" lvl="0" indent="0" algn="l" rtl="0">
               <a:spcBef>
                 <a:spcPts val="0"/>
               </a:spcBef>
@@ -9458,7 +9690,7 @@
           </a:xfrm>
           <a:prstGeom prst="roundRect">
             <a:avLst>
-              <a:gd fmla="val 9273" name="adj"/>
+              <a:gd name="adj" fmla="val 9273"/>
             </a:avLst>
           </a:prstGeom>
           <a:solidFill>
@@ -9469,12 +9701,12 @@
           </a:ln>
         </p:spPr>
         <p:txBody>
-          <a:bodyPr anchorCtr="0" anchor="t" bIns="91425" lIns="91425" spcFirstLastPara="1" rIns="91425" wrap="square" tIns="91425">
+          <a:bodyPr spcFirstLastPara="1" wrap="square" lIns="91425" tIns="91425" rIns="91425" bIns="91425" anchor="t" anchorCtr="0">
             <a:noAutofit/>
           </a:bodyPr>
           <a:lstStyle/>
           <a:p>
-            <a:pPr indent="0" lvl="0" marL="0" marR="0" rtl="0" algn="ctr">
+            <a:pPr marL="0" marR="0" lvl="0" indent="0" algn="ctr" rtl="0">
               <a:lnSpc>
                 <a:spcPct val="115000"/>
               </a:lnSpc>
@@ -9491,7 +9723,7 @@
               <a:buNone/>
             </a:pPr>
             <a:r>
-              <a:rPr b="1" lang="en" sz="2000">
+              <a:rPr lang="en" sz="2000" b="1">
                 <a:solidFill>
                   <a:srgbClr val="FFFFFF"/>
                 </a:solidFill>
@@ -9502,7 +9734,7 @@
               </a:rPr>
               <a:t>Problem</a:t>
             </a:r>
-            <a:endParaRPr b="1" sz="2000">
+            <a:endParaRPr sz="2000" b="1">
               <a:solidFill>
                 <a:srgbClr val="FFFFFF"/>
               </a:solidFill>
@@ -9513,7 +9745,7 @@
             </a:endParaRPr>
           </a:p>
           <a:p>
-            <a:pPr indent="0" lvl="0" marL="0" marR="0" rtl="0" algn="l">
+            <a:pPr marL="0" marR="0" lvl="0" indent="0" algn="l" rtl="0">
               <a:lnSpc>
                 <a:spcPct val="115000"/>
               </a:lnSpc>
@@ -9526,7 +9758,7 @@
               <a:buNone/>
             </a:pPr>
             <a:r>
-              <a:rPr b="1" lang="en" sz="1200">
+              <a:rPr lang="en" sz="1200" b="1">
                 <a:solidFill>
                   <a:srgbClr val="FFFFFF"/>
                 </a:solidFill>
@@ -9537,7 +9769,7 @@
               </a:rPr>
               <a:t>To enhance learning opportunities for 200 million children across india , state educational boards to digitize assessment results from numerous public schools across state on regular basis to analyze the data and run campings as needed. Key challenges are the manual data entry , technology availability in remote parts of the state.</a:t>
             </a:r>
-            <a:endParaRPr b="1" sz="1200">
+            <a:endParaRPr sz="1200" b="1">
               <a:solidFill>
                 <a:srgbClr val="FFFFFF"/>
               </a:solidFill>
@@ -9562,7 +9794,7 @@
           </a:xfrm>
           <a:prstGeom prst="roundRect">
             <a:avLst>
-              <a:gd fmla="val 9273" name="adj"/>
+              <a:gd name="adj" fmla="val 9273"/>
             </a:avLst>
           </a:prstGeom>
           <a:solidFill>
@@ -9573,12 +9805,12 @@
           </a:ln>
         </p:spPr>
         <p:txBody>
-          <a:bodyPr anchorCtr="0" anchor="t" bIns="91425" lIns="91425" spcFirstLastPara="1" rIns="91425" wrap="square" tIns="91425">
+          <a:bodyPr spcFirstLastPara="1" wrap="square" lIns="91425" tIns="91425" rIns="91425" bIns="91425" anchor="t" anchorCtr="0">
             <a:noAutofit/>
           </a:bodyPr>
           <a:lstStyle/>
           <a:p>
-            <a:pPr indent="0" lvl="0" marL="0" marR="0" rtl="0" algn="ctr">
+            <a:pPr marL="0" marR="0" lvl="0" indent="0" algn="ctr" rtl="0">
               <a:lnSpc>
                 <a:spcPct val="115000"/>
               </a:lnSpc>
@@ -9595,7 +9827,7 @@
               <a:buNone/>
             </a:pPr>
             <a:r>
-              <a:rPr b="1" lang="en" sz="2000">
+              <a:rPr lang="en" sz="2000" b="1">
                 <a:solidFill>
                   <a:srgbClr val="FFFFFF"/>
                 </a:solidFill>
@@ -9607,7 +9839,7 @@
               <a:t>Highlights</a:t>
             </a:r>
             <a:r>
-              <a:rPr b="1" lang="en" sz="1600">
+              <a:rPr lang="en" sz="1600" b="1">
                 <a:solidFill>
                   <a:srgbClr val="FFFFFF"/>
                 </a:solidFill>
@@ -9618,7 +9850,7 @@
               </a:rPr>
               <a:t> </a:t>
             </a:r>
-            <a:endParaRPr b="1" sz="1200">
+            <a:endParaRPr sz="1200" b="1">
               <a:solidFill>
                 <a:schemeClr val="lt1"/>
               </a:solidFill>
@@ -9629,7 +9861,7 @@
             </a:endParaRPr>
           </a:p>
           <a:p>
-            <a:pPr indent="-304800" lvl="0" marL="457200" rtl="0" algn="l">
+            <a:pPr marL="457200" lvl="0" indent="-304800" algn="l" rtl="0">
               <a:lnSpc>
                 <a:spcPct val="115000"/>
               </a:lnSpc>
@@ -9647,7 +9879,7 @@
               <a:buChar char="●"/>
             </a:pPr>
             <a:r>
-              <a:rPr b="1" lang="en" sz="1200">
+              <a:rPr lang="en" sz="1200" b="1">
                 <a:solidFill>
                   <a:schemeClr val="lt1"/>
                 </a:solidFill>
@@ -9658,7 +9890,7 @@
               </a:rPr>
               <a:t>Easily configurable to cover non-academic use cases like skill development.</a:t>
             </a:r>
-            <a:endParaRPr b="1" sz="1200">
+            <a:endParaRPr sz="1200" b="1">
               <a:solidFill>
                 <a:schemeClr val="lt1"/>
               </a:solidFill>
@@ -9669,7 +9901,7 @@
             </a:endParaRPr>
           </a:p>
           <a:p>
-            <a:pPr indent="-304800" lvl="0" marL="457200" rtl="0" algn="l">
+            <a:pPr marL="457200" lvl="0" indent="-304800" algn="l" rtl="0">
               <a:lnSpc>
                 <a:spcPct val="115000"/>
               </a:lnSpc>
@@ -9687,7 +9919,7 @@
               <a:buChar char="●"/>
             </a:pPr>
             <a:r>
-              <a:rPr b="1" lang="en" sz="1200">
+              <a:rPr lang="en" sz="1200" b="1">
                 <a:solidFill>
                   <a:schemeClr val="lt1"/>
                 </a:solidFill>
@@ -9698,7 +9930,7 @@
               </a:rPr>
               <a:t>Rolled out in multiple districts of u.p successfully and scheduled for a statewide rollout </a:t>
             </a:r>
-            <a:endParaRPr b="1" sz="1200">
+            <a:endParaRPr sz="1200" b="1">
               <a:solidFill>
                 <a:schemeClr val="lt1"/>
               </a:solidFill>
@@ -9709,7 +9941,7 @@
             </a:endParaRPr>
           </a:p>
           <a:p>
-            <a:pPr indent="0" lvl="0" marL="457200" rtl="0" algn="l">
+            <a:pPr marL="457200" lvl="0" indent="0" algn="l" rtl="0">
               <a:lnSpc>
                 <a:spcPct val="115000"/>
               </a:lnSpc>
@@ -9721,10 +9953,7 @@
               </a:spcAft>
               <a:buNone/>
             </a:pPr>
-            <a:r>
-              <a:t/>
-            </a:r>
-            <a:endParaRPr b="1" sz="1200">
+            <a:endParaRPr sz="1200" b="1">
               <a:solidFill>
                 <a:srgbClr val="FFFFFF"/>
               </a:solidFill>
@@ -9749,7 +9978,7 @@
           </a:xfrm>
           <a:prstGeom prst="roundRect">
             <a:avLst>
-              <a:gd fmla="val 9273" name="adj"/>
+              <a:gd name="adj" fmla="val 9273"/>
             </a:avLst>
           </a:prstGeom>
           <a:solidFill>
@@ -9760,12 +9989,12 @@
           </a:ln>
         </p:spPr>
         <p:txBody>
-          <a:bodyPr anchorCtr="0" anchor="t" bIns="91425" lIns="91425" spcFirstLastPara="1" rIns="91425" wrap="square" tIns="91425">
+          <a:bodyPr spcFirstLastPara="1" wrap="square" lIns="91425" tIns="91425" rIns="91425" bIns="91425" anchor="t" anchorCtr="0">
             <a:noAutofit/>
           </a:bodyPr>
           <a:lstStyle/>
           <a:p>
-            <a:pPr indent="0" lvl="0" marL="0" marR="0" rtl="0" algn="ctr">
+            <a:pPr marL="0" marR="0" lvl="0" indent="0" algn="ctr" rtl="0">
               <a:lnSpc>
                 <a:spcPct val="115000"/>
               </a:lnSpc>
@@ -9782,7 +10011,7 @@
               <a:buNone/>
             </a:pPr>
             <a:r>
-              <a:rPr b="1" lang="en" sz="2000">
+              <a:rPr lang="en" sz="2000" b="1">
                 <a:solidFill>
                   <a:srgbClr val="FFFFFF"/>
                 </a:solidFill>
@@ -9793,7 +10022,7 @@
               </a:rPr>
               <a:t>Value-add features </a:t>
             </a:r>
-            <a:endParaRPr b="1" sz="2000">
+            <a:endParaRPr sz="2000" b="1">
               <a:solidFill>
                 <a:srgbClr val="FFFFFF"/>
               </a:solidFill>
@@ -9804,7 +10033,7 @@
             </a:endParaRPr>
           </a:p>
           <a:p>
-            <a:pPr indent="-304800" lvl="0" marL="457200" marR="0" rtl="0" algn="l">
+            <a:pPr marL="457200" marR="0" lvl="0" indent="-304800" algn="l" rtl="0">
               <a:lnSpc>
                 <a:spcPct val="115000"/>
               </a:lnSpc>
@@ -9822,7 +10051,7 @@
               <a:buChar char="●"/>
             </a:pPr>
             <a:r>
-              <a:rPr b="1" lang="en" sz="1200">
+              <a:rPr lang="en" sz="1200" b="1">
                 <a:solidFill>
                   <a:srgbClr val="FFFFFF"/>
                 </a:solidFill>
@@ -9833,7 +10062,7 @@
               </a:rPr>
               <a:t>Multi-Tenant branding,screen customization</a:t>
             </a:r>
-            <a:endParaRPr b="1" sz="1200">
+            <a:endParaRPr sz="1200" b="1">
               <a:solidFill>
                 <a:srgbClr val="FFFFFF"/>
               </a:solidFill>
@@ -9844,7 +10073,7 @@
             </a:endParaRPr>
           </a:p>
           <a:p>
-            <a:pPr indent="-304800" lvl="0" marL="457200" marR="0" rtl="0" algn="l">
+            <a:pPr marL="457200" marR="0" lvl="0" indent="-304800" algn="l" rtl="0">
               <a:lnSpc>
                 <a:spcPct val="115000"/>
               </a:lnSpc>
@@ -9862,7 +10091,7 @@
               <a:buChar char="●"/>
             </a:pPr>
             <a:r>
-              <a:rPr b="1" lang="en" sz="1200">
+              <a:rPr lang="en" sz="1200" b="1">
                 <a:solidFill>
                   <a:srgbClr val="FFFFFF"/>
                 </a:solidFill>
@@ -9873,7 +10102,7 @@
               </a:rPr>
               <a:t>Auto-Sync with backend</a:t>
             </a:r>
-            <a:endParaRPr b="1" sz="1200">
+            <a:endParaRPr sz="1200" b="1">
               <a:solidFill>
                 <a:srgbClr val="FFFFFF"/>
               </a:solidFill>
@@ -9884,7 +10113,7 @@
             </a:endParaRPr>
           </a:p>
           <a:p>
-            <a:pPr indent="-304800" lvl="0" marL="457200" marR="0" rtl="0" algn="l">
+            <a:pPr marL="457200" marR="0" lvl="0" indent="-304800" algn="l" rtl="0">
               <a:lnSpc>
                 <a:spcPct val="115000"/>
               </a:lnSpc>
@@ -9902,7 +10131,7 @@
               <a:buChar char="●"/>
             </a:pPr>
             <a:r>
-              <a:rPr b="1" lang="en" sz="1200">
+              <a:rPr lang="en" sz="1200" b="1">
                 <a:solidFill>
                   <a:srgbClr val="FFFFFF"/>
                 </a:solidFill>
@@ -9913,7 +10142,7 @@
               </a:rPr>
               <a:t>Mobile local storage support to operate in offline mode</a:t>
             </a:r>
-            <a:endParaRPr b="1" sz="1200">
+            <a:endParaRPr sz="1200" b="1">
               <a:solidFill>
                 <a:srgbClr val="FFFFFF"/>
               </a:solidFill>
@@ -9924,7 +10153,7 @@
             </a:endParaRPr>
           </a:p>
           <a:p>
-            <a:pPr indent="-304800" lvl="0" marL="457200" marR="0" rtl="0" algn="l">
+            <a:pPr marL="457200" marR="0" lvl="0" indent="-304800" algn="l" rtl="0">
               <a:lnSpc>
                 <a:spcPct val="115000"/>
               </a:lnSpc>
@@ -9942,7 +10171,7 @@
               <a:buChar char="●"/>
             </a:pPr>
             <a:r>
-              <a:rPr b="1" lang="en" sz="1200">
+              <a:rPr lang="en" sz="1200" b="1">
                 <a:solidFill>
                   <a:srgbClr val="FFFFFF"/>
                 </a:solidFill>
@@ -9953,7 +10182,7 @@
               </a:rPr>
               <a:t>Easy to generate and configure new layout sheets</a:t>
             </a:r>
-            <a:endParaRPr b="1" sz="1200">
+            <a:endParaRPr sz="1200" b="1">
               <a:solidFill>
                 <a:srgbClr val="FFFFFF"/>
               </a:solidFill>
@@ -9964,7 +10193,7 @@
             </a:endParaRPr>
           </a:p>
           <a:p>
-            <a:pPr indent="-304800" lvl="0" marL="457200" marR="0" rtl="0" algn="l">
+            <a:pPr marL="457200" marR="0" lvl="0" indent="-304800" algn="l" rtl="0">
               <a:lnSpc>
                 <a:spcPct val="115000"/>
               </a:lnSpc>
@@ -9982,7 +10211,7 @@
               <a:buChar char="●"/>
             </a:pPr>
             <a:r>
-              <a:rPr b="1" lang="en" sz="1200">
+              <a:rPr lang="en" sz="1200" b="1">
                 <a:solidFill>
                   <a:srgbClr val="FFFFFF"/>
                 </a:solidFill>
@@ -9993,7 +10222,7 @@
               </a:rPr>
               <a:t>Multi-Student , Multi-Page support</a:t>
             </a:r>
-            <a:endParaRPr b="1" sz="1200">
+            <a:endParaRPr sz="1200" b="1">
               <a:solidFill>
                 <a:srgbClr val="FFFFFF"/>
               </a:solidFill>
@@ -10004,7 +10233,7 @@
             </a:endParaRPr>
           </a:p>
           <a:p>
-            <a:pPr indent="-304800" lvl="0" marL="457200" marR="0" rtl="0" algn="l">
+            <a:pPr marL="457200" marR="0" lvl="0" indent="-304800" algn="l" rtl="0">
               <a:lnSpc>
                 <a:spcPct val="115000"/>
               </a:lnSpc>
@@ -10022,7 +10251,7 @@
               <a:buChar char="●"/>
             </a:pPr>
             <a:r>
-              <a:rPr b="1" lang="en" sz="1200">
+              <a:rPr lang="en" sz="1200" b="1">
                 <a:solidFill>
                   <a:srgbClr val="FFFFFF"/>
                 </a:solidFill>
@@ -10033,7 +10262,7 @@
               </a:rPr>
               <a:t>Saral SDK - Reusable accelerator</a:t>
             </a:r>
-            <a:endParaRPr b="1" sz="1200">
+            <a:endParaRPr sz="1200" b="1">
               <a:solidFill>
                 <a:srgbClr val="FFFFFF"/>
               </a:solidFill>
@@ -10044,7 +10273,7 @@
             </a:endParaRPr>
           </a:p>
           <a:p>
-            <a:pPr indent="-304800" lvl="0" marL="457200" marR="0" rtl="0" algn="l">
+            <a:pPr marL="457200" marR="0" lvl="0" indent="-304800" algn="l" rtl="0">
               <a:lnSpc>
                 <a:spcPct val="115000"/>
               </a:lnSpc>
@@ -10062,7 +10291,7 @@
               <a:buChar char="●"/>
             </a:pPr>
             <a:r>
-              <a:rPr b="1" lang="en" sz="1200">
+              <a:rPr lang="en" sz="1200" b="1">
                 <a:solidFill>
                   <a:srgbClr val="FFFFFF"/>
                 </a:solidFill>
@@ -10073,7 +10302,7 @@
               </a:rPr>
               <a:t>Review Feature</a:t>
             </a:r>
-            <a:endParaRPr b="1" sz="1200">
+            <a:endParaRPr sz="1200" b="1">
               <a:solidFill>
                 <a:srgbClr val="FFFFFF"/>
               </a:solidFill>
@@ -10094,11 +10323,11 @@
 </file>
 
 <file path=ppt/slides/slide5.xml><?xml version="1.0" encoding="utf-8"?>
-<p:sld xmlns:a="http://schemas.openxmlformats.org/drawingml/2006/main" xmlns:r="http://schemas.openxmlformats.org/officeDocument/2006/relationships" xmlns:mc="http://schemas.openxmlformats.org/markup-compatibility/2006" xmlns:mv="urn:schemas-microsoft-com:mac:vml" xmlns:p="http://schemas.openxmlformats.org/presentationml/2006/main" xmlns:c="http://schemas.openxmlformats.org/drawingml/2006/chart" xmlns:dgm="http://schemas.openxmlformats.org/drawingml/2006/diagram" xmlns:o="urn:schemas-microsoft-com:office:office" xmlns:v="urn:schemas-microsoft-com:vml" xmlns:pvml="urn:schemas-microsoft-com:office:powerpoint" xmlns:com="http://schemas.openxmlformats.org/drawingml/2006/compatibility" xmlns:p14="http://schemas.microsoft.com/office/powerpoint/2010/main" xmlns:p15="http://schemas.microsoft.com/office/powerpoint/2012/main" xmlns:ahyp="http://schemas.microsoft.com/office/drawing/2018/hyperlinkcolor">
+<p:sld xmlns:a="http://schemas.openxmlformats.org/drawingml/2006/main" xmlns:r="http://schemas.openxmlformats.org/officeDocument/2006/relationships" xmlns:p="http://schemas.openxmlformats.org/presentationml/2006/main">
   <p:cSld>
     <p:spTree>
       <p:nvGrpSpPr>
-        <p:cNvPr id="101" name="Shape 101"/>
+        <p:cNvPr id="1" name="Shape 101"/>
         <p:cNvGrpSpPr/>
         <p:nvPr/>
       </p:nvGrpSpPr>
@@ -10113,7 +10342,9 @@
       <p:sp>
         <p:nvSpPr>
           <p:cNvPr id="102" name="Google Shape;102;p18"/>
-          <p:cNvSpPr txBox="1"/>
+          <p:cNvSpPr txBox="1">
+            <a:spLocks noGrp="1"/>
+          </p:cNvSpPr>
           <p:nvPr>
             <p:ph type="title"/>
           </p:nvPr>
@@ -10128,12 +10359,12 @@
           </a:prstGeom>
         </p:spPr>
         <p:txBody>
-          <a:bodyPr anchorCtr="0" anchor="t" bIns="91425" lIns="91425" spcFirstLastPara="1" rIns="91425" wrap="square" tIns="91425">
+          <a:bodyPr spcFirstLastPara="1" wrap="square" lIns="91425" tIns="91425" rIns="91425" bIns="91425" anchor="t" anchorCtr="0">
             <a:noAutofit/>
           </a:bodyPr>
           <a:lstStyle/>
           <a:p>
-            <a:pPr indent="0" lvl="0" marL="0" rtl="0" algn="l">
+            <a:pPr marL="0" lvl="0" indent="0" algn="l" rtl="0">
               <a:spcBef>
                 <a:spcPts val="0"/>
               </a:spcBef>
@@ -10153,9 +10384,11 @@
       <p:sp>
         <p:nvSpPr>
           <p:cNvPr id="103" name="Google Shape;103;p18"/>
-          <p:cNvSpPr txBox="1"/>
+          <p:cNvSpPr txBox="1">
+            <a:spLocks noGrp="1"/>
+          </p:cNvSpPr>
           <p:nvPr>
-            <p:ph idx="1" type="body"/>
+            <p:ph type="body" idx="1"/>
           </p:nvPr>
         </p:nvSpPr>
         <p:spPr>
@@ -10168,12 +10401,12 @@
           </a:prstGeom>
         </p:spPr>
         <p:txBody>
-          <a:bodyPr anchorCtr="0" anchor="t" bIns="91425" lIns="91425" spcFirstLastPara="1" rIns="91425" wrap="square" tIns="91425">
+          <a:bodyPr spcFirstLastPara="1" wrap="square" lIns="91425" tIns="91425" rIns="91425" bIns="91425" anchor="t" anchorCtr="0">
             <a:noAutofit/>
           </a:bodyPr>
           <a:lstStyle/>
           <a:p>
-            <a:pPr indent="0" lvl="0" marL="0" rtl="0" algn="l">
+            <a:pPr marL="0" lvl="0" indent="0" algn="l" rtl="0">
               <a:lnSpc>
                 <a:spcPct val="150000"/>
               </a:lnSpc>
@@ -10185,13 +10418,10 @@
               </a:spcAft>
               <a:buNone/>
             </a:pPr>
-            <a:r>
-              <a:t/>
-            </a:r>
             <a:endParaRPr sz="1200"/>
           </a:p>
           <a:p>
-            <a:pPr indent="0" lvl="0" marL="0" rtl="0" algn="l">
+            <a:pPr marL="0" lvl="0" indent="0" algn="l" rtl="0">
               <a:lnSpc>
                 <a:spcPct val="100000"/>
               </a:lnSpc>
@@ -10203,13 +10433,10 @@
               </a:spcAft>
               <a:buNone/>
             </a:pPr>
-            <a:r>
-              <a:t/>
-            </a:r>
             <a:endParaRPr/>
           </a:p>
           <a:p>
-            <a:pPr indent="0" lvl="0" marL="0" rtl="0" algn="l">
+            <a:pPr marL="0" lvl="0" indent="0" algn="l" rtl="0">
               <a:lnSpc>
                 <a:spcPct val="100000"/>
               </a:lnSpc>
@@ -10221,13 +10448,10 @@
               </a:spcAft>
               <a:buNone/>
             </a:pPr>
-            <a:r>
-              <a:t/>
-            </a:r>
             <a:endParaRPr/>
           </a:p>
           <a:p>
-            <a:pPr indent="0" lvl="0" marL="0" rtl="0" algn="l">
+            <a:pPr marL="0" lvl="0" indent="0" algn="l" rtl="0">
               <a:lnSpc>
                 <a:spcPct val="100000"/>
               </a:lnSpc>
@@ -10239,9 +10463,6 @@
               </a:spcAft>
               <a:buNone/>
             </a:pPr>
-            <a:r>
-              <a:t/>
-            </a:r>
             <a:endParaRPr/>
           </a:p>
         </p:txBody>
@@ -10283,11 +10504,11 @@
 </file>
 
 <file path=ppt/slides/slide6.xml><?xml version="1.0" encoding="utf-8"?>
-<p:sld xmlns:a="http://schemas.openxmlformats.org/drawingml/2006/main" xmlns:r="http://schemas.openxmlformats.org/officeDocument/2006/relationships" xmlns:mc="http://schemas.openxmlformats.org/markup-compatibility/2006" xmlns:mv="urn:schemas-microsoft-com:mac:vml" xmlns:p="http://schemas.openxmlformats.org/presentationml/2006/main" xmlns:c="http://schemas.openxmlformats.org/drawingml/2006/chart" xmlns:dgm="http://schemas.openxmlformats.org/drawingml/2006/diagram" xmlns:o="urn:schemas-microsoft-com:office:office" xmlns:v="urn:schemas-microsoft-com:vml" xmlns:pvml="urn:schemas-microsoft-com:office:powerpoint" xmlns:com="http://schemas.openxmlformats.org/drawingml/2006/compatibility" xmlns:p14="http://schemas.microsoft.com/office/powerpoint/2010/main" xmlns:p15="http://schemas.microsoft.com/office/powerpoint/2012/main" xmlns:ahyp="http://schemas.microsoft.com/office/drawing/2018/hyperlinkcolor">
+<p:sld xmlns:a="http://schemas.openxmlformats.org/drawingml/2006/main" xmlns:r="http://schemas.openxmlformats.org/officeDocument/2006/relationships" xmlns:p="http://schemas.openxmlformats.org/presentationml/2006/main">
   <p:cSld>
     <p:spTree>
       <p:nvGrpSpPr>
-        <p:cNvPr id="108" name="Shape 108"/>
+        <p:cNvPr id="1" name="Shape 108"/>
         <p:cNvGrpSpPr/>
         <p:nvPr/>
       </p:nvGrpSpPr>
@@ -10302,7 +10523,9 @@
       <p:sp>
         <p:nvSpPr>
           <p:cNvPr id="109" name="Google Shape;109;p19"/>
-          <p:cNvSpPr txBox="1"/>
+          <p:cNvSpPr txBox="1">
+            <a:spLocks noGrp="1"/>
+          </p:cNvSpPr>
           <p:nvPr>
             <p:ph type="title"/>
           </p:nvPr>
@@ -10317,12 +10540,12 @@
           </a:prstGeom>
         </p:spPr>
         <p:txBody>
-          <a:bodyPr anchorCtr="0" anchor="t" bIns="91425" lIns="91425" spcFirstLastPara="1" rIns="91425" wrap="square" tIns="91425">
+          <a:bodyPr spcFirstLastPara="1" wrap="square" lIns="91425" tIns="91425" rIns="91425" bIns="91425" anchor="t" anchorCtr="0">
             <a:noAutofit/>
           </a:bodyPr>
           <a:lstStyle/>
           <a:p>
-            <a:pPr indent="0" lvl="0" marL="0" rtl="0" algn="l">
+            <a:pPr marL="0" lvl="0" indent="0" algn="l" rtl="0">
               <a:spcBef>
                 <a:spcPts val="0"/>
               </a:spcBef>
@@ -10333,11 +10556,7 @@
             </a:pPr>
             <a:r>
               <a:rPr lang="en"/>
-              <a:t>P</a:t>
-            </a:r>
-            <a:r>
-              <a:rPr lang="en"/>
-              <a:t>ackaging</a:t>
+              <a:t>Packaging</a:t>
             </a:r>
             <a:endParaRPr/>
           </a:p>
@@ -10346,9 +10565,11 @@
       <p:sp>
         <p:nvSpPr>
           <p:cNvPr id="110" name="Google Shape;110;p19"/>
-          <p:cNvSpPr txBox="1"/>
+          <p:cNvSpPr txBox="1">
+            <a:spLocks noGrp="1"/>
+          </p:cNvSpPr>
           <p:nvPr>
-            <p:ph idx="1" type="body"/>
+            <p:ph type="body" idx="1"/>
           </p:nvPr>
         </p:nvSpPr>
         <p:spPr>
@@ -10361,12 +10582,12 @@
           </a:prstGeom>
         </p:spPr>
         <p:txBody>
-          <a:bodyPr anchorCtr="0" anchor="t" bIns="91425" lIns="91425" spcFirstLastPara="1" rIns="91425" wrap="square" tIns="91425">
+          <a:bodyPr spcFirstLastPara="1" wrap="square" lIns="91425" tIns="91425" rIns="91425" bIns="91425" anchor="t" anchorCtr="0">
             <a:noAutofit/>
           </a:bodyPr>
           <a:lstStyle/>
           <a:p>
-            <a:pPr indent="0" lvl="0" marL="0" rtl="0" algn="l">
+            <a:pPr marL="0" lvl="0" indent="0" algn="l" rtl="0">
               <a:lnSpc>
                 <a:spcPct val="150000"/>
               </a:lnSpc>
@@ -10378,13 +10599,10 @@
               </a:spcAft>
               <a:buNone/>
             </a:pPr>
-            <a:r>
-              <a:t/>
-            </a:r>
             <a:endParaRPr sz="1200"/>
           </a:p>
           <a:p>
-            <a:pPr indent="0" lvl="0" marL="0" rtl="0" algn="l">
+            <a:pPr marL="0" lvl="0" indent="0" algn="l" rtl="0">
               <a:lnSpc>
                 <a:spcPct val="100000"/>
               </a:lnSpc>
@@ -10396,13 +10614,10 @@
               </a:spcAft>
               <a:buNone/>
             </a:pPr>
-            <a:r>
-              <a:t/>
-            </a:r>
             <a:endParaRPr/>
           </a:p>
           <a:p>
-            <a:pPr indent="0" lvl="0" marL="0" rtl="0" algn="l">
+            <a:pPr marL="0" lvl="0" indent="0" algn="l" rtl="0">
               <a:lnSpc>
                 <a:spcPct val="100000"/>
               </a:lnSpc>
@@ -10414,13 +10629,10 @@
               </a:spcAft>
               <a:buNone/>
             </a:pPr>
-            <a:r>
-              <a:t/>
-            </a:r>
             <a:endParaRPr/>
           </a:p>
           <a:p>
-            <a:pPr indent="0" lvl="0" marL="0" rtl="0" algn="l">
+            <a:pPr marL="0" lvl="0" indent="0" algn="l" rtl="0">
               <a:lnSpc>
                 <a:spcPct val="100000"/>
               </a:lnSpc>
@@ -10432,9 +10644,6 @@
               </a:spcAft>
               <a:buNone/>
             </a:pPr>
-            <a:r>
-              <a:t/>
-            </a:r>
             <a:endParaRPr/>
           </a:p>
         </p:txBody>
@@ -10476,11 +10685,11 @@
 </file>
 
 <file path=ppt/slides/slide7.xml><?xml version="1.0" encoding="utf-8"?>
-<p:sld xmlns:a="http://schemas.openxmlformats.org/drawingml/2006/main" xmlns:r="http://schemas.openxmlformats.org/officeDocument/2006/relationships" xmlns:mc="http://schemas.openxmlformats.org/markup-compatibility/2006" xmlns:mv="urn:schemas-microsoft-com:mac:vml" xmlns:p="http://schemas.openxmlformats.org/presentationml/2006/main" xmlns:c="http://schemas.openxmlformats.org/drawingml/2006/chart" xmlns:dgm="http://schemas.openxmlformats.org/drawingml/2006/diagram" xmlns:o="urn:schemas-microsoft-com:office:office" xmlns:v="urn:schemas-microsoft-com:vml" xmlns:pvml="urn:schemas-microsoft-com:office:powerpoint" xmlns:com="http://schemas.openxmlformats.org/drawingml/2006/compatibility" xmlns:p14="http://schemas.microsoft.com/office/powerpoint/2010/main" xmlns:p15="http://schemas.microsoft.com/office/powerpoint/2012/main" xmlns:ahyp="http://schemas.microsoft.com/office/drawing/2018/hyperlinkcolor">
+<p:sld xmlns:a="http://schemas.openxmlformats.org/drawingml/2006/main" xmlns:r="http://schemas.openxmlformats.org/officeDocument/2006/relationships" xmlns:p="http://schemas.openxmlformats.org/presentationml/2006/main">
   <p:cSld>
     <p:spTree>
       <p:nvGrpSpPr>
-        <p:cNvPr id="115" name="Shape 115"/>
+        <p:cNvPr id="1" name="Shape 115"/>
         <p:cNvGrpSpPr/>
         <p:nvPr/>
       </p:nvGrpSpPr>
@@ -10495,7 +10704,9 @@
       <p:sp>
         <p:nvSpPr>
           <p:cNvPr id="116" name="Google Shape;116;p20"/>
-          <p:cNvSpPr txBox="1"/>
+          <p:cNvSpPr txBox="1">
+            <a:spLocks noGrp="1"/>
+          </p:cNvSpPr>
           <p:nvPr>
             <p:ph type="title"/>
           </p:nvPr>
@@ -10510,12 +10721,12 @@
           </a:prstGeom>
         </p:spPr>
         <p:txBody>
-          <a:bodyPr anchorCtr="0" anchor="t" bIns="91425" lIns="91425" spcFirstLastPara="1" rIns="91425" wrap="square" tIns="91425">
+          <a:bodyPr spcFirstLastPara="1" wrap="square" lIns="91425" tIns="91425" rIns="91425" bIns="91425" anchor="t" anchorCtr="0">
             <a:noAutofit/>
           </a:bodyPr>
           <a:lstStyle/>
           <a:p>
-            <a:pPr indent="0" lvl="0" marL="0" rtl="0" algn="l">
+            <a:pPr marL="0" lvl="0" indent="0" algn="l" rtl="0">
               <a:spcBef>
                 <a:spcPts val="0"/>
               </a:spcBef>
@@ -10654,7 +10865,7 @@
           <a:blip r:embed="rId7">
             <a:alphaModFix/>
           </a:blip>
-          <a:srcRect b="25374" l="0" r="0" t="27643"/>
+          <a:srcRect t="27643" b="25374"/>
           <a:stretch/>
         </p:blipFill>
         <p:spPr>
@@ -10859,12 +11070,12 @@
           </a:ln>
         </p:spPr>
         <p:txBody>
-          <a:bodyPr anchorCtr="0" anchor="ctr" bIns="91425" lIns="91425" spcFirstLastPara="1" rIns="91425" wrap="square" tIns="91425">
+          <a:bodyPr spcFirstLastPara="1" wrap="square" lIns="91425" tIns="91425" rIns="91425" bIns="91425" anchor="ctr" anchorCtr="0">
             <a:noAutofit/>
           </a:bodyPr>
           <a:lstStyle/>
           <a:p>
-            <a:pPr indent="0" lvl="0" marL="0" rtl="0" algn="ctr">
+            <a:pPr marL="0" lvl="0" indent="0" algn="ctr" rtl="0">
               <a:spcBef>
                 <a:spcPts val="0"/>
               </a:spcBef>
@@ -10874,7 +11085,7 @@
               <a:buNone/>
             </a:pPr>
             <a:r>
-              <a:rPr b="1" lang="en" sz="800">
+              <a:rPr lang="en" sz="800" b="1">
                 <a:latin typeface="Montserrat"/>
                 <a:ea typeface="Montserrat"/>
                 <a:cs typeface="Montserrat"/>
@@ -10882,7 +11093,7 @@
               </a:rPr>
               <a:t>ResNet</a:t>
             </a:r>
-            <a:endParaRPr b="1" sz="800">
+            <a:endParaRPr sz="800" b="1">
               <a:latin typeface="Montserrat"/>
               <a:ea typeface="Montserrat"/>
               <a:cs typeface="Montserrat"/>
@@ -10928,11 +11139,11 @@
 </file>
 
 <file path=ppt/slides/slide8.xml><?xml version="1.0" encoding="utf-8"?>
-<p:sld xmlns:a="http://schemas.openxmlformats.org/drawingml/2006/main" xmlns:r="http://schemas.openxmlformats.org/officeDocument/2006/relationships" xmlns:mc="http://schemas.openxmlformats.org/markup-compatibility/2006" xmlns:mv="urn:schemas-microsoft-com:mac:vml" xmlns:p="http://schemas.openxmlformats.org/presentationml/2006/main" xmlns:c="http://schemas.openxmlformats.org/drawingml/2006/chart" xmlns:dgm="http://schemas.openxmlformats.org/drawingml/2006/diagram" xmlns:o="urn:schemas-microsoft-com:office:office" xmlns:v="urn:schemas-microsoft-com:vml" xmlns:pvml="urn:schemas-microsoft-com:office:powerpoint" xmlns:com="http://schemas.openxmlformats.org/drawingml/2006/compatibility" xmlns:p14="http://schemas.microsoft.com/office/powerpoint/2010/main" xmlns:p15="http://schemas.microsoft.com/office/powerpoint/2012/main" xmlns:ahyp="http://schemas.microsoft.com/office/drawing/2018/hyperlinkcolor">
+<p:sld xmlns:a="http://schemas.openxmlformats.org/drawingml/2006/main" xmlns:r="http://schemas.openxmlformats.org/officeDocument/2006/relationships" xmlns:p="http://schemas.openxmlformats.org/presentationml/2006/main">
   <p:cSld>
     <p:spTree>
       <p:nvGrpSpPr>
-        <p:cNvPr id="133" name="Shape 133"/>
+        <p:cNvPr id="1" name="Shape 133"/>
         <p:cNvGrpSpPr/>
         <p:nvPr/>
       </p:nvGrpSpPr>
@@ -10947,7 +11158,9 @@
       <p:sp>
         <p:nvSpPr>
           <p:cNvPr id="134" name="Google Shape;134;p21"/>
-          <p:cNvSpPr txBox="1"/>
+          <p:cNvSpPr txBox="1">
+            <a:spLocks noGrp="1"/>
+          </p:cNvSpPr>
           <p:nvPr>
             <p:ph type="title"/>
           </p:nvPr>
@@ -10962,12 +11175,12 @@
           </a:prstGeom>
         </p:spPr>
         <p:txBody>
-          <a:bodyPr anchorCtr="0" anchor="t" bIns="91425" lIns="91425" spcFirstLastPara="1" rIns="91425" wrap="square" tIns="91425">
+          <a:bodyPr spcFirstLastPara="1" wrap="square" lIns="91425" tIns="91425" rIns="91425" bIns="91425" anchor="t" anchorCtr="0">
             <a:noAutofit/>
           </a:bodyPr>
           <a:lstStyle/>
           <a:p>
-            <a:pPr indent="0" lvl="0" marL="0" rtl="0" algn="l">
+            <a:pPr marL="0" lvl="0" indent="0" algn="l" rtl="0">
               <a:spcBef>
                 <a:spcPts val="0"/>
               </a:spcBef>
@@ -10987,9 +11200,11 @@
       <p:sp>
         <p:nvSpPr>
           <p:cNvPr id="135" name="Google Shape;135;p21"/>
-          <p:cNvSpPr txBox="1"/>
+          <p:cNvSpPr txBox="1">
+            <a:spLocks noGrp="1"/>
+          </p:cNvSpPr>
           <p:nvPr>
-            <p:ph idx="1" type="body"/>
+            <p:ph type="body" idx="1"/>
           </p:nvPr>
         </p:nvSpPr>
         <p:spPr>
@@ -11002,12 +11217,12 @@
           </a:prstGeom>
         </p:spPr>
         <p:txBody>
-          <a:bodyPr anchorCtr="0" anchor="t" bIns="91425" lIns="91425" spcFirstLastPara="1" rIns="91425" wrap="square" tIns="91425">
+          <a:bodyPr spcFirstLastPara="1" wrap="square" lIns="91425" tIns="91425" rIns="91425" bIns="91425" anchor="t" anchorCtr="0">
             <a:noAutofit/>
           </a:bodyPr>
           <a:lstStyle/>
           <a:p>
-            <a:pPr indent="-330200" lvl="0" marL="457200" rtl="0" algn="l">
+            <a:pPr marL="457200" lvl="0" indent="-330200" algn="l" rtl="0">
               <a:spcBef>
                 <a:spcPts val="0"/>
               </a:spcBef>
@@ -11024,7 +11239,7 @@
             <a:endParaRPr b="1"/>
           </a:p>
           <a:p>
-            <a:pPr indent="-330200" lvl="0" marL="457200" rtl="0" algn="l">
+            <a:pPr marL="457200" lvl="0" indent="-330200" algn="l" rtl="0">
               <a:spcBef>
                 <a:spcPts val="0"/>
               </a:spcBef>
@@ -11041,7 +11256,7 @@
             <a:endParaRPr/>
           </a:p>
           <a:p>
-            <a:pPr indent="-330200" lvl="0" marL="457200" rtl="0" algn="l">
+            <a:pPr marL="457200" lvl="0" indent="-330200" algn="l" rtl="0">
               <a:spcBef>
                 <a:spcPts val="0"/>
               </a:spcBef>
@@ -11068,11 +11283,11 @@
 </file>
 
 <file path=ppt/slides/slide9.xml><?xml version="1.0" encoding="utf-8"?>
-<p:sld xmlns:a="http://schemas.openxmlformats.org/drawingml/2006/main" xmlns:r="http://schemas.openxmlformats.org/officeDocument/2006/relationships" xmlns:mc="http://schemas.openxmlformats.org/markup-compatibility/2006" xmlns:mv="urn:schemas-microsoft-com:mac:vml" xmlns:p="http://schemas.openxmlformats.org/presentationml/2006/main" xmlns:c="http://schemas.openxmlformats.org/drawingml/2006/chart" xmlns:dgm="http://schemas.openxmlformats.org/drawingml/2006/diagram" xmlns:o="urn:schemas-microsoft-com:office:office" xmlns:v="urn:schemas-microsoft-com:vml" xmlns:pvml="urn:schemas-microsoft-com:office:powerpoint" xmlns:com="http://schemas.openxmlformats.org/drawingml/2006/compatibility" xmlns:p14="http://schemas.microsoft.com/office/powerpoint/2010/main" xmlns:p15="http://schemas.microsoft.com/office/powerpoint/2012/main" xmlns:ahyp="http://schemas.microsoft.com/office/drawing/2018/hyperlinkcolor">
+<p:sld xmlns:a="http://schemas.openxmlformats.org/drawingml/2006/main" xmlns:r="http://schemas.openxmlformats.org/officeDocument/2006/relationships" xmlns:p="http://schemas.openxmlformats.org/presentationml/2006/main">
   <p:cSld>
     <p:spTree>
       <p:nvGrpSpPr>
-        <p:cNvPr id="139" name="Shape 139"/>
+        <p:cNvPr id="1" name="Shape 139"/>
         <p:cNvGrpSpPr/>
         <p:nvPr/>
       </p:nvGrpSpPr>
@@ -11087,7 +11302,9 @@
       <p:sp>
         <p:nvSpPr>
           <p:cNvPr id="140" name="Google Shape;140;p22"/>
-          <p:cNvSpPr txBox="1"/>
+          <p:cNvSpPr txBox="1">
+            <a:spLocks noGrp="1"/>
+          </p:cNvSpPr>
           <p:nvPr>
             <p:ph type="title"/>
           </p:nvPr>
@@ -11102,12 +11319,12 @@
           </a:prstGeom>
         </p:spPr>
         <p:txBody>
-          <a:bodyPr anchorCtr="0" anchor="t" bIns="91425" lIns="91425" spcFirstLastPara="1" rIns="91425" wrap="square" tIns="91425">
+          <a:bodyPr spcFirstLastPara="1" wrap="square" lIns="91425" tIns="91425" rIns="91425" bIns="91425" anchor="t" anchorCtr="0">
             <a:noAutofit/>
           </a:bodyPr>
           <a:lstStyle/>
           <a:p>
-            <a:pPr indent="0" lvl="0" marL="0" rtl="0" algn="l">
+            <a:pPr marL="0" lvl="0" indent="0" algn="l" rtl="0">
               <a:spcBef>
                 <a:spcPts val="0"/>
               </a:spcBef>
@@ -11137,29 +11354,29 @@
           </a:xfrm>
           <a:prstGeom prst="roundRect">
             <a:avLst>
-              <a:gd fmla="val 16667" name="adj"/>
+              <a:gd name="adj" fmla="val 16667"/>
             </a:avLst>
           </a:prstGeom>
           <a:solidFill>
             <a:srgbClr val="B6D7A8"/>
           </a:solidFill>
-          <a:ln cap="flat" cmpd="sng" w="9525">
+          <a:ln w="9525" cap="flat" cmpd="sng">
             <a:solidFill>
               <a:schemeClr val="dk2"/>
             </a:solidFill>
             <a:prstDash val="solid"/>
             <a:round/>
-            <a:headEnd len="sm" w="sm" type="none"/>
-            <a:tailEnd len="sm" w="sm" type="none"/>
+            <a:headEnd type="none" w="sm" len="sm"/>
+            <a:tailEnd type="none" w="sm" len="sm"/>
           </a:ln>
         </p:spPr>
         <p:txBody>
-          <a:bodyPr anchorCtr="0" anchor="ctr" bIns="91425" lIns="91425" spcFirstLastPara="1" rIns="91425" wrap="square" tIns="91425">
+          <a:bodyPr spcFirstLastPara="1" wrap="square" lIns="91425" tIns="91425" rIns="91425" bIns="91425" anchor="ctr" anchorCtr="0">
             <a:noAutofit/>
           </a:bodyPr>
           <a:lstStyle/>
           <a:p>
-            <a:pPr indent="-292100" lvl="0" marL="457200" rtl="0" algn="l">
+            <a:pPr marL="457200" lvl="0" indent="-292100" algn="l" rtl="0">
               <a:spcBef>
                 <a:spcPts val="0"/>
               </a:spcBef>
@@ -11171,24 +11388,12 @@
             </a:pPr>
             <a:r>
               <a:rPr lang="en" sz="1000"/>
-              <a:t>Profiling and </a:t>
-            </a:r>
-            <a:r>
-              <a:rPr lang="en" sz="1000"/>
-              <a:t>fine tuning</a:t>
-            </a:r>
-            <a:r>
-              <a:rPr lang="en" sz="1000"/>
-              <a:t> the code and </a:t>
-            </a:r>
-            <a:r>
-              <a:rPr lang="en" sz="1000"/>
-              <a:t>configurations</a:t>
+              <a:t>Profiling and fine tuning the code and configurations</a:t>
             </a:r>
             <a:endParaRPr sz="1000"/>
           </a:p>
           <a:p>
-            <a:pPr indent="-292100" lvl="0" marL="457200" rtl="0" algn="l">
+            <a:pPr marL="457200" lvl="0" indent="-292100" algn="l" rtl="0">
               <a:spcBef>
                 <a:spcPts val="0"/>
               </a:spcBef>
@@ -11205,7 +11410,7 @@
             <a:endParaRPr sz="1000"/>
           </a:p>
           <a:p>
-            <a:pPr indent="-292100" lvl="0" marL="457200" rtl="0" algn="l">
+            <a:pPr marL="457200" lvl="0" indent="-292100" algn="l" rtl="0">
               <a:spcBef>
                 <a:spcPts val="0"/>
               </a:spcBef>
@@ -11222,7 +11427,7 @@
             <a:endParaRPr sz="1000"/>
           </a:p>
           <a:p>
-            <a:pPr indent="-292100" lvl="0" marL="457200" rtl="0" algn="l">
+            <a:pPr marL="457200" lvl="0" indent="-292100" algn="l" rtl="0">
               <a:spcBef>
                 <a:spcPts val="0"/>
               </a:spcBef>
@@ -11239,7 +11444,7 @@
             <a:endParaRPr sz="1000"/>
           </a:p>
           <a:p>
-            <a:pPr indent="-292100" lvl="0" marL="457200" rtl="0" algn="l">
+            <a:pPr marL="457200" lvl="0" indent="-292100" algn="l" rtl="0">
               <a:spcBef>
                 <a:spcPts val="0"/>
               </a:spcBef>
@@ -11254,7 +11459,7 @@
               <a:t>Load test with minimal users say </a:t>
             </a:r>
             <a:r>
-              <a:rPr b="1" lang="en" sz="1000"/>
+              <a:rPr lang="en" sz="1000" b="1"/>
               <a:t>50 , 100</a:t>
             </a:r>
             <a:r>
@@ -11264,7 +11469,7 @@
             <a:endParaRPr sz="1000"/>
           </a:p>
           <a:p>
-            <a:pPr indent="-292100" lvl="0" marL="457200" rtl="0" algn="l">
+            <a:pPr marL="457200" lvl="0" indent="-292100" algn="l" rtl="0">
               <a:spcBef>
                 <a:spcPts val="0"/>
               </a:spcBef>
@@ -11281,7 +11486,7 @@
             <a:endParaRPr sz="1000"/>
           </a:p>
           <a:p>
-            <a:pPr indent="-292100" lvl="0" marL="457200" rtl="0" algn="l">
+            <a:pPr marL="457200" lvl="0" indent="-292100" algn="l" rtl="0">
               <a:spcBef>
                 <a:spcPts val="0"/>
               </a:spcBef>
@@ -11319,12 +11524,12 @@
           </a:ln>
         </p:spPr>
         <p:txBody>
-          <a:bodyPr anchorCtr="0" anchor="t" bIns="91425" lIns="91425" spcFirstLastPara="1" rIns="91425" wrap="square" tIns="91425">
+          <a:bodyPr spcFirstLastPara="1" wrap="square" lIns="91425" tIns="91425" rIns="91425" bIns="91425" anchor="t" anchorCtr="0">
             <a:spAutoFit/>
           </a:bodyPr>
           <a:lstStyle/>
           <a:p>
-            <a:pPr indent="0" lvl="0" marL="0" rtl="0" algn="ctr">
+            <a:pPr marL="0" lvl="0" indent="0" algn="ctr" rtl="0">
               <a:spcBef>
                 <a:spcPts val="0"/>
               </a:spcBef>
@@ -11364,29 +11569,29 @@
           </a:xfrm>
           <a:prstGeom prst="roundRect">
             <a:avLst>
-              <a:gd fmla="val 16667" name="adj"/>
+              <a:gd name="adj" fmla="val 16667"/>
             </a:avLst>
           </a:prstGeom>
           <a:solidFill>
             <a:srgbClr val="B6D7A8"/>
           </a:solidFill>
-          <a:ln cap="flat" cmpd="sng" w="9525">
+          <a:ln w="9525" cap="flat" cmpd="sng">
             <a:solidFill>
               <a:schemeClr val="dk2"/>
             </a:solidFill>
             <a:prstDash val="solid"/>
             <a:round/>
-            <a:headEnd len="sm" w="sm" type="none"/>
-            <a:tailEnd len="sm" w="sm" type="none"/>
+            <a:headEnd type="none" w="sm" len="sm"/>
+            <a:tailEnd type="none" w="sm" len="sm"/>
           </a:ln>
         </p:spPr>
         <p:txBody>
-          <a:bodyPr anchorCtr="0" anchor="ctr" bIns="91425" lIns="91425" spcFirstLastPara="1" rIns="91425" wrap="square" tIns="91425">
+          <a:bodyPr spcFirstLastPara="1" wrap="square" lIns="91425" tIns="91425" rIns="91425" bIns="91425" anchor="ctr" anchorCtr="0">
             <a:noAutofit/>
           </a:bodyPr>
           <a:lstStyle/>
           <a:p>
-            <a:pPr indent="-292100" lvl="0" marL="457200" rtl="0" algn="l">
+            <a:pPr marL="457200" lvl="0" indent="-292100" algn="l" rtl="0">
               <a:spcBef>
                 <a:spcPts val="0"/>
               </a:spcBef>
@@ -11403,7 +11608,7 @@
             <a:endParaRPr sz="1000"/>
           </a:p>
           <a:p>
-            <a:pPr indent="-292100" lvl="0" marL="457200" rtl="0" algn="l">
+            <a:pPr marL="457200" lvl="0" indent="-292100" algn="l" rtl="0">
               <a:spcBef>
                 <a:spcPts val="0"/>
               </a:spcBef>
@@ -11418,7 +11623,7 @@
               <a:t>Run Load Testing Scripts for </a:t>
             </a:r>
             <a:r>
-              <a:rPr b="1" lang="en" sz="1000"/>
+              <a:rPr lang="en" sz="1000" b="1"/>
               <a:t>10,000</a:t>
             </a:r>
             <a:r>
@@ -11428,7 +11633,7 @@
             <a:endParaRPr sz="1000"/>
           </a:p>
           <a:p>
-            <a:pPr indent="-292100" lvl="0" marL="457200" rtl="0" algn="l">
+            <a:pPr marL="457200" lvl="0" indent="-292100" algn="l" rtl="0">
               <a:spcBef>
                 <a:spcPts val="0"/>
               </a:spcBef>
@@ -11445,7 +11650,7 @@
             <a:endParaRPr sz="1000"/>
           </a:p>
           <a:p>
-            <a:pPr indent="-292100" lvl="0" marL="457200" rtl="0" algn="l">
+            <a:pPr marL="457200" lvl="0" indent="-292100" algn="l" rtl="0">
               <a:spcBef>
                 <a:spcPts val="0"/>
               </a:spcBef>
@@ -11483,12 +11688,12 @@
           </a:ln>
         </p:spPr>
         <p:txBody>
-          <a:bodyPr anchorCtr="0" anchor="t" bIns="91425" lIns="91425" spcFirstLastPara="1" rIns="91425" wrap="square" tIns="91425">
+          <a:bodyPr spcFirstLastPara="1" wrap="square" lIns="91425" tIns="91425" rIns="91425" bIns="91425" anchor="t" anchorCtr="0">
             <a:spAutoFit/>
           </a:bodyPr>
           <a:lstStyle/>
           <a:p>
-            <a:pPr indent="0" lvl="0" marL="0" rtl="0" algn="ctr">
+            <a:pPr marL="0" lvl="0" indent="0" algn="ctr" rtl="0">
               <a:spcBef>
                 <a:spcPts val="0"/>
               </a:spcBef>
@@ -11528,29 +11733,29 @@
           </a:xfrm>
           <a:prstGeom prst="roundRect">
             <a:avLst>
-              <a:gd fmla="val 16667" name="adj"/>
+              <a:gd name="adj" fmla="val 16667"/>
             </a:avLst>
           </a:prstGeom>
           <a:solidFill>
             <a:srgbClr val="B6D7A8"/>
           </a:solidFill>
-          <a:ln cap="flat" cmpd="sng" w="9525">
+          <a:ln w="9525" cap="flat" cmpd="sng">
             <a:solidFill>
               <a:schemeClr val="dk2"/>
             </a:solidFill>
             <a:prstDash val="solid"/>
             <a:round/>
-            <a:headEnd len="sm" w="sm" type="none"/>
-            <a:tailEnd len="sm" w="sm" type="none"/>
+            <a:headEnd type="none" w="sm" len="sm"/>
+            <a:tailEnd type="none" w="sm" len="sm"/>
           </a:ln>
         </p:spPr>
         <p:txBody>
-          <a:bodyPr anchorCtr="0" anchor="ctr" bIns="91425" lIns="91425" spcFirstLastPara="1" rIns="91425" wrap="square" tIns="91425">
+          <a:bodyPr spcFirstLastPara="1" wrap="square" lIns="91425" tIns="91425" rIns="91425" bIns="91425" anchor="ctr" anchorCtr="0">
             <a:noAutofit/>
           </a:bodyPr>
           <a:lstStyle/>
           <a:p>
-            <a:pPr indent="0" lvl="0" marL="0" rtl="0" algn="l">
+            <a:pPr marL="0" lvl="0" indent="0" algn="l" rtl="0">
               <a:spcBef>
                 <a:spcPts val="0"/>
               </a:spcBef>
@@ -11559,13 +11764,10 @@
               </a:spcAft>
               <a:buNone/>
             </a:pPr>
-            <a:r>
-              <a:t/>
-            </a:r>
             <a:endParaRPr sz="1000"/>
           </a:p>
           <a:p>
-            <a:pPr indent="-292100" lvl="0" marL="457200" rtl="0" algn="l">
+            <a:pPr marL="457200" lvl="0" indent="-292100" algn="l" rtl="0">
               <a:spcBef>
                 <a:spcPts val="0"/>
               </a:spcBef>
@@ -11580,7 +11782,7 @@
               <a:t>Run Load Testing Scripts for </a:t>
             </a:r>
             <a:r>
-              <a:rPr b="1" lang="en" sz="1000"/>
+              <a:rPr lang="en" sz="1000" b="1"/>
               <a:t>1,00,000</a:t>
             </a:r>
             <a:r>
@@ -11590,7 +11792,7 @@
             <a:endParaRPr sz="1000"/>
           </a:p>
           <a:p>
-            <a:pPr indent="-292100" lvl="0" marL="457200" rtl="0" algn="l">
+            <a:pPr marL="457200" lvl="0" indent="-292100" algn="l" rtl="0">
               <a:spcBef>
                 <a:spcPts val="0"/>
               </a:spcBef>
@@ -11607,7 +11809,7 @@
             <a:endParaRPr sz="1000"/>
           </a:p>
           <a:p>
-            <a:pPr indent="-292100" lvl="0" marL="457200" rtl="0" algn="l">
+            <a:pPr marL="457200" lvl="0" indent="-292100" algn="l" rtl="0">
               <a:spcBef>
                 <a:spcPts val="0"/>
               </a:spcBef>
@@ -11645,12 +11847,12 @@
           </a:ln>
         </p:spPr>
         <p:txBody>
-          <a:bodyPr anchorCtr="0" anchor="t" bIns="91425" lIns="91425" spcFirstLastPara="1" rIns="91425" wrap="square" tIns="91425">
+          <a:bodyPr spcFirstLastPara="1" wrap="square" lIns="91425" tIns="91425" rIns="91425" bIns="91425" anchor="t" anchorCtr="0">
             <a:spAutoFit/>
           </a:bodyPr>
           <a:lstStyle/>
           <a:p>
-            <a:pPr indent="0" lvl="0" marL="0" rtl="0" algn="ctr">
+            <a:pPr marL="0" lvl="0" indent="0" algn="ctr" rtl="0">
               <a:spcBef>
                 <a:spcPts val="0"/>
               </a:spcBef>
@@ -11686,7 +11888,288 @@
 </file>
 
 <file path=ppt/theme/theme1.xml><?xml version="1.0" encoding="utf-8"?>
-<a:theme xmlns:a="http://schemas.openxmlformats.org/drawingml/2006/main" xmlns:r="http://schemas.openxmlformats.org/officeDocument/2006/relationships">
+<a:theme xmlns:a="http://schemas.openxmlformats.org/drawingml/2006/main" name="Tarento Light">
+  <a:themeElements>
+    <a:clrScheme name="Simple Light">
+      <a:dk1>
+        <a:srgbClr val="191919"/>
+      </a:dk1>
+      <a:lt1>
+        <a:srgbClr val="FFFFFF"/>
+      </a:lt1>
+      <a:dk2>
+        <a:srgbClr val="595959"/>
+      </a:dk2>
+      <a:lt2>
+        <a:srgbClr val="EEEEEE"/>
+      </a:lt2>
+      <a:accent1>
+        <a:srgbClr val="1E8F8E"/>
+      </a:accent1>
+      <a:accent2>
+        <a:srgbClr val="16283C"/>
+      </a:accent2>
+      <a:accent3>
+        <a:srgbClr val="78909C"/>
+      </a:accent3>
+      <a:accent4>
+        <a:srgbClr val="EF5252"/>
+      </a:accent4>
+      <a:accent5>
+        <a:srgbClr val="99ECDD"/>
+      </a:accent5>
+      <a:accent6>
+        <a:srgbClr val="FFE386"/>
+      </a:accent6>
+      <a:hlink>
+        <a:srgbClr val="1E8F8E"/>
+      </a:hlink>
+      <a:folHlink>
+        <a:srgbClr val="0097A7"/>
+      </a:folHlink>
+    </a:clrScheme>
+    <a:fontScheme name="Office">
+      <a:majorFont>
+        <a:latin typeface="Arial"/>
+        <a:ea typeface=""/>
+        <a:cs typeface=""/>
+        <a:font script="Jpan" typeface="ＭＳ Ｐゴシック"/>
+        <a:font script="Hang" typeface="맑은 고딕"/>
+        <a:font script="Hans" typeface="宋体"/>
+        <a:font script="Hant" typeface="新細明體"/>
+        <a:font script="Arab" typeface="Times New Roman"/>
+        <a:font script="Hebr" typeface="Times New Roman"/>
+        <a:font script="Thai" typeface="Angsana New"/>
+        <a:font script="Ethi" typeface="Nyala"/>
+        <a:font script="Beng" typeface="Vrinda"/>
+        <a:font script="Gujr" typeface="Shruti"/>
+        <a:font script="Khmr" typeface="MoolBoran"/>
+        <a:font script="Knda" typeface="Tunga"/>
+        <a:font script="Guru" typeface="Raavi"/>
+        <a:font script="Cans" typeface="Euphemia"/>
+        <a:font script="Cher" typeface="Plantagenet Cherokee"/>
+        <a:font script="Yiii" typeface="Microsoft Yi Baiti"/>
+        <a:font script="Tibt" typeface="Microsoft Himalaya"/>
+        <a:font script="Thaa" typeface="MV Boli"/>
+        <a:font script="Deva" typeface="Mangal"/>
+        <a:font script="Telu" typeface="Gautami"/>
+        <a:font script="Taml" typeface="Latha"/>
+        <a:font script="Syrc" typeface="Estrangelo Edessa"/>
+        <a:font script="Orya" typeface="Kalinga"/>
+        <a:font script="Mlym" typeface="Kartika"/>
+        <a:font script="Laoo" typeface="DokChampa"/>
+        <a:font script="Sinh" typeface="Iskoola Pota"/>
+        <a:font script="Mong" typeface="Mongolian Baiti"/>
+        <a:font script="Viet" typeface="Times New Roman"/>
+        <a:font script="Uigh" typeface="Microsoft Uighur"/>
+        <a:font script="Geor" typeface="Sylfaen"/>
+      </a:majorFont>
+      <a:minorFont>
+        <a:latin typeface="Arial"/>
+        <a:ea typeface=""/>
+        <a:cs typeface=""/>
+        <a:font script="Jpan" typeface="ＭＳ Ｐゴシック"/>
+        <a:font script="Hang" typeface="맑은 고딕"/>
+        <a:font script="Hans" typeface="宋体"/>
+        <a:font script="Hant" typeface="新細明體"/>
+        <a:font script="Arab" typeface="Arial"/>
+        <a:font script="Hebr" typeface="Arial"/>
+        <a:font script="Thai" typeface="Cordia New"/>
+        <a:font script="Ethi" typeface="Nyala"/>
+        <a:font script="Beng" typeface="Vrinda"/>
+        <a:font script="Gujr" typeface="Shruti"/>
+        <a:font script="Khmr" typeface="DaunPenh"/>
+        <a:font script="Knda" typeface="Tunga"/>
+        <a:font script="Guru" typeface="Raavi"/>
+        <a:font script="Cans" typeface="Euphemia"/>
+        <a:font script="Cher" typeface="Plantagenet Cherokee"/>
+        <a:font script="Yiii" typeface="Microsoft Yi Baiti"/>
+        <a:font script="Tibt" typeface="Microsoft Himalaya"/>
+        <a:font script="Thaa" typeface="MV Boli"/>
+        <a:font script="Deva" typeface="Mangal"/>
+        <a:font script="Telu" typeface="Gautami"/>
+        <a:font script="Taml" typeface="Latha"/>
+        <a:font script="Syrc" typeface="Estrangelo Edessa"/>
+        <a:font script="Orya" typeface="Kalinga"/>
+        <a:font script="Mlym" typeface="Kartika"/>
+        <a:font script="Laoo" typeface="DokChampa"/>
+        <a:font script="Sinh" typeface="Iskoola Pota"/>
+        <a:font script="Mong" typeface="Mongolian Baiti"/>
+        <a:font script="Viet" typeface="Arial"/>
+        <a:font script="Uigh" typeface="Microsoft Uighur"/>
+        <a:font script="Geor" typeface="Sylfaen"/>
+      </a:minorFont>
+    </a:fontScheme>
+    <a:fmtScheme name="Office">
+      <a:fillStyleLst>
+        <a:solidFill>
+          <a:schemeClr val="phClr"/>
+        </a:solidFill>
+        <a:gradFill rotWithShape="1">
+          <a:gsLst>
+            <a:gs pos="0">
+              <a:schemeClr val="phClr">
+                <a:tint val="50000"/>
+                <a:satMod val="300000"/>
+              </a:schemeClr>
+            </a:gs>
+            <a:gs pos="35000">
+              <a:schemeClr val="phClr">
+                <a:tint val="37000"/>
+                <a:satMod val="300000"/>
+              </a:schemeClr>
+            </a:gs>
+            <a:gs pos="100000">
+              <a:schemeClr val="phClr">
+                <a:tint val="15000"/>
+                <a:satMod val="350000"/>
+              </a:schemeClr>
+            </a:gs>
+          </a:gsLst>
+          <a:lin ang="16200000" scaled="1"/>
+        </a:gradFill>
+        <a:gradFill rotWithShape="1">
+          <a:gsLst>
+            <a:gs pos="0">
+              <a:schemeClr val="phClr">
+                <a:tint val="100000"/>
+                <a:shade val="100000"/>
+                <a:satMod val="130000"/>
+              </a:schemeClr>
+            </a:gs>
+            <a:gs pos="100000">
+              <a:schemeClr val="phClr">
+                <a:tint val="50000"/>
+                <a:shade val="100000"/>
+                <a:satMod val="350000"/>
+              </a:schemeClr>
+            </a:gs>
+          </a:gsLst>
+          <a:lin ang="16200000" scaled="0"/>
+        </a:gradFill>
+      </a:fillStyleLst>
+      <a:lnStyleLst>
+        <a:ln w="9525" cap="flat" cmpd="sng" algn="ctr">
+          <a:solidFill>
+            <a:schemeClr val="phClr">
+              <a:shade val="95000"/>
+              <a:satMod val="105000"/>
+            </a:schemeClr>
+          </a:solidFill>
+          <a:prstDash val="solid"/>
+        </a:ln>
+        <a:ln w="25400" cap="flat" cmpd="sng" algn="ctr">
+          <a:solidFill>
+            <a:schemeClr val="phClr"/>
+          </a:solidFill>
+          <a:prstDash val="solid"/>
+        </a:ln>
+        <a:ln w="38100" cap="flat" cmpd="sng" algn="ctr">
+          <a:solidFill>
+            <a:schemeClr val="phClr"/>
+          </a:solidFill>
+          <a:prstDash val="solid"/>
+        </a:ln>
+      </a:lnStyleLst>
+      <a:effectStyleLst>
+        <a:effectStyle>
+          <a:effectLst>
+            <a:outerShdw blurRad="40000" dist="20000" dir="5400000" rotWithShape="0">
+              <a:srgbClr val="000000">
+                <a:alpha val="38000"/>
+              </a:srgbClr>
+            </a:outerShdw>
+          </a:effectLst>
+        </a:effectStyle>
+        <a:effectStyle>
+          <a:effectLst>
+            <a:outerShdw blurRad="40000" dist="23000" dir="5400000" rotWithShape="0">
+              <a:srgbClr val="000000">
+                <a:alpha val="35000"/>
+              </a:srgbClr>
+            </a:outerShdw>
+          </a:effectLst>
+        </a:effectStyle>
+        <a:effectStyle>
+          <a:effectLst>
+            <a:outerShdw blurRad="40000" dist="23000" dir="5400000" rotWithShape="0">
+              <a:srgbClr val="000000">
+                <a:alpha val="35000"/>
+              </a:srgbClr>
+            </a:outerShdw>
+          </a:effectLst>
+          <a:scene3d>
+            <a:camera prst="orthographicFront">
+              <a:rot lat="0" lon="0" rev="0"/>
+            </a:camera>
+            <a:lightRig rig="threePt" dir="t">
+              <a:rot lat="0" lon="0" rev="1200000"/>
+            </a:lightRig>
+          </a:scene3d>
+          <a:sp3d>
+            <a:bevelT w="63500" h="25400"/>
+          </a:sp3d>
+        </a:effectStyle>
+      </a:effectStyleLst>
+      <a:bgFillStyleLst>
+        <a:solidFill>
+          <a:schemeClr val="phClr"/>
+        </a:solidFill>
+        <a:gradFill rotWithShape="1">
+          <a:gsLst>
+            <a:gs pos="0">
+              <a:schemeClr val="phClr">
+                <a:tint val="40000"/>
+                <a:satMod val="350000"/>
+              </a:schemeClr>
+            </a:gs>
+            <a:gs pos="40000">
+              <a:schemeClr val="phClr">
+                <a:tint val="45000"/>
+                <a:shade val="99000"/>
+                <a:satMod val="350000"/>
+              </a:schemeClr>
+            </a:gs>
+            <a:gs pos="100000">
+              <a:schemeClr val="phClr">
+                <a:shade val="20000"/>
+                <a:satMod val="255000"/>
+              </a:schemeClr>
+            </a:gs>
+          </a:gsLst>
+          <a:path path="circle">
+            <a:fillToRect l="50000" t="-80000" r="50000" b="180000"/>
+          </a:path>
+        </a:gradFill>
+        <a:gradFill rotWithShape="1">
+          <a:gsLst>
+            <a:gs pos="0">
+              <a:schemeClr val="phClr">
+                <a:tint val="80000"/>
+                <a:satMod val="300000"/>
+              </a:schemeClr>
+            </a:gs>
+            <a:gs pos="100000">
+              <a:schemeClr val="phClr">
+                <a:shade val="30000"/>
+                <a:satMod val="200000"/>
+              </a:schemeClr>
+            </a:gs>
+          </a:gsLst>
+          <a:path path="circle">
+            <a:fillToRect l="50000" t="50000" r="50000" b="50000"/>
+          </a:path>
+        </a:gradFill>
+      </a:bgFillStyleLst>
+    </a:fmtScheme>
+  </a:themeElements>
+  <a:objectDefaults/>
+  <a:extraClrSchemeLst/>
+</a:theme>
+</file>
+
+<file path=ppt/theme/theme2.xml><?xml version="1.0" encoding="utf-8"?>
+<a:theme xmlns:a="http://schemas.openxmlformats.org/drawingml/2006/main">
   <a:themeElements>
     <a:clrScheme name="Default">
       <a:dk1>
@@ -11961,284 +12444,7 @@
       </a:bgFillStyleLst>
     </a:fmtScheme>
   </a:themeElements>
-</a:theme>
-</file>
-
-<file path=ppt/theme/theme2.xml><?xml version="1.0" encoding="utf-8"?>
-<a:theme xmlns:a="http://schemas.openxmlformats.org/drawingml/2006/main" xmlns:r="http://schemas.openxmlformats.org/officeDocument/2006/relationships" name="Tarento Light">
-  <a:themeElements>
-    <a:clrScheme name="Simple Light">
-      <a:dk1>
-        <a:srgbClr val="191919"/>
-      </a:dk1>
-      <a:lt1>
-        <a:srgbClr val="FFFFFF"/>
-      </a:lt1>
-      <a:dk2>
-        <a:srgbClr val="595959"/>
-      </a:dk2>
-      <a:lt2>
-        <a:srgbClr val="EEEEEE"/>
-      </a:lt2>
-      <a:accent1>
-        <a:srgbClr val="1E8F8E"/>
-      </a:accent1>
-      <a:accent2>
-        <a:srgbClr val="16283C"/>
-      </a:accent2>
-      <a:accent3>
-        <a:srgbClr val="78909C"/>
-      </a:accent3>
-      <a:accent4>
-        <a:srgbClr val="EF5252"/>
-      </a:accent4>
-      <a:accent5>
-        <a:srgbClr val="99ECDD"/>
-      </a:accent5>
-      <a:accent6>
-        <a:srgbClr val="FFE386"/>
-      </a:accent6>
-      <a:hlink>
-        <a:srgbClr val="1E8F8E"/>
-      </a:hlink>
-      <a:folHlink>
-        <a:srgbClr val="0097A7"/>
-      </a:folHlink>
-    </a:clrScheme>
-    <a:fontScheme name="Office">
-      <a:majorFont>
-        <a:latin typeface="Arial"/>
-        <a:ea typeface=""/>
-        <a:cs typeface=""/>
-        <a:font script="Jpan" typeface="ＭＳ Ｐゴシック"/>
-        <a:font script="Hang" typeface="맑은 고딕"/>
-        <a:font script="Hans" typeface="宋体"/>
-        <a:font script="Hant" typeface="新細明體"/>
-        <a:font script="Arab" typeface="Times New Roman"/>
-        <a:font script="Hebr" typeface="Times New Roman"/>
-        <a:font script="Thai" typeface="Angsana New"/>
-        <a:font script="Ethi" typeface="Nyala"/>
-        <a:font script="Beng" typeface="Vrinda"/>
-        <a:font script="Gujr" typeface="Shruti"/>
-        <a:font script="Khmr" typeface="MoolBoran"/>
-        <a:font script="Knda" typeface="Tunga"/>
-        <a:font script="Guru" typeface="Raavi"/>
-        <a:font script="Cans" typeface="Euphemia"/>
-        <a:font script="Cher" typeface="Plantagenet Cherokee"/>
-        <a:font script="Yiii" typeface="Microsoft Yi Baiti"/>
-        <a:font script="Tibt" typeface="Microsoft Himalaya"/>
-        <a:font script="Thaa" typeface="MV Boli"/>
-        <a:font script="Deva" typeface="Mangal"/>
-        <a:font script="Telu" typeface="Gautami"/>
-        <a:font script="Taml" typeface="Latha"/>
-        <a:font script="Syrc" typeface="Estrangelo Edessa"/>
-        <a:font script="Orya" typeface="Kalinga"/>
-        <a:font script="Mlym" typeface="Kartika"/>
-        <a:font script="Laoo" typeface="DokChampa"/>
-        <a:font script="Sinh" typeface="Iskoola Pota"/>
-        <a:font script="Mong" typeface="Mongolian Baiti"/>
-        <a:font script="Viet" typeface="Times New Roman"/>
-        <a:font script="Uigh" typeface="Microsoft Uighur"/>
-        <a:font script="Geor" typeface="Sylfaen"/>
-      </a:majorFont>
-      <a:minorFont>
-        <a:latin typeface="Arial"/>
-        <a:ea typeface=""/>
-        <a:cs typeface=""/>
-        <a:font script="Jpan" typeface="ＭＳ Ｐゴシック"/>
-        <a:font script="Hang" typeface="맑은 고딕"/>
-        <a:font script="Hans" typeface="宋体"/>
-        <a:font script="Hant" typeface="新細明體"/>
-        <a:font script="Arab" typeface="Arial"/>
-        <a:font script="Hebr" typeface="Arial"/>
-        <a:font script="Thai" typeface="Cordia New"/>
-        <a:font script="Ethi" typeface="Nyala"/>
-        <a:font script="Beng" typeface="Vrinda"/>
-        <a:font script="Gujr" typeface="Shruti"/>
-        <a:font script="Khmr" typeface="DaunPenh"/>
-        <a:font script="Knda" typeface="Tunga"/>
-        <a:font script="Guru" typeface="Raavi"/>
-        <a:font script="Cans" typeface="Euphemia"/>
-        <a:font script="Cher" typeface="Plantagenet Cherokee"/>
-        <a:font script="Yiii" typeface="Microsoft Yi Baiti"/>
-        <a:font script="Tibt" typeface="Microsoft Himalaya"/>
-        <a:font script="Thaa" typeface="MV Boli"/>
-        <a:font script="Deva" typeface="Mangal"/>
-        <a:font script="Telu" typeface="Gautami"/>
-        <a:font script="Taml" typeface="Latha"/>
-        <a:font script="Syrc" typeface="Estrangelo Edessa"/>
-        <a:font script="Orya" typeface="Kalinga"/>
-        <a:font script="Mlym" typeface="Kartika"/>
-        <a:font script="Laoo" typeface="DokChampa"/>
-        <a:font script="Sinh" typeface="Iskoola Pota"/>
-        <a:font script="Mong" typeface="Mongolian Baiti"/>
-        <a:font script="Viet" typeface="Arial"/>
-        <a:font script="Uigh" typeface="Microsoft Uighur"/>
-        <a:font script="Geor" typeface="Sylfaen"/>
-      </a:minorFont>
-    </a:fontScheme>
-    <a:fmtScheme name="Office">
-      <a:fillStyleLst>
-        <a:solidFill>
-          <a:schemeClr val="phClr"/>
-        </a:solidFill>
-        <a:gradFill rotWithShape="1">
-          <a:gsLst>
-            <a:gs pos="0">
-              <a:schemeClr val="phClr">
-                <a:tint val="50000"/>
-                <a:satMod val="300000"/>
-              </a:schemeClr>
-            </a:gs>
-            <a:gs pos="35000">
-              <a:schemeClr val="phClr">
-                <a:tint val="37000"/>
-                <a:satMod val="300000"/>
-              </a:schemeClr>
-            </a:gs>
-            <a:gs pos="100000">
-              <a:schemeClr val="phClr">
-                <a:tint val="15000"/>
-                <a:satMod val="350000"/>
-              </a:schemeClr>
-            </a:gs>
-          </a:gsLst>
-          <a:lin ang="16200000" scaled="1"/>
-        </a:gradFill>
-        <a:gradFill rotWithShape="1">
-          <a:gsLst>
-            <a:gs pos="0">
-              <a:schemeClr val="phClr">
-                <a:tint val="100000"/>
-                <a:shade val="100000"/>
-                <a:satMod val="130000"/>
-              </a:schemeClr>
-            </a:gs>
-            <a:gs pos="100000">
-              <a:schemeClr val="phClr">
-                <a:tint val="50000"/>
-                <a:shade val="100000"/>
-                <a:satMod val="350000"/>
-              </a:schemeClr>
-            </a:gs>
-          </a:gsLst>
-          <a:lin ang="16200000" scaled="0"/>
-        </a:gradFill>
-      </a:fillStyleLst>
-      <a:lnStyleLst>
-        <a:ln w="9525" cap="flat" cmpd="sng" algn="ctr">
-          <a:solidFill>
-            <a:schemeClr val="phClr">
-              <a:shade val="95000"/>
-              <a:satMod val="105000"/>
-            </a:schemeClr>
-          </a:solidFill>
-          <a:prstDash val="solid"/>
-        </a:ln>
-        <a:ln w="25400" cap="flat" cmpd="sng" algn="ctr">
-          <a:solidFill>
-            <a:schemeClr val="phClr"/>
-          </a:solidFill>
-          <a:prstDash val="solid"/>
-        </a:ln>
-        <a:ln w="38100" cap="flat" cmpd="sng" algn="ctr">
-          <a:solidFill>
-            <a:schemeClr val="phClr"/>
-          </a:solidFill>
-          <a:prstDash val="solid"/>
-        </a:ln>
-      </a:lnStyleLst>
-      <a:effectStyleLst>
-        <a:effectStyle>
-          <a:effectLst>
-            <a:outerShdw blurRad="40000" dist="20000" dir="5400000" rotWithShape="0">
-              <a:srgbClr val="000000">
-                <a:alpha val="38000"/>
-              </a:srgbClr>
-            </a:outerShdw>
-          </a:effectLst>
-        </a:effectStyle>
-        <a:effectStyle>
-          <a:effectLst>
-            <a:outerShdw blurRad="40000" dist="23000" dir="5400000" rotWithShape="0">
-              <a:srgbClr val="000000">
-                <a:alpha val="35000"/>
-              </a:srgbClr>
-            </a:outerShdw>
-          </a:effectLst>
-        </a:effectStyle>
-        <a:effectStyle>
-          <a:effectLst>
-            <a:outerShdw blurRad="40000" dist="23000" dir="5400000" rotWithShape="0">
-              <a:srgbClr val="000000">
-                <a:alpha val="35000"/>
-              </a:srgbClr>
-            </a:outerShdw>
-          </a:effectLst>
-          <a:scene3d>
-            <a:camera prst="orthographicFront">
-              <a:rot lat="0" lon="0" rev="0"/>
-            </a:camera>
-            <a:lightRig rig="threePt" dir="t">
-              <a:rot lat="0" lon="0" rev="1200000"/>
-            </a:lightRig>
-          </a:scene3d>
-          <a:sp3d>
-            <a:bevelT w="63500" h="25400"/>
-          </a:sp3d>
-        </a:effectStyle>
-      </a:effectStyleLst>
-      <a:bgFillStyleLst>
-        <a:solidFill>
-          <a:schemeClr val="phClr"/>
-        </a:solidFill>
-        <a:gradFill rotWithShape="1">
-          <a:gsLst>
-            <a:gs pos="0">
-              <a:schemeClr val="phClr">
-                <a:tint val="40000"/>
-                <a:satMod val="350000"/>
-              </a:schemeClr>
-            </a:gs>
-            <a:gs pos="40000">
-              <a:schemeClr val="phClr">
-                <a:tint val="45000"/>
-                <a:shade val="99000"/>
-                <a:satMod val="350000"/>
-              </a:schemeClr>
-            </a:gs>
-            <a:gs pos="100000">
-              <a:schemeClr val="phClr">
-                <a:shade val="20000"/>
-                <a:satMod val="255000"/>
-              </a:schemeClr>
-            </a:gs>
-          </a:gsLst>
-          <a:path path="circle">
-            <a:fillToRect l="50000" t="-80000" r="50000" b="180000"/>
-          </a:path>
-        </a:gradFill>
-        <a:gradFill rotWithShape="1">
-          <a:gsLst>
-            <a:gs pos="0">
-              <a:schemeClr val="phClr">
-                <a:tint val="80000"/>
-                <a:satMod val="300000"/>
-              </a:schemeClr>
-            </a:gs>
-            <a:gs pos="100000">
-              <a:schemeClr val="phClr">
-                <a:shade val="30000"/>
-                <a:satMod val="200000"/>
-              </a:schemeClr>
-            </a:gs>
-          </a:gsLst>
-          <a:path path="circle">
-            <a:fillToRect l="50000" t="50000" r="50000" b="50000"/>
-          </a:path>
-        </a:gradFill>
-      </a:bgFillStyleLst>
-    </a:fmtScheme>
-  </a:themeElements>
+  <a:objectDefaults/>
+  <a:extraClrSchemeLst/>
 </a:theme>
 </file>